--- a/etc/Presentation_Group174.pptx
+++ b/etc/Presentation_Group174.pptx
@@ -129,7 +129,7 @@
   </p:defaultTextStyle>
   <p:extLst>
     <p:ext uri="{EFAFB233-063F-42B5-8137-9DF3F51BA10A}">
-      <p15:sldGuideLst xmlns:p15="http://schemas.microsoft.com/office/powerpoint/2012/main">
+      <p15:sldGuideLst xmlns:p15="http://schemas.microsoft.com/office/powerpoint/2012/main" xmlns="">
         <p15:guide id="1" orient="horz" pos="2160">
           <p15:clr>
             <a:srgbClr val="A4A3A4"/>
@@ -2916,6 +2916,13 @@
         </dgm:presLayoutVars>
       </dgm:prSet>
       <dgm:spPr/>
+      <dgm:t>
+        <a:bodyPr/>
+        <a:lstStyle/>
+        <a:p>
+          <a:endParaRPr lang="en-US"/>
+        </a:p>
+      </dgm:t>
     </dgm:pt>
     <dgm:pt modelId="{0FCDB60A-D808-4E3B-B10B-CF382646693F}" type="pres">
       <dgm:prSet presAssocID="{35E1C893-9F3E-4CF3-80DC-8516DBAE74AD}" presName="composite" presStyleCnt="0"/>
@@ -2929,6 +2936,13 @@
         </dgm:presLayoutVars>
       </dgm:prSet>
       <dgm:spPr/>
+      <dgm:t>
+        <a:bodyPr/>
+        <a:lstStyle/>
+        <a:p>
+          <a:endParaRPr lang="en-US"/>
+        </a:p>
+      </dgm:t>
     </dgm:pt>
     <dgm:pt modelId="{1462C359-9E19-4BE4-97B9-CA757AAD1133}" type="pres">
       <dgm:prSet presAssocID="{35E1C893-9F3E-4CF3-80DC-8516DBAE74AD}" presName="descendantText" presStyleLbl="alignAcc1" presStyleIdx="0" presStyleCnt="5">
@@ -2937,6 +2951,13 @@
         </dgm:presLayoutVars>
       </dgm:prSet>
       <dgm:spPr/>
+      <dgm:t>
+        <a:bodyPr/>
+        <a:lstStyle/>
+        <a:p>
+          <a:endParaRPr lang="en-US"/>
+        </a:p>
+      </dgm:t>
     </dgm:pt>
     <dgm:pt modelId="{968175C9-2EBC-4974-8BD2-F43C24E735AC}" type="pres">
       <dgm:prSet presAssocID="{5E5B8D0B-8044-4D9A-B4F1-4C28A3D99A76}" presName="sp" presStyleCnt="0"/>
@@ -2954,6 +2975,13 @@
         </dgm:presLayoutVars>
       </dgm:prSet>
       <dgm:spPr/>
+      <dgm:t>
+        <a:bodyPr/>
+        <a:lstStyle/>
+        <a:p>
+          <a:endParaRPr lang="en-US"/>
+        </a:p>
+      </dgm:t>
     </dgm:pt>
     <dgm:pt modelId="{259444BF-4A07-487A-BD1E-F88A33A7EF23}" type="pres">
       <dgm:prSet presAssocID="{F1E41150-3182-4963-9654-E2FBC62D242F}" presName="descendantText" presStyleLbl="alignAcc1" presStyleIdx="1" presStyleCnt="5">
@@ -2962,6 +2990,13 @@
         </dgm:presLayoutVars>
       </dgm:prSet>
       <dgm:spPr/>
+      <dgm:t>
+        <a:bodyPr/>
+        <a:lstStyle/>
+        <a:p>
+          <a:endParaRPr lang="en-US"/>
+        </a:p>
+      </dgm:t>
     </dgm:pt>
     <dgm:pt modelId="{FA8E7AE9-2847-4AED-B920-DFBE670FD4E5}" type="pres">
       <dgm:prSet presAssocID="{31ED645E-7ABA-4923-AD40-CE618A4E2C8B}" presName="sp" presStyleCnt="0"/>
@@ -2979,6 +3014,13 @@
         </dgm:presLayoutVars>
       </dgm:prSet>
       <dgm:spPr/>
+      <dgm:t>
+        <a:bodyPr/>
+        <a:lstStyle/>
+        <a:p>
+          <a:endParaRPr lang="en-US"/>
+        </a:p>
+      </dgm:t>
     </dgm:pt>
     <dgm:pt modelId="{918FA133-5016-4F8F-BAA4-F78CB2927E25}" type="pres">
       <dgm:prSet presAssocID="{72315653-60DA-4739-A5D6-1F4921399C46}" presName="descendantText" presStyleLbl="alignAcc1" presStyleIdx="2" presStyleCnt="5">
@@ -2987,6 +3029,13 @@
         </dgm:presLayoutVars>
       </dgm:prSet>
       <dgm:spPr/>
+      <dgm:t>
+        <a:bodyPr/>
+        <a:lstStyle/>
+        <a:p>
+          <a:endParaRPr lang="en-US"/>
+        </a:p>
+      </dgm:t>
     </dgm:pt>
     <dgm:pt modelId="{DCCC52F2-E707-4CB4-AF40-4E5BE1A7DE28}" type="pres">
       <dgm:prSet presAssocID="{EBE07353-045C-478F-99EF-6D7731B56887}" presName="sp" presStyleCnt="0"/>
@@ -3004,6 +3053,13 @@
         </dgm:presLayoutVars>
       </dgm:prSet>
       <dgm:spPr/>
+      <dgm:t>
+        <a:bodyPr/>
+        <a:lstStyle/>
+        <a:p>
+          <a:endParaRPr lang="en-US"/>
+        </a:p>
+      </dgm:t>
     </dgm:pt>
     <dgm:pt modelId="{D385084F-57BF-4A43-9C0D-8C89B9CF8A8B}" type="pres">
       <dgm:prSet presAssocID="{F4713BA1-D0B4-45C9-9863-52955732957D}" presName="descendantText" presStyleLbl="alignAcc1" presStyleIdx="3" presStyleCnt="5">
@@ -3012,6 +3068,13 @@
         </dgm:presLayoutVars>
       </dgm:prSet>
       <dgm:spPr/>
+      <dgm:t>
+        <a:bodyPr/>
+        <a:lstStyle/>
+        <a:p>
+          <a:endParaRPr lang="en-US"/>
+        </a:p>
+      </dgm:t>
     </dgm:pt>
     <dgm:pt modelId="{69A4D060-95E9-4989-87BB-196B8669E537}" type="pres">
       <dgm:prSet presAssocID="{53D0D0D6-D0D1-403D-8469-750B61A97414}" presName="sp" presStyleCnt="0"/>
@@ -3029,6 +3092,13 @@
         </dgm:presLayoutVars>
       </dgm:prSet>
       <dgm:spPr/>
+      <dgm:t>
+        <a:bodyPr/>
+        <a:lstStyle/>
+        <a:p>
+          <a:endParaRPr lang="en-US"/>
+        </a:p>
+      </dgm:t>
     </dgm:pt>
     <dgm:pt modelId="{8FC2D2CB-F00E-46E4-8DD6-7C1367D621CC}" type="pres">
       <dgm:prSet presAssocID="{03A5091E-0BD5-4E3C-AEAD-C31AAC877864}" presName="descendantText" presStyleLbl="alignAcc1" presStyleIdx="4" presStyleCnt="5">
@@ -3037,29 +3107,36 @@
         </dgm:presLayoutVars>
       </dgm:prSet>
       <dgm:spPr/>
+      <dgm:t>
+        <a:bodyPr/>
+        <a:lstStyle/>
+        <a:p>
+          <a:endParaRPr lang="en-US"/>
+        </a:p>
+      </dgm:t>
     </dgm:pt>
   </dgm:ptLst>
   <dgm:cxnLst>
+    <dgm:cxn modelId="{0ABA972C-5F3B-453F-8B56-52C4712B5F55}" srcId="{E00A43AF-545D-4EF8-8BEF-DBC8D3A5C979}" destId="{72315653-60DA-4739-A5D6-1F4921399C46}" srcOrd="2" destOrd="0" parTransId="{20314D5C-792E-47D2-9887-76C0D104FDFD}" sibTransId="{EBE07353-045C-478F-99EF-6D7731B56887}"/>
+    <dgm:cxn modelId="{1204C7F6-68D3-46EA-9B1A-8EB76F46B32D}" srcId="{E00A43AF-545D-4EF8-8BEF-DBC8D3A5C979}" destId="{03A5091E-0BD5-4E3C-AEAD-C31AAC877864}" srcOrd="4" destOrd="0" parTransId="{02149CA3-AFB3-4D23-8D9C-74ABE23243ED}" sibTransId="{02588174-A1CC-4464-B067-813F98F6A361}"/>
+    <dgm:cxn modelId="{CC01E1D1-D6F4-48F6-B09B-8269D8BA0DB1}" srcId="{E00A43AF-545D-4EF8-8BEF-DBC8D3A5C979}" destId="{F1E41150-3182-4963-9654-E2FBC62D242F}" srcOrd="1" destOrd="0" parTransId="{D35024DB-C712-436A-A150-7FC6D7AC9DF7}" sibTransId="{31ED645E-7ABA-4923-AD40-CE618A4E2C8B}"/>
+    <dgm:cxn modelId="{629AFDA4-3AFA-461E-BCD0-EEEBAE5785A9}" srcId="{E00A43AF-545D-4EF8-8BEF-DBC8D3A5C979}" destId="{35E1C893-9F3E-4CF3-80DC-8516DBAE74AD}" srcOrd="0" destOrd="0" parTransId="{ED753416-BF56-43C0-B744-8049BDDB8808}" sibTransId="{5E5B8D0B-8044-4D9A-B4F1-4C28A3D99A76}"/>
+    <dgm:cxn modelId="{78670A27-9D60-422A-A9C0-13B9F62E7516}" srcId="{F1E41150-3182-4963-9654-E2FBC62D242F}" destId="{77A26435-50E2-4B91-AC22-213C2013123F}" srcOrd="0" destOrd="0" parTransId="{E9E9E88D-1716-4BAC-AB2A-D700882B3B54}" sibTransId="{23F90E83-B85F-483B-81A2-967411959777}"/>
+    <dgm:cxn modelId="{B346155C-A3E6-455E-B654-1FD9F9FF15C7}" srcId="{03A5091E-0BD5-4E3C-AEAD-C31AAC877864}" destId="{164D8594-30AE-4B98-A189-385CB4A983B8}" srcOrd="0" destOrd="0" parTransId="{1777F2CF-4964-467D-BE7A-5B2063C4D683}" sibTransId="{B0512369-AB06-4E8C-A79A-30AAA093DA35}"/>
+    <dgm:cxn modelId="{17F63491-E622-49ED-A9FB-D3AC5969FCFF}" srcId="{72315653-60DA-4739-A5D6-1F4921399C46}" destId="{26FA3246-C295-4F26-B070-F9F824955EF8}" srcOrd="0" destOrd="0" parTransId="{A43071B5-31F8-4F93-B189-7AEE47DB3EE4}" sibTransId="{825B3972-F37B-4048-B754-B83AA5EF7DDD}"/>
+    <dgm:cxn modelId="{5047E382-9959-408E-BA12-C3F783555DED}" type="presOf" srcId="{26FA3246-C295-4F26-B070-F9F824955EF8}" destId="{918FA133-5016-4F8F-BAA4-F78CB2927E25}" srcOrd="0" destOrd="0" presId="urn:microsoft.com/office/officeart/2005/8/layout/chevron2"/>
+    <dgm:cxn modelId="{648A7BF0-E66E-4952-A1B3-069859EE1DE1}" type="presOf" srcId="{E00A43AF-545D-4EF8-8BEF-DBC8D3A5C979}" destId="{B6DD5F9F-347F-4220-9089-C0B82ED4EDC7}" srcOrd="0" destOrd="0" presId="urn:microsoft.com/office/officeart/2005/8/layout/chevron2"/>
+    <dgm:cxn modelId="{540A62AB-49C0-429D-A6BB-400A5E5EB842}" type="presOf" srcId="{2E948238-5ED8-42FA-ACBD-F8D6BA0379F8}" destId="{D385084F-57BF-4A43-9C0D-8C89B9CF8A8B}" srcOrd="0" destOrd="0" presId="urn:microsoft.com/office/officeart/2005/8/layout/chevron2"/>
+    <dgm:cxn modelId="{5528D357-501D-4E84-9926-0918E86FE761}" type="presOf" srcId="{03A5091E-0BD5-4E3C-AEAD-C31AAC877864}" destId="{335ED53C-DC79-4C71-A743-3B190DAD7999}" srcOrd="0" destOrd="0" presId="urn:microsoft.com/office/officeart/2005/8/layout/chevron2"/>
     <dgm:cxn modelId="{2866E615-2DCD-483D-A358-A294B460B105}" type="presOf" srcId="{0A0DD5D4-B61B-4AAF-A4CD-70FA2E59CCE2}" destId="{1462C359-9E19-4BE4-97B9-CA757AAD1133}" srcOrd="0" destOrd="0" presId="urn:microsoft.com/office/officeart/2005/8/layout/chevron2"/>
-    <dgm:cxn modelId="{4AECE924-9DEF-4098-B97C-557E8EE9230B}" type="presOf" srcId="{F1E41150-3182-4963-9654-E2FBC62D242F}" destId="{1701405E-D700-40C4-AEFA-2DE714A19792}" srcOrd="0" destOrd="0" presId="urn:microsoft.com/office/officeart/2005/8/layout/chevron2"/>
-    <dgm:cxn modelId="{78670A27-9D60-422A-A9C0-13B9F62E7516}" srcId="{F1E41150-3182-4963-9654-E2FBC62D242F}" destId="{77A26435-50E2-4B91-AC22-213C2013123F}" srcOrd="0" destOrd="0" parTransId="{E9E9E88D-1716-4BAC-AB2A-D700882B3B54}" sibTransId="{23F90E83-B85F-483B-81A2-967411959777}"/>
-    <dgm:cxn modelId="{0ABA972C-5F3B-453F-8B56-52C4712B5F55}" srcId="{E00A43AF-545D-4EF8-8BEF-DBC8D3A5C979}" destId="{72315653-60DA-4739-A5D6-1F4921399C46}" srcOrd="2" destOrd="0" parTransId="{20314D5C-792E-47D2-9887-76C0D104FDFD}" sibTransId="{EBE07353-045C-478F-99EF-6D7731B56887}"/>
+    <dgm:cxn modelId="{20D98B6B-2B32-4C3E-B31A-8E3ED21F38B8}" srcId="{E00A43AF-545D-4EF8-8BEF-DBC8D3A5C979}" destId="{F4713BA1-D0B4-45C9-9863-52955732957D}" srcOrd="3" destOrd="0" parTransId="{775A7561-BCB0-4E71-AD1A-AD498DB9D8DF}" sibTransId="{53D0D0D6-D0D1-403D-8469-750B61A97414}"/>
+    <dgm:cxn modelId="{2CCD9549-B874-429A-A55E-1398CAF86391}" type="presOf" srcId="{72315653-60DA-4739-A5D6-1F4921399C46}" destId="{D034440C-8231-42D1-AF97-F60FF5D0887C}" srcOrd="0" destOrd="0" presId="urn:microsoft.com/office/officeart/2005/8/layout/chevron2"/>
     <dgm:cxn modelId="{912A7431-6C90-4177-8F16-9C7741C0D297}" type="presOf" srcId="{35E1C893-9F3E-4CF3-80DC-8516DBAE74AD}" destId="{1041CE7E-F136-4C2C-AEA2-CC67A36BADAD}" srcOrd="0" destOrd="0" presId="urn:microsoft.com/office/officeart/2005/8/layout/chevron2"/>
     <dgm:cxn modelId="{3DE39C3C-5C58-4D99-B97F-F5FC8C9F8622}" type="presOf" srcId="{F4713BA1-D0B4-45C9-9863-52955732957D}" destId="{496CA13F-4EDD-4E27-A604-EC5259832CF6}" srcOrd="0" destOrd="0" presId="urn:microsoft.com/office/officeart/2005/8/layout/chevron2"/>
-    <dgm:cxn modelId="{B346155C-A3E6-455E-B654-1FD9F9FF15C7}" srcId="{03A5091E-0BD5-4E3C-AEAD-C31AAC877864}" destId="{164D8594-30AE-4B98-A189-385CB4A983B8}" srcOrd="0" destOrd="0" parTransId="{1777F2CF-4964-467D-BE7A-5B2063C4D683}" sibTransId="{B0512369-AB06-4E8C-A79A-30AAA093DA35}"/>
-    <dgm:cxn modelId="{2CCD9549-B874-429A-A55E-1398CAF86391}" type="presOf" srcId="{72315653-60DA-4739-A5D6-1F4921399C46}" destId="{D034440C-8231-42D1-AF97-F60FF5D0887C}" srcOrd="0" destOrd="0" presId="urn:microsoft.com/office/officeart/2005/8/layout/chevron2"/>
-    <dgm:cxn modelId="{20D98B6B-2B32-4C3E-B31A-8E3ED21F38B8}" srcId="{E00A43AF-545D-4EF8-8BEF-DBC8D3A5C979}" destId="{F4713BA1-D0B4-45C9-9863-52955732957D}" srcOrd="3" destOrd="0" parTransId="{775A7561-BCB0-4E71-AD1A-AD498DB9D8DF}" sibTransId="{53D0D0D6-D0D1-403D-8469-750B61A97414}"/>
-    <dgm:cxn modelId="{5528D357-501D-4E84-9926-0918E86FE761}" type="presOf" srcId="{03A5091E-0BD5-4E3C-AEAD-C31AAC877864}" destId="{335ED53C-DC79-4C71-A743-3B190DAD7999}" srcOrd="0" destOrd="0" presId="urn:microsoft.com/office/officeart/2005/8/layout/chevron2"/>
-    <dgm:cxn modelId="{5047E382-9959-408E-BA12-C3F783555DED}" type="presOf" srcId="{26FA3246-C295-4F26-B070-F9F824955EF8}" destId="{918FA133-5016-4F8F-BAA4-F78CB2927E25}" srcOrd="0" destOrd="0" presId="urn:microsoft.com/office/officeart/2005/8/layout/chevron2"/>
-    <dgm:cxn modelId="{17F63491-E622-49ED-A9FB-D3AC5969FCFF}" srcId="{72315653-60DA-4739-A5D6-1F4921399C46}" destId="{26FA3246-C295-4F26-B070-F9F824955EF8}" srcOrd="0" destOrd="0" parTransId="{A43071B5-31F8-4F93-B189-7AEE47DB3EE4}" sibTransId="{825B3972-F37B-4048-B754-B83AA5EF7DDD}"/>
     <dgm:cxn modelId="{9F65559D-3FDA-4625-8D8B-0CB634D3D5B1}" type="presOf" srcId="{77A26435-50E2-4B91-AC22-213C2013123F}" destId="{259444BF-4A07-487A-BD1E-F88A33A7EF23}" srcOrd="0" destOrd="0" presId="urn:microsoft.com/office/officeart/2005/8/layout/chevron2"/>
-    <dgm:cxn modelId="{629AFDA4-3AFA-461E-BCD0-EEEBAE5785A9}" srcId="{E00A43AF-545D-4EF8-8BEF-DBC8D3A5C979}" destId="{35E1C893-9F3E-4CF3-80DC-8516DBAE74AD}" srcOrd="0" destOrd="0" parTransId="{ED753416-BF56-43C0-B744-8049BDDB8808}" sibTransId="{5E5B8D0B-8044-4D9A-B4F1-4C28A3D99A76}"/>
-    <dgm:cxn modelId="{540A62AB-49C0-429D-A6BB-400A5E5EB842}" type="presOf" srcId="{2E948238-5ED8-42FA-ACBD-F8D6BA0379F8}" destId="{D385084F-57BF-4A43-9C0D-8C89B9CF8A8B}" srcOrd="0" destOrd="0" presId="urn:microsoft.com/office/officeart/2005/8/layout/chevron2"/>
+    <dgm:cxn modelId="{4AECE924-9DEF-4098-B97C-557E8EE9230B}" type="presOf" srcId="{F1E41150-3182-4963-9654-E2FBC62D242F}" destId="{1701405E-D700-40C4-AEFA-2DE714A19792}" srcOrd="0" destOrd="0" presId="urn:microsoft.com/office/officeart/2005/8/layout/chevron2"/>
+    <dgm:cxn modelId="{471784C9-9D3D-4063-A789-4B3234EB77D1}" srcId="{F4713BA1-D0B4-45C9-9863-52955732957D}" destId="{2E948238-5ED8-42FA-ACBD-F8D6BA0379F8}" srcOrd="0" destOrd="0" parTransId="{B3140AC3-FB13-4C07-BDFD-A3095D87D2EA}" sibTransId="{5731110E-EFF8-4353-8106-64023F2AC84C}"/>
     <dgm:cxn modelId="{FC8C86C7-9544-4C4E-850D-BF2DC9ED5BC0}" type="presOf" srcId="{164D8594-30AE-4B98-A189-385CB4A983B8}" destId="{8FC2D2CB-F00E-46E4-8DD6-7C1367D621CC}" srcOrd="0" destOrd="0" presId="urn:microsoft.com/office/officeart/2005/8/layout/chevron2"/>
-    <dgm:cxn modelId="{471784C9-9D3D-4063-A789-4B3234EB77D1}" srcId="{F4713BA1-D0B4-45C9-9863-52955732957D}" destId="{2E948238-5ED8-42FA-ACBD-F8D6BA0379F8}" srcOrd="0" destOrd="0" parTransId="{B3140AC3-FB13-4C07-BDFD-A3095D87D2EA}" sibTransId="{5731110E-EFF8-4353-8106-64023F2AC84C}"/>
-    <dgm:cxn modelId="{CC01E1D1-D6F4-48F6-B09B-8269D8BA0DB1}" srcId="{E00A43AF-545D-4EF8-8BEF-DBC8D3A5C979}" destId="{F1E41150-3182-4963-9654-E2FBC62D242F}" srcOrd="1" destOrd="0" parTransId="{D35024DB-C712-436A-A150-7FC6D7AC9DF7}" sibTransId="{31ED645E-7ABA-4923-AD40-CE618A4E2C8B}"/>
-    <dgm:cxn modelId="{648A7BF0-E66E-4952-A1B3-069859EE1DE1}" type="presOf" srcId="{E00A43AF-545D-4EF8-8BEF-DBC8D3A5C979}" destId="{B6DD5F9F-347F-4220-9089-C0B82ED4EDC7}" srcOrd="0" destOrd="0" presId="urn:microsoft.com/office/officeart/2005/8/layout/chevron2"/>
-    <dgm:cxn modelId="{1204C7F6-68D3-46EA-9B1A-8EB76F46B32D}" srcId="{E00A43AF-545D-4EF8-8BEF-DBC8D3A5C979}" destId="{03A5091E-0BD5-4E3C-AEAD-C31AAC877864}" srcOrd="4" destOrd="0" parTransId="{02149CA3-AFB3-4D23-8D9C-74ABE23243ED}" sibTransId="{02588174-A1CC-4464-B067-813F98F6A361}"/>
     <dgm:cxn modelId="{D7FDAEF7-B8E6-464A-ABDD-F483FAB4FB93}" srcId="{35E1C893-9F3E-4CF3-80DC-8516DBAE74AD}" destId="{0A0DD5D4-B61B-4AAF-A4CD-70FA2E59CCE2}" srcOrd="0" destOrd="0" parTransId="{9705812D-6DD5-402D-88D7-37DFD16179C3}" sibTransId="{7D2B6047-F6E6-486F-844A-A5A0BAA5132D}"/>
     <dgm:cxn modelId="{D2454016-E8D2-4576-8D37-4073A165CA88}" type="presParOf" srcId="{B6DD5F9F-347F-4220-9089-C0B82ED4EDC7}" destId="{0FCDB60A-D808-4E3B-B10B-CF382646693F}" srcOrd="0" destOrd="0" presId="urn:microsoft.com/office/officeart/2005/8/layout/chevron2"/>
     <dgm:cxn modelId="{FD5F221D-3749-4E95-BD8B-725B22607615}" type="presParOf" srcId="{0FCDB60A-D808-4E3B-B10B-CF382646693F}" destId="{1041CE7E-F136-4C2C-AEA2-CC67A36BADAD}" srcOrd="0" destOrd="0" presId="urn:microsoft.com/office/officeart/2005/8/layout/chevron2"/>
@@ -3590,6 +3667,13 @@
         </dgm:presLayoutVars>
       </dgm:prSet>
       <dgm:spPr/>
+      <dgm:t>
+        <a:bodyPr/>
+        <a:lstStyle/>
+        <a:p>
+          <a:endParaRPr lang="en-US"/>
+        </a:p>
+      </dgm:t>
     </dgm:pt>
     <dgm:pt modelId="{0FCDB60A-D808-4E3B-B10B-CF382646693F}" type="pres">
       <dgm:prSet presAssocID="{35E1C893-9F3E-4CF3-80DC-8516DBAE74AD}" presName="composite" presStyleCnt="0"/>
@@ -3603,6 +3687,13 @@
         </dgm:presLayoutVars>
       </dgm:prSet>
       <dgm:spPr/>
+      <dgm:t>
+        <a:bodyPr/>
+        <a:lstStyle/>
+        <a:p>
+          <a:endParaRPr lang="en-US"/>
+        </a:p>
+      </dgm:t>
     </dgm:pt>
     <dgm:pt modelId="{1462C359-9E19-4BE4-97B9-CA757AAD1133}" type="pres">
       <dgm:prSet presAssocID="{35E1C893-9F3E-4CF3-80DC-8516DBAE74AD}" presName="descendantText" presStyleLbl="alignAcc1" presStyleIdx="0" presStyleCnt="5">
@@ -3611,6 +3702,13 @@
         </dgm:presLayoutVars>
       </dgm:prSet>
       <dgm:spPr/>
+      <dgm:t>
+        <a:bodyPr/>
+        <a:lstStyle/>
+        <a:p>
+          <a:endParaRPr lang="en-US"/>
+        </a:p>
+      </dgm:t>
     </dgm:pt>
     <dgm:pt modelId="{968175C9-2EBC-4974-8BD2-F43C24E735AC}" type="pres">
       <dgm:prSet presAssocID="{5E5B8D0B-8044-4D9A-B4F1-4C28A3D99A76}" presName="sp" presStyleCnt="0"/>
@@ -3628,6 +3726,13 @@
         </dgm:presLayoutVars>
       </dgm:prSet>
       <dgm:spPr/>
+      <dgm:t>
+        <a:bodyPr/>
+        <a:lstStyle/>
+        <a:p>
+          <a:endParaRPr lang="en-US"/>
+        </a:p>
+      </dgm:t>
     </dgm:pt>
     <dgm:pt modelId="{259444BF-4A07-487A-BD1E-F88A33A7EF23}" type="pres">
       <dgm:prSet presAssocID="{F1E41150-3182-4963-9654-E2FBC62D242F}" presName="descendantText" presStyleLbl="alignAcc1" presStyleIdx="1" presStyleCnt="5">
@@ -3636,6 +3741,13 @@
         </dgm:presLayoutVars>
       </dgm:prSet>
       <dgm:spPr/>
+      <dgm:t>
+        <a:bodyPr/>
+        <a:lstStyle/>
+        <a:p>
+          <a:endParaRPr lang="en-US"/>
+        </a:p>
+      </dgm:t>
     </dgm:pt>
     <dgm:pt modelId="{FA8E7AE9-2847-4AED-B920-DFBE670FD4E5}" type="pres">
       <dgm:prSet presAssocID="{31ED645E-7ABA-4923-AD40-CE618A4E2C8B}" presName="sp" presStyleCnt="0"/>
@@ -3653,6 +3765,13 @@
         </dgm:presLayoutVars>
       </dgm:prSet>
       <dgm:spPr/>
+      <dgm:t>
+        <a:bodyPr/>
+        <a:lstStyle/>
+        <a:p>
+          <a:endParaRPr lang="en-US"/>
+        </a:p>
+      </dgm:t>
     </dgm:pt>
     <dgm:pt modelId="{918FA133-5016-4F8F-BAA4-F78CB2927E25}" type="pres">
       <dgm:prSet presAssocID="{72315653-60DA-4739-A5D6-1F4921399C46}" presName="descendantText" presStyleLbl="alignAcc1" presStyleIdx="2" presStyleCnt="5">
@@ -3661,6 +3780,13 @@
         </dgm:presLayoutVars>
       </dgm:prSet>
       <dgm:spPr/>
+      <dgm:t>
+        <a:bodyPr/>
+        <a:lstStyle/>
+        <a:p>
+          <a:endParaRPr lang="en-US"/>
+        </a:p>
+      </dgm:t>
     </dgm:pt>
     <dgm:pt modelId="{E5A249F5-DEE6-4F54-83AF-B9451A1CDAC1}" type="pres">
       <dgm:prSet presAssocID="{EBE07353-045C-478F-99EF-6D7731B56887}" presName="sp" presStyleCnt="0"/>
@@ -3678,6 +3804,13 @@
         </dgm:presLayoutVars>
       </dgm:prSet>
       <dgm:spPr/>
+      <dgm:t>
+        <a:bodyPr/>
+        <a:lstStyle/>
+        <a:p>
+          <a:endParaRPr lang="en-US"/>
+        </a:p>
+      </dgm:t>
     </dgm:pt>
     <dgm:pt modelId="{5423E055-0488-425B-B100-354772236E01}" type="pres">
       <dgm:prSet presAssocID="{891F9821-1848-4484-A538-FDC488B55514}" presName="descendantText" presStyleLbl="alignAcc1" presStyleIdx="3" presStyleCnt="5">
@@ -3686,6 +3819,13 @@
         </dgm:presLayoutVars>
       </dgm:prSet>
       <dgm:spPr/>
+      <dgm:t>
+        <a:bodyPr/>
+        <a:lstStyle/>
+        <a:p>
+          <a:endParaRPr lang="en-US"/>
+        </a:p>
+      </dgm:t>
     </dgm:pt>
     <dgm:pt modelId="{F13EDA02-ED7E-49BD-B2B2-F577269AFE66}" type="pres">
       <dgm:prSet presAssocID="{530FE59E-CDD0-4BDE-9238-0E05161294ED}" presName="sp" presStyleCnt="0"/>
@@ -3703,6 +3843,13 @@
         </dgm:presLayoutVars>
       </dgm:prSet>
       <dgm:spPr/>
+      <dgm:t>
+        <a:bodyPr/>
+        <a:lstStyle/>
+        <a:p>
+          <a:endParaRPr lang="en-US"/>
+        </a:p>
+      </dgm:t>
     </dgm:pt>
     <dgm:pt modelId="{5887980F-270A-4B9C-A5BC-B4AEECAB26A2}" type="pres">
       <dgm:prSet presAssocID="{7711D777-72AC-4C86-AC75-C9E0EA6A397B}" presName="descendantText" presStyleLbl="alignAcc1" presStyleIdx="4" presStyleCnt="5">
@@ -3711,30 +3858,37 @@
         </dgm:presLayoutVars>
       </dgm:prSet>
       <dgm:spPr/>
+      <dgm:t>
+        <a:bodyPr/>
+        <a:lstStyle/>
+        <a:p>
+          <a:endParaRPr lang="en-US"/>
+        </a:p>
+      </dgm:t>
     </dgm:pt>
   </dgm:ptLst>
   <dgm:cxnLst>
+    <dgm:cxn modelId="{4B37DB2E-2676-4C2F-920D-FF681289ACCB}" type="presOf" srcId="{891F9821-1848-4484-A538-FDC488B55514}" destId="{E56768B4-CF61-4935-847F-9604E96ED3EF}" srcOrd="0" destOrd="0" presId="urn:microsoft.com/office/officeart/2005/8/layout/chevron2"/>
+    <dgm:cxn modelId="{27AA8676-E7BF-4BDB-9821-95CC59FD54EF}" type="presOf" srcId="{457D2794-7A27-4BE7-84DC-20A12F5F2E54}" destId="{1462C359-9E19-4BE4-97B9-CA757AAD1133}" srcOrd="0" destOrd="0" presId="urn:microsoft.com/office/officeart/2005/8/layout/chevron2"/>
+    <dgm:cxn modelId="{648A7BF0-E66E-4952-A1B3-069859EE1DE1}" type="presOf" srcId="{E00A43AF-545D-4EF8-8BEF-DBC8D3A5C979}" destId="{B6DD5F9F-347F-4220-9089-C0B82ED4EDC7}" srcOrd="0" destOrd="0" presId="urn:microsoft.com/office/officeart/2005/8/layout/chevron2"/>
+    <dgm:cxn modelId="{629AFDA4-3AFA-461E-BCD0-EEEBAE5785A9}" srcId="{E00A43AF-545D-4EF8-8BEF-DBC8D3A5C979}" destId="{35E1C893-9F3E-4CF3-80DC-8516DBAE74AD}" srcOrd="0" destOrd="0" parTransId="{ED753416-BF56-43C0-B744-8049BDDB8808}" sibTransId="{5E5B8D0B-8044-4D9A-B4F1-4C28A3D99A76}"/>
+    <dgm:cxn modelId="{07CCC6F6-117E-4DB0-87CB-045EC85C99E4}" type="presOf" srcId="{814069D2-EE4C-4A4D-A8B8-204C2A99C14F}" destId="{259444BF-4A07-487A-BD1E-F88A33A7EF23}" srcOrd="0" destOrd="0" presId="urn:microsoft.com/office/officeart/2005/8/layout/chevron2"/>
+    <dgm:cxn modelId="{4AECE924-9DEF-4098-B97C-557E8EE9230B}" type="presOf" srcId="{F1E41150-3182-4963-9654-E2FBC62D242F}" destId="{1701405E-D700-40C4-AEFA-2DE714A19792}" srcOrd="0" destOrd="0" presId="urn:microsoft.com/office/officeart/2005/8/layout/chevron2"/>
+    <dgm:cxn modelId="{D8E5AD5F-3CF1-4A47-981C-4245A766FC98}" srcId="{72315653-60DA-4739-A5D6-1F4921399C46}" destId="{D2FF7F26-FA2F-4B07-A73F-22E53B5949C6}" srcOrd="0" destOrd="0" parTransId="{300F7A85-1F63-46E3-AB95-7297F1FBDDD3}" sibTransId="{75C381A3-4837-4861-9981-22766A3FE757}"/>
     <dgm:cxn modelId="{F15F0E00-5422-4731-AD0D-B2311F6B7448}" srcId="{35E1C893-9F3E-4CF3-80DC-8516DBAE74AD}" destId="{457D2794-7A27-4BE7-84DC-20A12F5F2E54}" srcOrd="0" destOrd="0" parTransId="{C596E477-66BA-490B-B7C4-397837891098}" sibTransId="{E42C835C-FB07-41C7-88B2-0FD1C3572E29}"/>
-    <dgm:cxn modelId="{71293A11-C70D-4C14-A87E-84C45F4A74E6}" srcId="{891F9821-1848-4484-A538-FDC488B55514}" destId="{70E08EEA-F5E0-4C3C-8EE2-8E19E9F71F28}" srcOrd="0" destOrd="0" parTransId="{643EC02B-6075-4CA9-8C70-3CF2A02714C1}" sibTransId="{704B49AD-C23B-4B32-96EF-0E36345625D0}"/>
-    <dgm:cxn modelId="{31C06120-4558-4B9B-A18D-358FACDDD38F}" type="presOf" srcId="{70E08EEA-F5E0-4C3C-8EE2-8E19E9F71F28}" destId="{5423E055-0488-425B-B100-354772236E01}" srcOrd="0" destOrd="0" presId="urn:microsoft.com/office/officeart/2005/8/layout/chevron2"/>
-    <dgm:cxn modelId="{4AECE924-9DEF-4098-B97C-557E8EE9230B}" type="presOf" srcId="{F1E41150-3182-4963-9654-E2FBC62D242F}" destId="{1701405E-D700-40C4-AEFA-2DE714A19792}" srcOrd="0" destOrd="0" presId="urn:microsoft.com/office/officeart/2005/8/layout/chevron2"/>
     <dgm:cxn modelId="{68C5CE2B-9F6E-45CB-8E3D-9B25F85CA9E6}" srcId="{F1E41150-3182-4963-9654-E2FBC62D242F}" destId="{814069D2-EE4C-4A4D-A8B8-204C2A99C14F}" srcOrd="0" destOrd="0" parTransId="{CD899D97-AC69-4ACD-9992-D7CA4FC908C1}" sibTransId="{A03243DE-388B-4DA1-8606-85D8BC3FFB5F}"/>
     <dgm:cxn modelId="{0ABA972C-5F3B-453F-8B56-52C4712B5F55}" srcId="{E00A43AF-545D-4EF8-8BEF-DBC8D3A5C979}" destId="{72315653-60DA-4739-A5D6-1F4921399C46}" srcOrd="2" destOrd="0" parTransId="{20314D5C-792E-47D2-9887-76C0D104FDFD}" sibTransId="{EBE07353-045C-478F-99EF-6D7731B56887}"/>
-    <dgm:cxn modelId="{4B37DB2E-2676-4C2F-920D-FF681289ACCB}" type="presOf" srcId="{891F9821-1848-4484-A538-FDC488B55514}" destId="{E56768B4-CF61-4935-847F-9604E96ED3EF}" srcOrd="0" destOrd="0" presId="urn:microsoft.com/office/officeart/2005/8/layout/chevron2"/>
+    <dgm:cxn modelId="{23A6FADE-597D-4696-B16F-327805D3D30F}" type="presOf" srcId="{7711D777-72AC-4C86-AC75-C9E0EA6A397B}" destId="{21154451-B0FF-408D-B2FA-B8374C9A0CD0}" srcOrd="0" destOrd="0" presId="urn:microsoft.com/office/officeart/2005/8/layout/chevron2"/>
+    <dgm:cxn modelId="{71293A11-C70D-4C14-A87E-84C45F4A74E6}" srcId="{891F9821-1848-4484-A538-FDC488B55514}" destId="{70E08EEA-F5E0-4C3C-8EE2-8E19E9F71F28}" srcOrd="0" destOrd="0" parTransId="{643EC02B-6075-4CA9-8C70-3CF2A02714C1}" sibTransId="{704B49AD-C23B-4B32-96EF-0E36345625D0}"/>
+    <dgm:cxn modelId="{442ECF97-7BF0-4D29-813A-2FB63813F132}" type="presOf" srcId="{D2FF7F26-FA2F-4B07-A73F-22E53B5949C6}" destId="{918FA133-5016-4F8F-BAA4-F78CB2927E25}" srcOrd="0" destOrd="0" presId="urn:microsoft.com/office/officeart/2005/8/layout/chevron2"/>
+    <dgm:cxn modelId="{CC01E1D1-D6F4-48F6-B09B-8269D8BA0DB1}" srcId="{E00A43AF-545D-4EF8-8BEF-DBC8D3A5C979}" destId="{F1E41150-3182-4963-9654-E2FBC62D242F}" srcOrd="1" destOrd="0" parTransId="{D35024DB-C712-436A-A150-7FC6D7AC9DF7}" sibTransId="{31ED645E-7ABA-4923-AD40-CE618A4E2C8B}"/>
+    <dgm:cxn modelId="{2CCD9549-B874-429A-A55E-1398CAF86391}" type="presOf" srcId="{72315653-60DA-4739-A5D6-1F4921399C46}" destId="{D034440C-8231-42D1-AF97-F60FF5D0887C}" srcOrd="0" destOrd="0" presId="urn:microsoft.com/office/officeart/2005/8/layout/chevron2"/>
     <dgm:cxn modelId="{912A7431-6C90-4177-8F16-9C7741C0D297}" type="presOf" srcId="{35E1C893-9F3E-4CF3-80DC-8516DBAE74AD}" destId="{1041CE7E-F136-4C2C-AEA2-CC67A36BADAD}" srcOrd="0" destOrd="0" presId="urn:microsoft.com/office/officeart/2005/8/layout/chevron2"/>
-    <dgm:cxn modelId="{D8E5AD5F-3CF1-4A47-981C-4245A766FC98}" srcId="{72315653-60DA-4739-A5D6-1F4921399C46}" destId="{D2FF7F26-FA2F-4B07-A73F-22E53B5949C6}" srcOrd="0" destOrd="0" parTransId="{300F7A85-1F63-46E3-AB95-7297F1FBDDD3}" sibTransId="{75C381A3-4837-4861-9981-22766A3FE757}"/>
+    <dgm:cxn modelId="{EE5109A7-1D08-4797-AF77-F1C9D3E855F6}" srcId="{E00A43AF-545D-4EF8-8BEF-DBC8D3A5C979}" destId="{7711D777-72AC-4C86-AC75-C9E0EA6A397B}" srcOrd="4" destOrd="0" parTransId="{AAEF55D0-0C52-4114-B92C-29067617BCC2}" sibTransId="{1BF78370-37F5-4612-904A-50259FB75DA9}"/>
+    <dgm:cxn modelId="{AFA8F253-6810-4A11-85E1-E6C51DA916A4}" type="presOf" srcId="{53E85D8E-ADAB-4765-B3A8-54FB5C17EDB8}" destId="{5887980F-270A-4B9C-A5BC-B4AEECAB26A2}" srcOrd="0" destOrd="0" presId="urn:microsoft.com/office/officeart/2005/8/layout/chevron2"/>
+    <dgm:cxn modelId="{C64B707B-9ACA-4FBD-88A4-B0B01B6E1F5D}" srcId="{7711D777-72AC-4C86-AC75-C9E0EA6A397B}" destId="{53E85D8E-ADAB-4765-B3A8-54FB5C17EDB8}" srcOrd="0" destOrd="0" parTransId="{DEDAA2B6-048B-443B-9B79-76082FF4AF70}" sibTransId="{45FDEB9A-DD96-44A5-B7A0-3E56230F4159}"/>
     <dgm:cxn modelId="{BD638A60-ED94-44A6-9A30-B9B301465A25}" srcId="{E00A43AF-545D-4EF8-8BEF-DBC8D3A5C979}" destId="{891F9821-1848-4484-A538-FDC488B55514}" srcOrd="3" destOrd="0" parTransId="{D9C99FA0-EAC8-49B9-AEB9-556067DEAAB6}" sibTransId="{530FE59E-CDD0-4BDE-9238-0E05161294ED}"/>
-    <dgm:cxn modelId="{2CCD9549-B874-429A-A55E-1398CAF86391}" type="presOf" srcId="{72315653-60DA-4739-A5D6-1F4921399C46}" destId="{D034440C-8231-42D1-AF97-F60FF5D0887C}" srcOrd="0" destOrd="0" presId="urn:microsoft.com/office/officeart/2005/8/layout/chevron2"/>
-    <dgm:cxn modelId="{AFA8F253-6810-4A11-85E1-E6C51DA916A4}" type="presOf" srcId="{53E85D8E-ADAB-4765-B3A8-54FB5C17EDB8}" destId="{5887980F-270A-4B9C-A5BC-B4AEECAB26A2}" srcOrd="0" destOrd="0" presId="urn:microsoft.com/office/officeart/2005/8/layout/chevron2"/>
-    <dgm:cxn modelId="{27AA8676-E7BF-4BDB-9821-95CC59FD54EF}" type="presOf" srcId="{457D2794-7A27-4BE7-84DC-20A12F5F2E54}" destId="{1462C359-9E19-4BE4-97B9-CA757AAD1133}" srcOrd="0" destOrd="0" presId="urn:microsoft.com/office/officeart/2005/8/layout/chevron2"/>
-    <dgm:cxn modelId="{C64B707B-9ACA-4FBD-88A4-B0B01B6E1F5D}" srcId="{7711D777-72AC-4C86-AC75-C9E0EA6A397B}" destId="{53E85D8E-ADAB-4765-B3A8-54FB5C17EDB8}" srcOrd="0" destOrd="0" parTransId="{DEDAA2B6-048B-443B-9B79-76082FF4AF70}" sibTransId="{45FDEB9A-DD96-44A5-B7A0-3E56230F4159}"/>
-    <dgm:cxn modelId="{442ECF97-7BF0-4D29-813A-2FB63813F132}" type="presOf" srcId="{D2FF7F26-FA2F-4B07-A73F-22E53B5949C6}" destId="{918FA133-5016-4F8F-BAA4-F78CB2927E25}" srcOrd="0" destOrd="0" presId="urn:microsoft.com/office/officeart/2005/8/layout/chevron2"/>
-    <dgm:cxn modelId="{629AFDA4-3AFA-461E-BCD0-EEEBAE5785A9}" srcId="{E00A43AF-545D-4EF8-8BEF-DBC8D3A5C979}" destId="{35E1C893-9F3E-4CF3-80DC-8516DBAE74AD}" srcOrd="0" destOrd="0" parTransId="{ED753416-BF56-43C0-B744-8049BDDB8808}" sibTransId="{5E5B8D0B-8044-4D9A-B4F1-4C28A3D99A76}"/>
-    <dgm:cxn modelId="{EE5109A7-1D08-4797-AF77-F1C9D3E855F6}" srcId="{E00A43AF-545D-4EF8-8BEF-DBC8D3A5C979}" destId="{7711D777-72AC-4C86-AC75-C9E0EA6A397B}" srcOrd="4" destOrd="0" parTransId="{AAEF55D0-0C52-4114-B92C-29067617BCC2}" sibTransId="{1BF78370-37F5-4612-904A-50259FB75DA9}"/>
-    <dgm:cxn modelId="{CC01E1D1-D6F4-48F6-B09B-8269D8BA0DB1}" srcId="{E00A43AF-545D-4EF8-8BEF-DBC8D3A5C979}" destId="{F1E41150-3182-4963-9654-E2FBC62D242F}" srcOrd="1" destOrd="0" parTransId="{D35024DB-C712-436A-A150-7FC6D7AC9DF7}" sibTransId="{31ED645E-7ABA-4923-AD40-CE618A4E2C8B}"/>
-    <dgm:cxn modelId="{23A6FADE-597D-4696-B16F-327805D3D30F}" type="presOf" srcId="{7711D777-72AC-4C86-AC75-C9E0EA6A397B}" destId="{21154451-B0FF-408D-B2FA-B8374C9A0CD0}" srcOrd="0" destOrd="0" presId="urn:microsoft.com/office/officeart/2005/8/layout/chevron2"/>
-    <dgm:cxn modelId="{648A7BF0-E66E-4952-A1B3-069859EE1DE1}" type="presOf" srcId="{E00A43AF-545D-4EF8-8BEF-DBC8D3A5C979}" destId="{B6DD5F9F-347F-4220-9089-C0B82ED4EDC7}" srcOrd="0" destOrd="0" presId="urn:microsoft.com/office/officeart/2005/8/layout/chevron2"/>
-    <dgm:cxn modelId="{07CCC6F6-117E-4DB0-87CB-045EC85C99E4}" type="presOf" srcId="{814069D2-EE4C-4A4D-A8B8-204C2A99C14F}" destId="{259444BF-4A07-487A-BD1E-F88A33A7EF23}" srcOrd="0" destOrd="0" presId="urn:microsoft.com/office/officeart/2005/8/layout/chevron2"/>
+    <dgm:cxn modelId="{31C06120-4558-4B9B-A18D-358FACDDD38F}" type="presOf" srcId="{70E08EEA-F5E0-4C3C-8EE2-8E19E9F71F28}" destId="{5423E055-0488-425B-B100-354772236E01}" srcOrd="0" destOrd="0" presId="urn:microsoft.com/office/officeart/2005/8/layout/chevron2"/>
     <dgm:cxn modelId="{D2454016-E8D2-4576-8D37-4073A165CA88}" type="presParOf" srcId="{B6DD5F9F-347F-4220-9089-C0B82ED4EDC7}" destId="{0FCDB60A-D808-4E3B-B10B-CF382646693F}" srcOrd="0" destOrd="0" presId="urn:microsoft.com/office/officeart/2005/8/layout/chevron2"/>
     <dgm:cxn modelId="{FD5F221D-3749-4E95-BD8B-725B22607615}" type="presParOf" srcId="{0FCDB60A-D808-4E3B-B10B-CF382646693F}" destId="{1041CE7E-F136-4C2C-AEA2-CC67A36BADAD}" srcOrd="0" destOrd="0" presId="urn:microsoft.com/office/officeart/2005/8/layout/chevron2"/>
     <dgm:cxn modelId="{53D618E8-E69A-4A6D-9FF1-A6BF4C741089}" type="presParOf" srcId="{0FCDB60A-D808-4E3B-B10B-CF382646693F}" destId="{1462C359-9E19-4BE4-97B9-CA757AAD1133}" srcOrd="1" destOrd="0" presId="urn:microsoft.com/office/officeart/2005/8/layout/chevron2"/>
@@ -3932,6 +4086,13 @@
         </dgm:presLayoutVars>
       </dgm:prSet>
       <dgm:spPr/>
+      <dgm:t>
+        <a:bodyPr/>
+        <a:lstStyle/>
+        <a:p>
+          <a:endParaRPr lang="en-US"/>
+        </a:p>
+      </dgm:t>
     </dgm:pt>
     <dgm:pt modelId="{77D303A8-1444-486A-A78E-E738CC1C908F}" type="pres">
       <dgm:prSet presAssocID="{6011817A-8B01-422B-94CE-35122B104C49}" presName="dummyMaxCanvas" presStyleCnt="0">
@@ -3946,6 +4107,13 @@
         </dgm:presLayoutVars>
       </dgm:prSet>
       <dgm:spPr/>
+      <dgm:t>
+        <a:bodyPr/>
+        <a:lstStyle/>
+        <a:p>
+          <a:endParaRPr lang="en-US"/>
+        </a:p>
+      </dgm:t>
     </dgm:pt>
     <dgm:pt modelId="{EBBD814A-9633-4B3F-A895-B15A22BA1EB0}" type="pres">
       <dgm:prSet presAssocID="{6011817A-8B01-422B-94CE-35122B104C49}" presName="FourNodes_2" presStyleLbl="node1" presStyleIdx="1" presStyleCnt="4">
@@ -3954,6 +4122,13 @@
         </dgm:presLayoutVars>
       </dgm:prSet>
       <dgm:spPr/>
+      <dgm:t>
+        <a:bodyPr/>
+        <a:lstStyle/>
+        <a:p>
+          <a:endParaRPr lang="en-US"/>
+        </a:p>
+      </dgm:t>
     </dgm:pt>
     <dgm:pt modelId="{C0189E5C-CC8A-4161-B253-0EFF23F2751D}" type="pres">
       <dgm:prSet presAssocID="{6011817A-8B01-422B-94CE-35122B104C49}" presName="FourNodes_3" presStyleLbl="node1" presStyleIdx="2" presStyleCnt="4">
@@ -3962,6 +4137,13 @@
         </dgm:presLayoutVars>
       </dgm:prSet>
       <dgm:spPr/>
+      <dgm:t>
+        <a:bodyPr/>
+        <a:lstStyle/>
+        <a:p>
+          <a:endParaRPr lang="en-US"/>
+        </a:p>
+      </dgm:t>
     </dgm:pt>
     <dgm:pt modelId="{8EDBFF11-B4FD-4DD1-BBAE-F4B640184ADB}" type="pres">
       <dgm:prSet presAssocID="{6011817A-8B01-422B-94CE-35122B104C49}" presName="FourNodes_4" presStyleLbl="node1" presStyleIdx="3" presStyleCnt="4">
@@ -3970,6 +4152,13 @@
         </dgm:presLayoutVars>
       </dgm:prSet>
       <dgm:spPr/>
+      <dgm:t>
+        <a:bodyPr/>
+        <a:lstStyle/>
+        <a:p>
+          <a:endParaRPr lang="en-US"/>
+        </a:p>
+      </dgm:t>
     </dgm:pt>
     <dgm:pt modelId="{3EBC77C5-8C74-4507-8B99-992C1AD022A0}" type="pres">
       <dgm:prSet presAssocID="{6011817A-8B01-422B-94CE-35122B104C49}" presName="FourConn_1-2" presStyleLbl="fgAccFollowNode1" presStyleIdx="0" presStyleCnt="3">
@@ -3978,6 +4167,13 @@
         </dgm:presLayoutVars>
       </dgm:prSet>
       <dgm:spPr/>
+      <dgm:t>
+        <a:bodyPr/>
+        <a:lstStyle/>
+        <a:p>
+          <a:endParaRPr lang="en-US"/>
+        </a:p>
+      </dgm:t>
     </dgm:pt>
     <dgm:pt modelId="{9057D162-BC9A-4A77-A533-7EDB216B48F4}" type="pres">
       <dgm:prSet presAssocID="{6011817A-8B01-422B-94CE-35122B104C49}" presName="FourConn_2-3" presStyleLbl="fgAccFollowNode1" presStyleIdx="1" presStyleCnt="3">
@@ -3986,6 +4182,13 @@
         </dgm:presLayoutVars>
       </dgm:prSet>
       <dgm:spPr/>
+      <dgm:t>
+        <a:bodyPr/>
+        <a:lstStyle/>
+        <a:p>
+          <a:endParaRPr lang="en-US"/>
+        </a:p>
+      </dgm:t>
     </dgm:pt>
     <dgm:pt modelId="{E622A03E-ABB9-487A-990C-7C9492692A94}" type="pres">
       <dgm:prSet presAssocID="{6011817A-8B01-422B-94CE-35122B104C49}" presName="FourConn_3-4" presStyleLbl="fgAccFollowNode1" presStyleIdx="2" presStyleCnt="3">
@@ -3994,6 +4197,13 @@
         </dgm:presLayoutVars>
       </dgm:prSet>
       <dgm:spPr/>
+      <dgm:t>
+        <a:bodyPr/>
+        <a:lstStyle/>
+        <a:p>
+          <a:endParaRPr lang="en-US"/>
+        </a:p>
+      </dgm:t>
     </dgm:pt>
     <dgm:pt modelId="{0B86F018-7C29-403D-AF23-F0B1B610C94A}" type="pres">
       <dgm:prSet presAssocID="{6011817A-8B01-422B-94CE-35122B104C49}" presName="FourNodes_1_text" presStyleLbl="node1" presStyleIdx="3" presStyleCnt="4">
@@ -4002,6 +4212,13 @@
         </dgm:presLayoutVars>
       </dgm:prSet>
       <dgm:spPr/>
+      <dgm:t>
+        <a:bodyPr/>
+        <a:lstStyle/>
+        <a:p>
+          <a:endParaRPr lang="en-US"/>
+        </a:p>
+      </dgm:t>
     </dgm:pt>
     <dgm:pt modelId="{3359A9A4-9F1F-487A-83B6-F8109DF83D97}" type="pres">
       <dgm:prSet presAssocID="{6011817A-8B01-422B-94CE-35122B104C49}" presName="FourNodes_2_text" presStyleLbl="node1" presStyleIdx="3" presStyleCnt="4">
@@ -4010,6 +4227,13 @@
         </dgm:presLayoutVars>
       </dgm:prSet>
       <dgm:spPr/>
+      <dgm:t>
+        <a:bodyPr/>
+        <a:lstStyle/>
+        <a:p>
+          <a:endParaRPr lang="en-US"/>
+        </a:p>
+      </dgm:t>
     </dgm:pt>
     <dgm:pt modelId="{77E981D1-5769-4593-AF8A-F4838EEC1D8C}" type="pres">
       <dgm:prSet presAssocID="{6011817A-8B01-422B-94CE-35122B104C49}" presName="FourNodes_3_text" presStyleLbl="node1" presStyleIdx="3" presStyleCnt="4">
@@ -4018,6 +4242,13 @@
         </dgm:presLayoutVars>
       </dgm:prSet>
       <dgm:spPr/>
+      <dgm:t>
+        <a:bodyPr/>
+        <a:lstStyle/>
+        <a:p>
+          <a:endParaRPr lang="en-US"/>
+        </a:p>
+      </dgm:t>
     </dgm:pt>
     <dgm:pt modelId="{AB4BF6A3-B239-4D09-804D-29FB832C642A}" type="pres">
       <dgm:prSet presAssocID="{6011817A-8B01-422B-94CE-35122B104C49}" presName="FourNodes_4_text" presStyleLbl="node1" presStyleIdx="3" presStyleCnt="4">
@@ -4026,25 +4257,32 @@
         </dgm:presLayoutVars>
       </dgm:prSet>
       <dgm:spPr/>
+      <dgm:t>
+        <a:bodyPr/>
+        <a:lstStyle/>
+        <a:p>
+          <a:endParaRPr lang="en-US"/>
+        </a:p>
+      </dgm:t>
     </dgm:pt>
   </dgm:ptLst>
   <dgm:cxnLst>
+    <dgm:cxn modelId="{CE593848-43AD-4F4E-B519-C7919300B704}" type="presOf" srcId="{455BE659-9774-48C4-8FA1-625F7A0BD5BC}" destId="{C0189E5C-CC8A-4161-B253-0EFF23F2751D}" srcOrd="0" destOrd="0" presId="urn:microsoft.com/office/officeart/2005/8/layout/vProcess5"/>
+    <dgm:cxn modelId="{2228638E-FDA0-49D0-986D-7010CC4F5FEB}" type="presOf" srcId="{8EE4DB43-BD7A-4871-9510-63110BB53E08}" destId="{036DA7B2-86A3-4EBD-ACDE-CAB84B815C56}" srcOrd="0" destOrd="0" presId="urn:microsoft.com/office/officeart/2005/8/layout/vProcess5"/>
+    <dgm:cxn modelId="{02F92B39-D059-4EAD-9CED-F2FEB61DEBAC}" type="presOf" srcId="{A1FDECFB-799B-4800-9D61-1B6D72FBE7D0}" destId="{3EBC77C5-8C74-4507-8B99-992C1AD022A0}" srcOrd="0" destOrd="0" presId="urn:microsoft.com/office/officeart/2005/8/layout/vProcess5"/>
+    <dgm:cxn modelId="{BE40C952-0581-4054-93BC-27861331513F}" type="presOf" srcId="{912F1BC8-1DEE-41DD-A1C4-8FCEA7A40715}" destId="{EBBD814A-9633-4B3F-A895-B15A22BA1EB0}" srcOrd="0" destOrd="0" presId="urn:microsoft.com/office/officeart/2005/8/layout/vProcess5"/>
     <dgm:cxn modelId="{C024B805-675B-4BA3-A9F9-BA5019F0B605}" type="presOf" srcId="{455BE659-9774-48C4-8FA1-625F7A0BD5BC}" destId="{77E981D1-5769-4593-AF8A-F4838EEC1D8C}" srcOrd="1" destOrd="0" presId="urn:microsoft.com/office/officeart/2005/8/layout/vProcess5"/>
+    <dgm:cxn modelId="{D39B5D93-0F8F-432C-ABBB-231B42238118}" type="presOf" srcId="{912F1BC8-1DEE-41DD-A1C4-8FCEA7A40715}" destId="{3359A9A4-9F1F-487A-83B6-F8109DF83D97}" srcOrd="1" destOrd="0" presId="urn:microsoft.com/office/officeart/2005/8/layout/vProcess5"/>
+    <dgm:cxn modelId="{B903ED6C-025C-4BE2-AE8C-D3A28F67BBFA}" type="presOf" srcId="{6011817A-8B01-422B-94CE-35122B104C49}" destId="{443753B4-2E06-4D9C-B8EB-71F85304ADF2}" srcOrd="0" destOrd="0" presId="urn:microsoft.com/office/officeart/2005/8/layout/vProcess5"/>
+    <dgm:cxn modelId="{B18DCCF4-3EB8-4CB3-B9CC-6DB62694129B}" srcId="{6011817A-8B01-422B-94CE-35122B104C49}" destId="{8EE4DB43-BD7A-4871-9510-63110BB53E08}" srcOrd="0" destOrd="0" parTransId="{5A52050C-8076-40BA-873C-31D881146C88}" sibTransId="{A1FDECFB-799B-4800-9D61-1B6D72FBE7D0}"/>
+    <dgm:cxn modelId="{8539544D-AB1D-4F86-ABD9-4E6ABEACF98D}" srcId="{6011817A-8B01-422B-94CE-35122B104C49}" destId="{22817580-5553-413A-8B4F-0E922922D658}" srcOrd="3" destOrd="0" parTransId="{099F8057-D7C1-4BBF-844E-4F3D1191A3C4}" sibTransId="{709F61C2-6D67-4D87-8803-A5AE8529DAFB}"/>
+    <dgm:cxn modelId="{7ACE98E1-AE43-442E-8EE9-9D8815965675}" srcId="{6011817A-8B01-422B-94CE-35122B104C49}" destId="{912F1BC8-1DEE-41DD-A1C4-8FCEA7A40715}" srcOrd="1" destOrd="0" parTransId="{0A4909D9-0797-4435-B2D0-F2FA707C3EE8}" sibTransId="{AEA12263-2FFC-4F78-B82A-19FFFEE30EDA}"/>
+    <dgm:cxn modelId="{E7228215-2E94-45A6-927D-55C618F7870F}" type="presOf" srcId="{8EE4DB43-BD7A-4871-9510-63110BB53E08}" destId="{0B86F018-7C29-403D-AF23-F0B1B610C94A}" srcOrd="1" destOrd="0" presId="urn:microsoft.com/office/officeart/2005/8/layout/vProcess5"/>
+    <dgm:cxn modelId="{C1C67E56-EF11-4686-99A2-11FAFF73DB42}" srcId="{6011817A-8B01-422B-94CE-35122B104C49}" destId="{455BE659-9774-48C4-8FA1-625F7A0BD5BC}" srcOrd="2" destOrd="0" parTransId="{CD8603EE-ECCD-4AF7-A223-98FDEF594BE4}" sibTransId="{005C7C31-627E-4981-B4D9-8A46FEFABD1C}"/>
+    <dgm:cxn modelId="{59C62165-0E3D-43D9-B95D-464381DCFD98}" type="presOf" srcId="{22817580-5553-413A-8B4F-0E922922D658}" destId="{8EDBFF11-B4FD-4DD1-BBAE-F4B640184ADB}" srcOrd="0" destOrd="0" presId="urn:microsoft.com/office/officeart/2005/8/layout/vProcess5"/>
     <dgm:cxn modelId="{CDAFE509-59AD-4B6E-811A-0C6ED03E16E4}" type="presOf" srcId="{005C7C31-627E-4981-B4D9-8A46FEFABD1C}" destId="{E622A03E-ABB9-487A-990C-7C9492692A94}" srcOrd="0" destOrd="0" presId="urn:microsoft.com/office/officeart/2005/8/layout/vProcess5"/>
-    <dgm:cxn modelId="{E7228215-2E94-45A6-927D-55C618F7870F}" type="presOf" srcId="{8EE4DB43-BD7A-4871-9510-63110BB53E08}" destId="{0B86F018-7C29-403D-AF23-F0B1B610C94A}" srcOrd="1" destOrd="0" presId="urn:microsoft.com/office/officeart/2005/8/layout/vProcess5"/>
-    <dgm:cxn modelId="{02F92B39-D059-4EAD-9CED-F2FEB61DEBAC}" type="presOf" srcId="{A1FDECFB-799B-4800-9D61-1B6D72FBE7D0}" destId="{3EBC77C5-8C74-4507-8B99-992C1AD022A0}" srcOrd="0" destOrd="0" presId="urn:microsoft.com/office/officeart/2005/8/layout/vProcess5"/>
-    <dgm:cxn modelId="{59C62165-0E3D-43D9-B95D-464381DCFD98}" type="presOf" srcId="{22817580-5553-413A-8B4F-0E922922D658}" destId="{8EDBFF11-B4FD-4DD1-BBAE-F4B640184ADB}" srcOrd="0" destOrd="0" presId="urn:microsoft.com/office/officeart/2005/8/layout/vProcess5"/>
-    <dgm:cxn modelId="{CE593848-43AD-4F4E-B519-C7919300B704}" type="presOf" srcId="{455BE659-9774-48C4-8FA1-625F7A0BD5BC}" destId="{C0189E5C-CC8A-4161-B253-0EFF23F2751D}" srcOrd="0" destOrd="0" presId="urn:microsoft.com/office/officeart/2005/8/layout/vProcess5"/>
-    <dgm:cxn modelId="{B903ED6C-025C-4BE2-AE8C-D3A28F67BBFA}" type="presOf" srcId="{6011817A-8B01-422B-94CE-35122B104C49}" destId="{443753B4-2E06-4D9C-B8EB-71F85304ADF2}" srcOrd="0" destOrd="0" presId="urn:microsoft.com/office/officeart/2005/8/layout/vProcess5"/>
-    <dgm:cxn modelId="{8539544D-AB1D-4F86-ABD9-4E6ABEACF98D}" srcId="{6011817A-8B01-422B-94CE-35122B104C49}" destId="{22817580-5553-413A-8B4F-0E922922D658}" srcOrd="3" destOrd="0" parTransId="{099F8057-D7C1-4BBF-844E-4F3D1191A3C4}" sibTransId="{709F61C2-6D67-4D87-8803-A5AE8529DAFB}"/>
-    <dgm:cxn modelId="{BE40C952-0581-4054-93BC-27861331513F}" type="presOf" srcId="{912F1BC8-1DEE-41DD-A1C4-8FCEA7A40715}" destId="{EBBD814A-9633-4B3F-A895-B15A22BA1EB0}" srcOrd="0" destOrd="0" presId="urn:microsoft.com/office/officeart/2005/8/layout/vProcess5"/>
     <dgm:cxn modelId="{1C0B2753-30CD-4638-A116-D8CBBAC3E16A}" type="presOf" srcId="{AEA12263-2FFC-4F78-B82A-19FFFEE30EDA}" destId="{9057D162-BC9A-4A77-A533-7EDB216B48F4}" srcOrd="0" destOrd="0" presId="urn:microsoft.com/office/officeart/2005/8/layout/vProcess5"/>
     <dgm:cxn modelId="{EBD32A56-A5EE-4022-B552-33F373BBB444}" type="presOf" srcId="{22817580-5553-413A-8B4F-0E922922D658}" destId="{AB4BF6A3-B239-4D09-804D-29FB832C642A}" srcOrd="1" destOrd="0" presId="urn:microsoft.com/office/officeart/2005/8/layout/vProcess5"/>
-    <dgm:cxn modelId="{C1C67E56-EF11-4686-99A2-11FAFF73DB42}" srcId="{6011817A-8B01-422B-94CE-35122B104C49}" destId="{455BE659-9774-48C4-8FA1-625F7A0BD5BC}" srcOrd="2" destOrd="0" parTransId="{CD8603EE-ECCD-4AF7-A223-98FDEF594BE4}" sibTransId="{005C7C31-627E-4981-B4D9-8A46FEFABD1C}"/>
-    <dgm:cxn modelId="{2228638E-FDA0-49D0-986D-7010CC4F5FEB}" type="presOf" srcId="{8EE4DB43-BD7A-4871-9510-63110BB53E08}" destId="{036DA7B2-86A3-4EBD-ACDE-CAB84B815C56}" srcOrd="0" destOrd="0" presId="urn:microsoft.com/office/officeart/2005/8/layout/vProcess5"/>
-    <dgm:cxn modelId="{D39B5D93-0F8F-432C-ABBB-231B42238118}" type="presOf" srcId="{912F1BC8-1DEE-41DD-A1C4-8FCEA7A40715}" destId="{3359A9A4-9F1F-487A-83B6-F8109DF83D97}" srcOrd="1" destOrd="0" presId="urn:microsoft.com/office/officeart/2005/8/layout/vProcess5"/>
-    <dgm:cxn modelId="{7ACE98E1-AE43-442E-8EE9-9D8815965675}" srcId="{6011817A-8B01-422B-94CE-35122B104C49}" destId="{912F1BC8-1DEE-41DD-A1C4-8FCEA7A40715}" srcOrd="1" destOrd="0" parTransId="{0A4909D9-0797-4435-B2D0-F2FA707C3EE8}" sibTransId="{AEA12263-2FFC-4F78-B82A-19FFFEE30EDA}"/>
-    <dgm:cxn modelId="{B18DCCF4-3EB8-4CB3-B9CC-6DB62694129B}" srcId="{6011817A-8B01-422B-94CE-35122B104C49}" destId="{8EE4DB43-BD7A-4871-9510-63110BB53E08}" srcOrd="0" destOrd="0" parTransId="{5A52050C-8076-40BA-873C-31D881146C88}" sibTransId="{A1FDECFB-799B-4800-9D61-1B6D72FBE7D0}"/>
     <dgm:cxn modelId="{A270E71E-79CB-4142-95E9-0E675D630130}" type="presParOf" srcId="{443753B4-2E06-4D9C-B8EB-71F85304ADF2}" destId="{77D303A8-1444-486A-A78E-E738CC1C908F}" srcOrd="0" destOrd="0" presId="urn:microsoft.com/office/officeart/2005/8/layout/vProcess5"/>
     <dgm:cxn modelId="{5845280F-7E5D-48C6-806E-F57114E22FD6}" type="presParOf" srcId="{443753B4-2E06-4D9C-B8EB-71F85304ADF2}" destId="{036DA7B2-86A3-4EBD-ACDE-CAB84B815C56}" srcOrd="1" destOrd="0" presId="urn:microsoft.com/office/officeart/2005/8/layout/vProcess5"/>
     <dgm:cxn modelId="{98B9A5C7-836C-4454-9371-164F80AE43DA}" type="presParOf" srcId="{443753B4-2E06-4D9C-B8EB-71F85304ADF2}" destId="{EBBD814A-9633-4B3F-A895-B15A22BA1EB0}" srcOrd="2" destOrd="0" presId="urn:microsoft.com/office/officeart/2005/8/layout/vProcess5"/>
@@ -4130,7 +4368,7 @@
         </a:bodyPr>
         <a:lstStyle/>
         <a:p>
-          <a:pPr marL="0" lvl="0" indent="0" algn="ctr" defTabSz="444500">
+          <a:pPr lvl="0" algn="ctr" defTabSz="444500">
             <a:lnSpc>
               <a:spcPct val="90000"/>
             </a:lnSpc>
@@ -4140,7 +4378,6 @@
             <a:spcAft>
               <a:spcPct val="35000"/>
             </a:spcAft>
-            <a:buNone/>
           </a:pPr>
           <a:r>
             <a:rPr lang="en-US" sz="1000" kern="1200" dirty="0">
@@ -4218,7 +4455,7 @@
             <a:spcAft>
               <a:spcPct val="15000"/>
             </a:spcAft>
-            <a:buNone/>
+            <a:buChar char="••"/>
           </a:pPr>
           <a:r>
             <a:rPr lang="en-US" sz="3600" b="0" kern="1200" dirty="0">
@@ -4310,7 +4547,7 @@
         </a:bodyPr>
         <a:lstStyle/>
         <a:p>
-          <a:pPr marL="0" lvl="0" indent="0" algn="ctr" defTabSz="444500">
+          <a:pPr lvl="0" algn="ctr" defTabSz="444500">
             <a:lnSpc>
               <a:spcPct val="90000"/>
             </a:lnSpc>
@@ -4320,7 +4557,6 @@
             <a:spcAft>
               <a:spcPct val="35000"/>
             </a:spcAft>
-            <a:buNone/>
           </a:pPr>
           <a:r>
             <a:rPr lang="en-US" sz="1000" kern="1200" dirty="0">
@@ -4398,7 +4634,7 @@
             <a:spcAft>
               <a:spcPct val="15000"/>
             </a:spcAft>
-            <a:buNone/>
+            <a:buChar char="••"/>
           </a:pPr>
           <a:r>
             <a:rPr lang="en-US" sz="3600" b="1" kern="1200" dirty="0">
@@ -4480,7 +4716,7 @@
         </a:bodyPr>
         <a:lstStyle/>
         <a:p>
-          <a:pPr marL="0" lvl="0" indent="0" algn="ctr" defTabSz="444500">
+          <a:pPr lvl="0" algn="ctr" defTabSz="444500">
             <a:lnSpc>
               <a:spcPct val="90000"/>
             </a:lnSpc>
@@ -4490,7 +4726,6 @@
             <a:spcAft>
               <a:spcPct val="35000"/>
             </a:spcAft>
-            <a:buNone/>
           </a:pPr>
           <a:r>
             <a:rPr lang="en-US" sz="1000" kern="1200" dirty="0">
@@ -4568,7 +4803,7 @@
             <a:spcAft>
               <a:spcPct val="15000"/>
             </a:spcAft>
-            <a:buNone/>
+            <a:buChar char="••"/>
           </a:pPr>
           <a:r>
             <a:rPr lang="en-US" sz="3600" b="0" kern="1200" dirty="0">
@@ -4663,7 +4898,7 @@
         </a:bodyPr>
         <a:lstStyle/>
         <a:p>
-          <a:pPr marL="0" lvl="0" indent="0" algn="ctr" defTabSz="444500">
+          <a:pPr lvl="0" algn="ctr" defTabSz="444500">
             <a:lnSpc>
               <a:spcPct val="90000"/>
             </a:lnSpc>
@@ -4673,7 +4908,6 @@
             <a:spcAft>
               <a:spcPct val="35000"/>
             </a:spcAft>
-            <a:buNone/>
           </a:pPr>
           <a:r>
             <a:rPr lang="en-US" sz="1000" kern="1200">
@@ -4757,7 +4991,7 @@
             <a:spcAft>
               <a:spcPct val="15000"/>
             </a:spcAft>
-            <a:buNone/>
+            <a:buChar char="••"/>
           </a:pPr>
           <a:r>
             <a:rPr lang="en-US" sz="3600" b="0" kern="1200" dirty="0">
@@ -4852,7 +5086,7 @@
         </a:bodyPr>
         <a:lstStyle/>
         <a:p>
-          <a:pPr marL="0" lvl="0" indent="0" algn="ctr" defTabSz="444500">
+          <a:pPr lvl="0" algn="ctr" defTabSz="444500">
             <a:lnSpc>
               <a:spcPct val="90000"/>
             </a:lnSpc>
@@ -4862,7 +5096,6 @@
             <a:spcAft>
               <a:spcPct val="35000"/>
             </a:spcAft>
-            <a:buNone/>
           </a:pPr>
           <a:r>
             <a:rPr lang="en-US" sz="1000" kern="1200" dirty="0">
@@ -4940,7 +5173,7 @@
             <a:spcAft>
               <a:spcPct val="15000"/>
             </a:spcAft>
-            <a:buNone/>
+            <a:buChar char="••"/>
           </a:pPr>
           <a:r>
             <a:rPr lang="en-US" sz="3600" b="1" kern="1200" dirty="0">
@@ -5034,7 +5267,7 @@
         </a:bodyPr>
         <a:lstStyle/>
         <a:p>
-          <a:pPr marL="0" lvl="0" indent="0" algn="ctr" defTabSz="444500">
+          <a:pPr lvl="0" algn="ctr" defTabSz="444500">
             <a:lnSpc>
               <a:spcPct val="90000"/>
             </a:lnSpc>
@@ -5044,7 +5277,6 @@
             <a:spcAft>
               <a:spcPct val="35000"/>
             </a:spcAft>
-            <a:buNone/>
           </a:pPr>
           <a:r>
             <a:rPr lang="en-US" sz="1000" kern="1200" dirty="0">
@@ -5122,7 +5354,7 @@
             <a:spcAft>
               <a:spcPct val="15000"/>
             </a:spcAft>
-            <a:buNone/>
+            <a:buChar char="••"/>
           </a:pPr>
           <a:r>
             <a:rPr lang="en-US" sz="3600" b="0" kern="1200" dirty="0">
@@ -5214,7 +5446,7 @@
         </a:bodyPr>
         <a:lstStyle/>
         <a:p>
-          <a:pPr marL="0" lvl="0" indent="0" algn="ctr" defTabSz="444500">
+          <a:pPr lvl="0" algn="ctr" defTabSz="444500">
             <a:lnSpc>
               <a:spcPct val="90000"/>
             </a:lnSpc>
@@ -5224,7 +5456,6 @@
             <a:spcAft>
               <a:spcPct val="35000"/>
             </a:spcAft>
-            <a:buNone/>
           </a:pPr>
           <a:r>
             <a:rPr lang="en-US" sz="1000" kern="1200" dirty="0">
@@ -5302,7 +5533,7 @@
             <a:spcAft>
               <a:spcPct val="15000"/>
             </a:spcAft>
-            <a:buNone/>
+            <a:buChar char="••"/>
           </a:pPr>
           <a:r>
             <a:rPr lang="en-US" sz="3600" b="1" kern="1200" dirty="0">
@@ -5384,7 +5615,7 @@
         </a:bodyPr>
         <a:lstStyle/>
         <a:p>
-          <a:pPr marL="0" lvl="0" indent="0" algn="ctr" defTabSz="444500">
+          <a:pPr lvl="0" algn="ctr" defTabSz="444500">
             <a:lnSpc>
               <a:spcPct val="90000"/>
             </a:lnSpc>
@@ -5394,7 +5625,6 @@
             <a:spcAft>
               <a:spcPct val="35000"/>
             </a:spcAft>
-            <a:buNone/>
           </a:pPr>
           <a:r>
             <a:rPr lang="en-US" sz="1000" kern="1200" dirty="0">
@@ -5472,7 +5702,7 @@
             <a:spcAft>
               <a:spcPct val="15000"/>
             </a:spcAft>
-            <a:buNone/>
+            <a:buChar char="••"/>
           </a:pPr>
           <a:r>
             <a:rPr lang="en-US" sz="3600" b="1" kern="1200" dirty="0">
@@ -5554,7 +5784,7 @@
         </a:bodyPr>
         <a:lstStyle/>
         <a:p>
-          <a:pPr marL="0" lvl="0" indent="0" algn="ctr" defTabSz="444500">
+          <a:pPr lvl="0" algn="ctr" defTabSz="444500">
             <a:lnSpc>
               <a:spcPct val="90000"/>
             </a:lnSpc>
@@ -5564,7 +5794,6 @@
             <a:spcAft>
               <a:spcPct val="35000"/>
             </a:spcAft>
-            <a:buNone/>
           </a:pPr>
           <a:r>
             <a:rPr lang="en-US" sz="1000" kern="1200">
@@ -5648,7 +5877,7 @@
             <a:spcAft>
               <a:spcPct val="15000"/>
             </a:spcAft>
-            <a:buNone/>
+            <a:buChar char="••"/>
           </a:pPr>
           <a:r>
             <a:rPr lang="en-US" sz="3600" b="1" kern="1200" dirty="0">
@@ -5730,7 +5959,7 @@
         </a:bodyPr>
         <a:lstStyle/>
         <a:p>
-          <a:pPr marL="0" lvl="0" indent="0" algn="ctr" defTabSz="444500">
+          <a:pPr lvl="0" algn="ctr" defTabSz="444500">
             <a:lnSpc>
               <a:spcPct val="90000"/>
             </a:lnSpc>
@@ -5740,7 +5969,6 @@
             <a:spcAft>
               <a:spcPct val="35000"/>
             </a:spcAft>
-            <a:buNone/>
           </a:pPr>
           <a:r>
             <a:rPr lang="en-US" sz="1000" kern="1200" dirty="0">
@@ -5818,7 +6046,7 @@
             <a:spcAft>
               <a:spcPct val="15000"/>
             </a:spcAft>
-            <a:buNone/>
+            <a:buChar char="••"/>
           </a:pPr>
           <a:r>
             <a:rPr lang="en-US" sz="3600" b="1" kern="1200" dirty="0">
@@ -5914,7 +6142,7 @@
         </a:bodyPr>
         <a:lstStyle/>
         <a:p>
-          <a:pPr marL="0" lvl="0" indent="0" algn="l" defTabSz="889000">
+          <a:pPr lvl="0" algn="l" defTabSz="889000">
             <a:lnSpc>
               <a:spcPct val="90000"/>
             </a:lnSpc>
@@ -5924,7 +6152,6 @@
             <a:spcAft>
               <a:spcPct val="35000"/>
             </a:spcAft>
-            <a:buNone/>
           </a:pPr>
           <a:r>
             <a:rPr lang="en-US" sz="2000" kern="1200"/>
@@ -5993,7 +6220,7 @@
         </a:bodyPr>
         <a:lstStyle/>
         <a:p>
-          <a:pPr marL="0" lvl="0" indent="0" algn="l" defTabSz="889000">
+          <a:pPr lvl="0" algn="l" defTabSz="889000">
             <a:lnSpc>
               <a:spcPct val="90000"/>
             </a:lnSpc>
@@ -6003,7 +6230,6 @@
             <a:spcAft>
               <a:spcPct val="35000"/>
             </a:spcAft>
-            <a:buNone/>
           </a:pPr>
           <a:r>
             <a:rPr lang="en-US" sz="2000" kern="1200"/>
@@ -6072,7 +6298,7 @@
         </a:bodyPr>
         <a:lstStyle/>
         <a:p>
-          <a:pPr marL="0" lvl="0" indent="0" algn="l" defTabSz="889000">
+          <a:pPr lvl="0" algn="l" defTabSz="889000">
             <a:lnSpc>
               <a:spcPct val="90000"/>
             </a:lnSpc>
@@ -6082,7 +6308,6 @@
             <a:spcAft>
               <a:spcPct val="35000"/>
             </a:spcAft>
-            <a:buNone/>
           </a:pPr>
           <a:r>
             <a:rPr lang="en-US" sz="2000" kern="1200"/>
@@ -6151,7 +6376,7 @@
         </a:bodyPr>
         <a:lstStyle/>
         <a:p>
-          <a:pPr marL="0" lvl="0" indent="0" algn="l" defTabSz="889000">
+          <a:pPr lvl="0" algn="l" defTabSz="889000">
             <a:lnSpc>
               <a:spcPct val="90000"/>
             </a:lnSpc>
@@ -6161,7 +6386,6 @@
             <a:spcAft>
               <a:spcPct val="35000"/>
             </a:spcAft>
-            <a:buNone/>
           </a:pPr>
           <a:r>
             <a:rPr lang="en-US" sz="2000" kern="1200"/>
@@ -6233,7 +6457,7 @@
         </a:bodyPr>
         <a:lstStyle/>
         <a:p>
-          <a:pPr marL="0" lvl="0" indent="0" algn="ctr" defTabSz="1422400">
+          <a:pPr lvl="0" algn="ctr" defTabSz="1422400">
             <a:lnSpc>
               <a:spcPct val="90000"/>
             </a:lnSpc>
@@ -6243,7 +6467,6 @@
             <a:spcAft>
               <a:spcPct val="35000"/>
             </a:spcAft>
-            <a:buNone/>
           </a:pPr>
           <a:endParaRPr lang="en-US" sz="3200" kern="1200"/>
         </a:p>
@@ -6312,7 +6535,7 @@
         </a:bodyPr>
         <a:lstStyle/>
         <a:p>
-          <a:pPr marL="0" lvl="0" indent="0" algn="ctr" defTabSz="1422400">
+          <a:pPr lvl="0" algn="ctr" defTabSz="1422400">
             <a:lnSpc>
               <a:spcPct val="90000"/>
             </a:lnSpc>
@@ -6322,7 +6545,6 @@
             <a:spcAft>
               <a:spcPct val="35000"/>
             </a:spcAft>
-            <a:buNone/>
           </a:pPr>
           <a:endParaRPr lang="en-US" sz="3200" kern="1200"/>
         </a:p>
@@ -6391,7 +6613,7 @@
         </a:bodyPr>
         <a:lstStyle/>
         <a:p>
-          <a:pPr marL="0" lvl="0" indent="0" algn="ctr" defTabSz="1422400">
+          <a:pPr lvl="0" algn="ctr" defTabSz="1422400">
             <a:lnSpc>
               <a:spcPct val="90000"/>
             </a:lnSpc>
@@ -6401,7 +6623,6 @@
             <a:spcAft>
               <a:spcPct val="35000"/>
             </a:spcAft>
-            <a:buNone/>
           </a:pPr>
           <a:endParaRPr lang="en-US" sz="3200" kern="1200"/>
         </a:p>
@@ -11501,7 +11722,7 @@
             <a:fld id="{B61BEF0D-F0BB-DE4B-95CE-6DB70DBA9567}" type="datetimeFigureOut">
               <a:rPr lang="en-US" dirty="0"/>
               <a:pPr/>
-              <a:t>5/3/2018</a:t>
+              <a:t>05/03/18</a:t>
             </a:fld>
             <a:endParaRPr lang="en-US" dirty="0"/>
           </a:p>
@@ -11760,7 +11981,7 @@
             <a:fld id="{B61BEF0D-F0BB-DE4B-95CE-6DB70DBA9567}" type="datetimeFigureOut">
               <a:rPr lang="en-US" dirty="0"/>
               <a:pPr/>
-              <a:t>5/3/2018</a:t>
+              <a:t>05/03/18</a:t>
             </a:fld>
             <a:endParaRPr lang="en-US" dirty="0"/>
           </a:p>
@@ -11992,7 +12213,7 @@
             <a:fld id="{B61BEF0D-F0BB-DE4B-95CE-6DB70DBA9567}" type="datetimeFigureOut">
               <a:rPr lang="en-US" dirty="0"/>
               <a:pPr/>
-              <a:t>5/3/2018</a:t>
+              <a:t>05/03/18</a:t>
             </a:fld>
             <a:endParaRPr lang="en-US" dirty="0"/>
           </a:p>
@@ -12229,7 +12450,7 @@
             <a:fld id="{B61BEF0D-F0BB-DE4B-95CE-6DB70DBA9567}" type="datetimeFigureOut">
               <a:rPr lang="en-US" dirty="0"/>
               <a:pPr/>
-              <a:t>5/3/2018</a:t>
+              <a:t>05/03/18</a:t>
             </a:fld>
             <a:endParaRPr lang="en-US" dirty="0"/>
           </a:p>
@@ -12533,7 +12754,7 @@
             <a:fld id="{B61BEF0D-F0BB-DE4B-95CE-6DB70DBA9567}" type="datetimeFigureOut">
               <a:rPr lang="en-US" dirty="0"/>
               <a:pPr/>
-              <a:t>5/3/2018</a:t>
+              <a:t>05/03/18</a:t>
             </a:fld>
             <a:endParaRPr lang="en-US" dirty="0"/>
           </a:p>
@@ -12832,7 +13053,7 @@
             <a:fld id="{B61BEF0D-F0BB-DE4B-95CE-6DB70DBA9567}" type="datetimeFigureOut">
               <a:rPr lang="en-US" dirty="0"/>
               <a:pPr/>
-              <a:t>5/3/2018</a:t>
+              <a:t>05/03/18</a:t>
             </a:fld>
             <a:endParaRPr lang="en-US" dirty="0"/>
           </a:p>
@@ -13251,7 +13472,7 @@
             <a:fld id="{B61BEF0D-F0BB-DE4B-95CE-6DB70DBA9567}" type="datetimeFigureOut">
               <a:rPr lang="en-US" dirty="0"/>
               <a:pPr/>
-              <a:t>5/3/2018</a:t>
+              <a:t>05/03/18</a:t>
             </a:fld>
             <a:endParaRPr lang="en-US" dirty="0"/>
           </a:p>
@@ -13343,7 +13564,7 @@
             <a:fld id="{B61BEF0D-F0BB-DE4B-95CE-6DB70DBA9567}" type="datetimeFigureOut">
               <a:rPr lang="en-US" dirty="0"/>
               <a:pPr/>
-              <a:t>5/3/2018</a:t>
+              <a:t>05/03/18</a:t>
             </a:fld>
             <a:endParaRPr lang="en-US" dirty="0"/>
           </a:p>
@@ -13502,7 +13723,7 @@
             <a:fld id="{B61BEF0D-F0BB-DE4B-95CE-6DB70DBA9567}" type="datetimeFigureOut">
               <a:rPr lang="en-US" dirty="0"/>
               <a:pPr/>
-              <a:t>5/3/2018</a:t>
+              <a:t>05/03/18</a:t>
             </a:fld>
             <a:endParaRPr lang="en-US" dirty="0"/>
           </a:p>
@@ -13877,7 +14098,7 @@
             <a:fld id="{B61BEF0D-F0BB-DE4B-95CE-6DB70DBA9567}" type="datetimeFigureOut">
               <a:rPr lang="en-US" dirty="0"/>
               <a:pPr/>
-              <a:t>5/3/2018</a:t>
+              <a:t>05/03/18</a:t>
             </a:fld>
             <a:endParaRPr lang="en-US" dirty="0"/>
           </a:p>
@@ -14163,7 +14384,7 @@
             <a:fld id="{B61BEF0D-F0BB-DE4B-95CE-6DB70DBA9567}" type="datetimeFigureOut">
               <a:rPr lang="en-US" dirty="0"/>
               <a:pPr/>
-              <a:t>5/3/2018</a:t>
+              <a:t>05/03/18</a:t>
             </a:fld>
             <a:endParaRPr lang="en-US" dirty="0"/>
           </a:p>
@@ -14371,7 +14592,7 @@
             <a:fld id="{B61BEF0D-F0BB-DE4B-95CE-6DB70DBA9567}" type="datetimeFigureOut">
               <a:rPr lang="en-US" dirty="0"/>
               <a:pPr/>
-              <a:t>5/3/2018</a:t>
+              <a:t>05/03/18</a:t>
             </a:fld>
             <a:endParaRPr lang="en-US" dirty="0"/>
           </a:p>
@@ -14973,7 +15194,7 @@
           <p:cNvPr id="2" name="Title 1">
             <a:extLst>
               <a:ext uri="{FF2B5EF4-FFF2-40B4-BE49-F238E27FC236}">
-                <a16:creationId xmlns:a16="http://schemas.microsoft.com/office/drawing/2014/main" id="{134A0F58-C39C-4FBF-B971-C768688A9129}"/>
+                <a16:creationId xmlns:a16="http://schemas.microsoft.com/office/drawing/2014/main" xmlns="" id="{134A0F58-C39C-4FBF-B971-C768688A9129}"/>
               </a:ext>
             </a:extLst>
           </p:cNvPr>
@@ -15001,7 +15222,7 @@
           <p:cNvPr id="3" name="Subtitle 2">
             <a:extLst>
               <a:ext uri="{FF2B5EF4-FFF2-40B4-BE49-F238E27FC236}">
-                <a16:creationId xmlns:a16="http://schemas.microsoft.com/office/drawing/2014/main" id="{335F4A51-D688-4069-9BB9-348A9DF413B6}"/>
+                <a16:creationId xmlns:a16="http://schemas.microsoft.com/office/drawing/2014/main" xmlns="" id="{335F4A51-D688-4069-9BB9-348A9DF413B6}"/>
               </a:ext>
             </a:extLst>
           </p:cNvPr>
@@ -15029,7 +15250,7 @@
           <p:cNvPr id="4" name="TextBox 3">
             <a:extLst>
               <a:ext uri="{FF2B5EF4-FFF2-40B4-BE49-F238E27FC236}">
-                <a16:creationId xmlns:a16="http://schemas.microsoft.com/office/drawing/2014/main" id="{658646B5-F68F-4E75-B147-A79DC21043C6}"/>
+                <a16:creationId xmlns:a16="http://schemas.microsoft.com/office/drawing/2014/main" xmlns="" id="{658646B5-F68F-4E75-B147-A79DC21043C6}"/>
               </a:ext>
             </a:extLst>
           </p:cNvPr>
@@ -15080,6 +15301,13 @@
   <p:clrMapOvr>
     <a:masterClrMapping/>
   </p:clrMapOvr>
+  <p:timing>
+    <p:tnLst>
+      <p:par>
+        <p:cTn id="1" dur="indefinite" restart="never" nodeType="tmRoot"/>
+      </p:par>
+    </p:tnLst>
+  </p:timing>
 </p:sld>
 </file>
 
@@ -15113,7 +15341,7 @@
           <p:cNvPr id="65" name="Rectangle 64">
             <a:extLst>
               <a:ext uri="{FF2B5EF4-FFF2-40B4-BE49-F238E27FC236}">
-                <a16:creationId xmlns:a16="http://schemas.microsoft.com/office/drawing/2014/main" id="{8F404549-B4DC-481C-926C-DED3EF1C585B}"/>
+                <a16:creationId xmlns:a16="http://schemas.microsoft.com/office/drawing/2014/main" xmlns="" id="{8F404549-B4DC-481C-926C-DED3EF1C585B}"/>
               </a:ext>
             </a:extLst>
           </p:cNvPr>
@@ -15123,7 +15351,7 @@
           <p:nvPr>
             <p:extLst>
               <p:ext uri="{386F3935-93C4-4BCD-93E2-E3B085C9AB24}">
-                <p16:designElem xmlns:p16="http://schemas.microsoft.com/office/powerpoint/2015/main" val="1"/>
+                <p16:designElem xmlns:p16="http://schemas.microsoft.com/office/powerpoint/2015/main" xmlns="" val="1"/>
               </p:ext>
             </p:extLst>
           </p:nvPr>
@@ -15170,7 +15398,7 @@
           <p:cNvPr id="67" name="Rectangle 66">
             <a:extLst>
               <a:ext uri="{FF2B5EF4-FFF2-40B4-BE49-F238E27FC236}">
-                <a16:creationId xmlns:a16="http://schemas.microsoft.com/office/drawing/2014/main" id="{1E8FD5CD-351E-4B06-8B78-BD5102D00908}"/>
+                <a16:creationId xmlns:a16="http://schemas.microsoft.com/office/drawing/2014/main" xmlns="" id="{1E8FD5CD-351E-4B06-8B78-BD5102D00908}"/>
               </a:ext>
             </a:extLst>
           </p:cNvPr>
@@ -15180,7 +15408,7 @@
           <p:nvPr>
             <p:extLst>
               <p:ext uri="{386F3935-93C4-4BCD-93E2-E3B085C9AB24}">
-                <p16:designElem xmlns:p16="http://schemas.microsoft.com/office/powerpoint/2015/main" val="1"/>
+                <p16:designElem xmlns:p16="http://schemas.microsoft.com/office/powerpoint/2015/main" xmlns="" val="1"/>
               </p:ext>
             </p:extLst>
           </p:nvPr>
@@ -15221,7 +15449,7 @@
           <p:cNvPr id="9" name="Title 1">
             <a:extLst>
               <a:ext uri="{FF2B5EF4-FFF2-40B4-BE49-F238E27FC236}">
-                <a16:creationId xmlns:a16="http://schemas.microsoft.com/office/drawing/2014/main" id="{3F1EAE88-5BB4-4864-8351-F9574768D2F6}"/>
+                <a16:creationId xmlns:a16="http://schemas.microsoft.com/office/drawing/2014/main" xmlns="" id="{3F1EAE88-5BB4-4864-8351-F9574768D2F6}"/>
               </a:ext>
             </a:extLst>
           </p:cNvPr>
@@ -15260,7 +15488,7 @@
           <p:cNvPr id="10" name="TextBox 9">
             <a:extLst>
               <a:ext uri="{FF2B5EF4-FFF2-40B4-BE49-F238E27FC236}">
-                <a16:creationId xmlns:a16="http://schemas.microsoft.com/office/drawing/2014/main" id="{5B4116E4-DD2F-4170-B06A-719927495163}"/>
+                <a16:creationId xmlns:a16="http://schemas.microsoft.com/office/drawing/2014/main" xmlns="" id="{5B4116E4-DD2F-4170-B06A-719927495163}"/>
               </a:ext>
             </a:extLst>
           </p:cNvPr>
@@ -15343,7 +15571,7 @@
           <p:cNvPr id="2" name="Picture 1">
             <a:extLst>
               <a:ext uri="{FF2B5EF4-FFF2-40B4-BE49-F238E27FC236}">
-                <a16:creationId xmlns:a16="http://schemas.microsoft.com/office/drawing/2014/main" id="{4CD28EB9-ED69-4A28-951A-290AFC810ACF}"/>
+                <a16:creationId xmlns:a16="http://schemas.microsoft.com/office/drawing/2014/main" xmlns="" id="{4CD28EB9-ED69-4A28-951A-290AFC810ACF}"/>
               </a:ext>
             </a:extLst>
           </p:cNvPr>
@@ -15373,7 +15601,7 @@
           <p:cNvPr id="5" name="Straight Connector 4">
             <a:extLst>
               <a:ext uri="{FF2B5EF4-FFF2-40B4-BE49-F238E27FC236}">
-                <a16:creationId xmlns:a16="http://schemas.microsoft.com/office/drawing/2014/main" id="{3EB2E969-8C3A-435E-ADB8-8DEA8404B153}"/>
+                <a16:creationId xmlns:a16="http://schemas.microsoft.com/office/drawing/2014/main" xmlns="" id="{3EB2E969-8C3A-435E-ADB8-8DEA8404B153}"/>
               </a:ext>
             </a:extLst>
           </p:cNvPr>
@@ -15416,7 +15644,7 @@
           <p:cNvPr id="8" name="Straight Connector 7">
             <a:extLst>
               <a:ext uri="{FF2B5EF4-FFF2-40B4-BE49-F238E27FC236}">
-                <a16:creationId xmlns:a16="http://schemas.microsoft.com/office/drawing/2014/main" id="{6C09D561-D10F-4DFC-B1B5-EF06B5A5BD1C}"/>
+                <a16:creationId xmlns:a16="http://schemas.microsoft.com/office/drawing/2014/main" xmlns="" id="{6C09D561-D10F-4DFC-B1B5-EF06B5A5BD1C}"/>
               </a:ext>
             </a:extLst>
           </p:cNvPr>
@@ -15459,7 +15687,7 @@
           <p:cNvPr id="20" name="Straight Connector 19">
             <a:extLst>
               <a:ext uri="{FF2B5EF4-FFF2-40B4-BE49-F238E27FC236}">
-                <a16:creationId xmlns:a16="http://schemas.microsoft.com/office/drawing/2014/main" id="{37303360-F7C0-468F-9B76-CDA610F5C8AD}"/>
+                <a16:creationId xmlns:a16="http://schemas.microsoft.com/office/drawing/2014/main" xmlns="" id="{37303360-F7C0-468F-9B76-CDA610F5C8AD}"/>
               </a:ext>
             </a:extLst>
           </p:cNvPr>
@@ -15500,7 +15728,7 @@
           <p:cNvPr id="23" name="Oval 22">
             <a:extLst>
               <a:ext uri="{FF2B5EF4-FFF2-40B4-BE49-F238E27FC236}">
-                <a16:creationId xmlns:a16="http://schemas.microsoft.com/office/drawing/2014/main" id="{81D60996-A558-4CB4-BE1A-859342FB5A37}"/>
+                <a16:creationId xmlns:a16="http://schemas.microsoft.com/office/drawing/2014/main" xmlns="" id="{81D60996-A558-4CB4-BE1A-859342FB5A37}"/>
               </a:ext>
             </a:extLst>
           </p:cNvPr>
@@ -15560,7 +15788,7 @@
           <p:cNvPr id="24" name="Oval 23">
             <a:extLst>
               <a:ext uri="{FF2B5EF4-FFF2-40B4-BE49-F238E27FC236}">
-                <a16:creationId xmlns:a16="http://schemas.microsoft.com/office/drawing/2014/main" id="{83E00037-8CBD-4D60-A144-977A779825BF}"/>
+                <a16:creationId xmlns:a16="http://schemas.microsoft.com/office/drawing/2014/main" xmlns="" id="{83E00037-8CBD-4D60-A144-977A779825BF}"/>
               </a:ext>
             </a:extLst>
           </p:cNvPr>
@@ -15620,7 +15848,7 @@
           <p:cNvPr id="25" name="Curved Connector 12">
             <a:extLst>
               <a:ext uri="{FF2B5EF4-FFF2-40B4-BE49-F238E27FC236}">
-                <a16:creationId xmlns:a16="http://schemas.microsoft.com/office/drawing/2014/main" id="{17C608B8-2E69-41E2-A39A-D2C823C41C38}"/>
+                <a16:creationId xmlns:a16="http://schemas.microsoft.com/office/drawing/2014/main" xmlns="" id="{17C608B8-2E69-41E2-A39A-D2C823C41C38}"/>
               </a:ext>
             </a:extLst>
           </p:cNvPr>
@@ -15664,7 +15892,7 @@
           <p:cNvPr id="26" name="Curved Connector 20">
             <a:extLst>
               <a:ext uri="{FF2B5EF4-FFF2-40B4-BE49-F238E27FC236}">
-                <a16:creationId xmlns:a16="http://schemas.microsoft.com/office/drawing/2014/main" id="{F0B1253F-92B3-40C1-8385-A51A7A74F70F}"/>
+                <a16:creationId xmlns:a16="http://schemas.microsoft.com/office/drawing/2014/main" xmlns="" id="{F0B1253F-92B3-40C1-8385-A51A7A74F70F}"/>
               </a:ext>
             </a:extLst>
           </p:cNvPr>
@@ -16043,7 +16271,7 @@
           <p:cNvPr id="65" name="Rectangle 64">
             <a:extLst>
               <a:ext uri="{FF2B5EF4-FFF2-40B4-BE49-F238E27FC236}">
-                <a16:creationId xmlns:a16="http://schemas.microsoft.com/office/drawing/2014/main" id="{8F404549-B4DC-481C-926C-DED3EF1C585B}"/>
+                <a16:creationId xmlns:a16="http://schemas.microsoft.com/office/drawing/2014/main" xmlns="" id="{8F404549-B4DC-481C-926C-DED3EF1C585B}"/>
               </a:ext>
             </a:extLst>
           </p:cNvPr>
@@ -16053,7 +16281,7 @@
           <p:nvPr>
             <p:extLst>
               <p:ext uri="{386F3935-93C4-4BCD-93E2-E3B085C9AB24}">
-                <p16:designElem xmlns:p16="http://schemas.microsoft.com/office/powerpoint/2015/main" val="1"/>
+                <p16:designElem xmlns:p16="http://schemas.microsoft.com/office/powerpoint/2015/main" xmlns="" val="1"/>
               </p:ext>
             </p:extLst>
           </p:nvPr>
@@ -16100,7 +16328,7 @@
           <p:cNvPr id="67" name="Rectangle 66">
             <a:extLst>
               <a:ext uri="{FF2B5EF4-FFF2-40B4-BE49-F238E27FC236}">
-                <a16:creationId xmlns:a16="http://schemas.microsoft.com/office/drawing/2014/main" id="{1E8FD5CD-351E-4B06-8B78-BD5102D00908}"/>
+                <a16:creationId xmlns:a16="http://schemas.microsoft.com/office/drawing/2014/main" xmlns="" id="{1E8FD5CD-351E-4B06-8B78-BD5102D00908}"/>
               </a:ext>
             </a:extLst>
           </p:cNvPr>
@@ -16110,7 +16338,7 @@
           <p:nvPr>
             <p:extLst>
               <p:ext uri="{386F3935-93C4-4BCD-93E2-E3B085C9AB24}">
-                <p16:designElem xmlns:p16="http://schemas.microsoft.com/office/powerpoint/2015/main" val="1"/>
+                <p16:designElem xmlns:p16="http://schemas.microsoft.com/office/powerpoint/2015/main" xmlns="" val="1"/>
               </p:ext>
             </p:extLst>
           </p:nvPr>
@@ -16151,7 +16379,7 @@
           <p:cNvPr id="9" name="Title 1">
             <a:extLst>
               <a:ext uri="{FF2B5EF4-FFF2-40B4-BE49-F238E27FC236}">
-                <a16:creationId xmlns:a16="http://schemas.microsoft.com/office/drawing/2014/main" id="{3F1EAE88-5BB4-4864-8351-F9574768D2F6}"/>
+                <a16:creationId xmlns:a16="http://schemas.microsoft.com/office/drawing/2014/main" xmlns="" id="{3F1EAE88-5BB4-4864-8351-F9574768D2F6}"/>
               </a:ext>
             </a:extLst>
           </p:cNvPr>
@@ -16190,7 +16418,7 @@
           <p:cNvPr id="10" name="TextBox 9">
             <a:extLst>
               <a:ext uri="{FF2B5EF4-FFF2-40B4-BE49-F238E27FC236}">
-                <a16:creationId xmlns:a16="http://schemas.microsoft.com/office/drawing/2014/main" id="{5B4116E4-DD2F-4170-B06A-719927495163}"/>
+                <a16:creationId xmlns:a16="http://schemas.microsoft.com/office/drawing/2014/main" xmlns="" id="{5B4116E4-DD2F-4170-B06A-719927495163}"/>
               </a:ext>
             </a:extLst>
           </p:cNvPr>
@@ -16280,7 +16508,7 @@
           <p:cNvPr id="11" name="Picture 10">
             <a:extLst>
               <a:ext uri="{FF2B5EF4-FFF2-40B4-BE49-F238E27FC236}">
-                <a16:creationId xmlns:a16="http://schemas.microsoft.com/office/drawing/2014/main" id="{EF601307-348C-4707-AD58-C3CBCEFA3A2C}"/>
+                <a16:creationId xmlns:a16="http://schemas.microsoft.com/office/drawing/2014/main" xmlns="" id="{EF601307-348C-4707-AD58-C3CBCEFA3A2C}"/>
               </a:ext>
             </a:extLst>
           </p:cNvPr>
@@ -16310,7 +16538,7 @@
           <p:cNvPr id="12" name="Oval 11">
             <a:extLst>
               <a:ext uri="{FF2B5EF4-FFF2-40B4-BE49-F238E27FC236}">
-                <a16:creationId xmlns:a16="http://schemas.microsoft.com/office/drawing/2014/main" id="{6551A39E-B52F-4E58-9343-DD5B2C6D4B1C}"/>
+                <a16:creationId xmlns:a16="http://schemas.microsoft.com/office/drawing/2014/main" xmlns="" id="{6551A39E-B52F-4E58-9343-DD5B2C6D4B1C}"/>
               </a:ext>
             </a:extLst>
           </p:cNvPr>
@@ -16351,7 +16579,7 @@
           <a:p>
             <a:pPr algn="ctr"/>
             <a:r>
-              <a:rPr lang="en-US" b="1" dirty="0">
+              <a:rPr lang="en-US" b="1" dirty="0" smtClean="0">
                 <a:effectLst>
                   <a:outerShdw blurRad="38100" dist="38100" dir="2700000" algn="tl">
                     <a:srgbClr val="000000">
@@ -16360,8 +16588,17 @@
                   </a:outerShdw>
                 </a:effectLst>
               </a:rPr>
-              <a:t>q=2</a:t>
+              <a:t>q=3</a:t>
             </a:r>
+            <a:endParaRPr lang="en-US" b="1" dirty="0">
+              <a:effectLst>
+                <a:outerShdw blurRad="38100" dist="38100" dir="2700000" algn="tl">
+                  <a:srgbClr val="000000">
+                    <a:alpha val="43137"/>
+                  </a:srgbClr>
+                </a:outerShdw>
+              </a:effectLst>
+            </a:endParaRPr>
           </a:p>
         </p:txBody>
       </p:sp>
@@ -16370,7 +16607,7 @@
           <p:cNvPr id="13" name="Oval 12">
             <a:extLst>
               <a:ext uri="{FF2B5EF4-FFF2-40B4-BE49-F238E27FC236}">
-                <a16:creationId xmlns:a16="http://schemas.microsoft.com/office/drawing/2014/main" id="{A141E6DF-636E-45BA-9088-6FAB8B68C983}"/>
+                <a16:creationId xmlns:a16="http://schemas.microsoft.com/office/drawing/2014/main" xmlns="" id="{A141E6DF-636E-45BA-9088-6FAB8B68C983}"/>
               </a:ext>
             </a:extLst>
           </p:cNvPr>
@@ -16411,7 +16648,7 @@
           <a:p>
             <a:pPr algn="ctr"/>
             <a:r>
-              <a:rPr lang="en-US" b="1" dirty="0">
+              <a:rPr lang="en-US" b="1" dirty="0" smtClean="0">
                 <a:effectLst>
                   <a:outerShdw blurRad="38100" dist="38100" dir="2700000" algn="tl">
                     <a:srgbClr val="000000">
@@ -16420,8 +16657,17 @@
                   </a:outerShdw>
                 </a:effectLst>
               </a:rPr>
-              <a:t>p=7</a:t>
+              <a:t>p=2</a:t>
             </a:r>
+            <a:endParaRPr lang="en-US" b="1" dirty="0">
+              <a:effectLst>
+                <a:outerShdw blurRad="38100" dist="38100" dir="2700000" algn="tl">
+                  <a:srgbClr val="000000">
+                    <a:alpha val="43137"/>
+                  </a:srgbClr>
+                </a:outerShdw>
+              </a:effectLst>
+            </a:endParaRPr>
           </a:p>
         </p:txBody>
       </p:sp>
@@ -16430,7 +16676,7 @@
           <p:cNvPr id="14" name="Curved Connector 12">
             <a:extLst>
               <a:ext uri="{FF2B5EF4-FFF2-40B4-BE49-F238E27FC236}">
-                <a16:creationId xmlns:a16="http://schemas.microsoft.com/office/drawing/2014/main" id="{8BE51160-46BC-4390-91EB-AC9BEF35676D}"/>
+                <a16:creationId xmlns:a16="http://schemas.microsoft.com/office/drawing/2014/main" xmlns="" id="{8BE51160-46BC-4390-91EB-AC9BEF35676D}"/>
               </a:ext>
             </a:extLst>
           </p:cNvPr>
@@ -16474,7 +16720,7 @@
           <p:cNvPr id="15" name="Curved Connector 20">
             <a:extLst>
               <a:ext uri="{FF2B5EF4-FFF2-40B4-BE49-F238E27FC236}">
-                <a16:creationId xmlns:a16="http://schemas.microsoft.com/office/drawing/2014/main" id="{FA29EA0A-E375-4783-AD53-57031681CAAB}"/>
+                <a16:creationId xmlns:a16="http://schemas.microsoft.com/office/drawing/2014/main" xmlns="" id="{FA29EA0A-E375-4783-AD53-57031681CAAB}"/>
               </a:ext>
             </a:extLst>
           </p:cNvPr>
@@ -16764,7 +17010,7 @@
           <p:cNvPr id="86" name="Rectangle 85">
             <a:extLst>
               <a:ext uri="{FF2B5EF4-FFF2-40B4-BE49-F238E27FC236}">
-                <a16:creationId xmlns:a16="http://schemas.microsoft.com/office/drawing/2014/main" id="{8F404549-B4DC-481C-926C-DED3EF1C585B}"/>
+                <a16:creationId xmlns:a16="http://schemas.microsoft.com/office/drawing/2014/main" xmlns="" id="{8F404549-B4DC-481C-926C-DED3EF1C585B}"/>
               </a:ext>
             </a:extLst>
           </p:cNvPr>
@@ -16774,7 +17020,7 @@
           <p:nvPr>
             <p:extLst>
               <p:ext uri="{386F3935-93C4-4BCD-93E2-E3B085C9AB24}">
-                <p16:designElem xmlns:p16="http://schemas.microsoft.com/office/powerpoint/2015/main" val="1"/>
+                <p16:designElem xmlns:p16="http://schemas.microsoft.com/office/powerpoint/2015/main" xmlns="" val="1"/>
               </p:ext>
             </p:extLst>
           </p:nvPr>
@@ -16821,7 +17067,7 @@
           <p:cNvPr id="88" name="Rectangle 87">
             <a:extLst>
               <a:ext uri="{FF2B5EF4-FFF2-40B4-BE49-F238E27FC236}">
-                <a16:creationId xmlns:a16="http://schemas.microsoft.com/office/drawing/2014/main" id="{1E8FD5CD-351E-4B06-8B78-BD5102D00908}"/>
+                <a16:creationId xmlns:a16="http://schemas.microsoft.com/office/drawing/2014/main" xmlns="" id="{1E8FD5CD-351E-4B06-8B78-BD5102D00908}"/>
               </a:ext>
             </a:extLst>
           </p:cNvPr>
@@ -16831,7 +17077,7 @@
           <p:nvPr>
             <p:extLst>
               <p:ext uri="{386F3935-93C4-4BCD-93E2-E3B085C9AB24}">
-                <p16:designElem xmlns:p16="http://schemas.microsoft.com/office/powerpoint/2015/main" val="1"/>
+                <p16:designElem xmlns:p16="http://schemas.microsoft.com/office/powerpoint/2015/main" xmlns="" val="1"/>
               </p:ext>
             </p:extLst>
           </p:nvPr>
@@ -16872,7 +17118,7 @@
           <p:cNvPr id="8" name="Title 1">
             <a:extLst>
               <a:ext uri="{FF2B5EF4-FFF2-40B4-BE49-F238E27FC236}">
-                <a16:creationId xmlns:a16="http://schemas.microsoft.com/office/drawing/2014/main" id="{29E7E0BE-0B54-45D9-9F9A-39016F9D9F1F}"/>
+                <a16:creationId xmlns:a16="http://schemas.microsoft.com/office/drawing/2014/main" xmlns="" id="{29E7E0BE-0B54-45D9-9F9A-39016F9D9F1F}"/>
               </a:ext>
             </a:extLst>
           </p:cNvPr>
@@ -16911,7 +17157,7 @@
           <p:cNvPr id="9" name="TextBox 8">
             <a:extLst>
               <a:ext uri="{FF2B5EF4-FFF2-40B4-BE49-F238E27FC236}">
-                <a16:creationId xmlns:a16="http://schemas.microsoft.com/office/drawing/2014/main" id="{2A029511-ECA2-40DB-8F32-0142E09DFCF4}"/>
+                <a16:creationId xmlns:a16="http://schemas.microsoft.com/office/drawing/2014/main" xmlns="" id="{2A029511-ECA2-40DB-8F32-0142E09DFCF4}"/>
               </a:ext>
             </a:extLst>
           </p:cNvPr>
@@ -17045,7 +17291,7 @@
           <p:cNvPr id="12" name="Diagram 11">
             <a:extLst>
               <a:ext uri="{FF2B5EF4-FFF2-40B4-BE49-F238E27FC236}">
-                <a16:creationId xmlns:a16="http://schemas.microsoft.com/office/drawing/2014/main" id="{23418D7F-373D-4FB8-B5F4-5ABC7DC7C39D}"/>
+                <a16:creationId xmlns:a16="http://schemas.microsoft.com/office/drawing/2014/main" xmlns="" id="{23418D7F-373D-4FB8-B5F4-5ABC7DC7C39D}"/>
               </a:ext>
             </a:extLst>
           </p:cNvPr>
@@ -17078,6 +17324,13 @@
   <p:clrMapOvr>
     <a:masterClrMapping/>
   </p:clrMapOvr>
+  <p:timing>
+    <p:tnLst>
+      <p:par>
+        <p:cTn id="1" dur="indefinite" restart="never" nodeType="tmRoot"/>
+      </p:par>
+    </p:tnLst>
+  </p:timing>
 </p:sld>
 </file>
 
@@ -17111,7 +17364,7 @@
           <p:cNvPr id="72" name="Rectangle 71">
             <a:extLst>
               <a:ext uri="{FF2B5EF4-FFF2-40B4-BE49-F238E27FC236}">
-                <a16:creationId xmlns:a16="http://schemas.microsoft.com/office/drawing/2014/main" id="{8F404549-B4DC-481C-926C-DED3EF1C585B}"/>
+                <a16:creationId xmlns:a16="http://schemas.microsoft.com/office/drawing/2014/main" xmlns="" id="{8F404549-B4DC-481C-926C-DED3EF1C585B}"/>
               </a:ext>
             </a:extLst>
           </p:cNvPr>
@@ -17121,7 +17374,7 @@
           <p:nvPr>
             <p:extLst>
               <p:ext uri="{386F3935-93C4-4BCD-93E2-E3B085C9AB24}">
-                <p16:designElem xmlns:p16="http://schemas.microsoft.com/office/powerpoint/2015/main" val="1"/>
+                <p16:designElem xmlns:p16="http://schemas.microsoft.com/office/powerpoint/2015/main" xmlns="" val="1"/>
               </p:ext>
             </p:extLst>
           </p:nvPr>
@@ -17168,7 +17421,7 @@
           <p:cNvPr id="74" name="Rectangle 73">
             <a:extLst>
               <a:ext uri="{FF2B5EF4-FFF2-40B4-BE49-F238E27FC236}">
-                <a16:creationId xmlns:a16="http://schemas.microsoft.com/office/drawing/2014/main" id="{1E8FD5CD-351E-4B06-8B78-BD5102D00908}"/>
+                <a16:creationId xmlns:a16="http://schemas.microsoft.com/office/drawing/2014/main" xmlns="" id="{1E8FD5CD-351E-4B06-8B78-BD5102D00908}"/>
               </a:ext>
             </a:extLst>
           </p:cNvPr>
@@ -17178,7 +17431,7 @@
           <p:nvPr>
             <p:extLst>
               <p:ext uri="{386F3935-93C4-4BCD-93E2-E3B085C9AB24}">
-                <p16:designElem xmlns:p16="http://schemas.microsoft.com/office/powerpoint/2015/main" val="1"/>
+                <p16:designElem xmlns:p16="http://schemas.microsoft.com/office/powerpoint/2015/main" xmlns="" val="1"/>
               </p:ext>
             </p:extLst>
           </p:nvPr>
@@ -17219,7 +17472,7 @@
           <p:cNvPr id="5" name="Picture 4">
             <a:extLst>
               <a:ext uri="{FF2B5EF4-FFF2-40B4-BE49-F238E27FC236}">
-                <a16:creationId xmlns:a16="http://schemas.microsoft.com/office/drawing/2014/main" id="{D8490AC3-C5A5-40FB-AF4B-BCDF6C451422}"/>
+                <a16:creationId xmlns:a16="http://schemas.microsoft.com/office/drawing/2014/main" xmlns="" id="{D8490AC3-C5A5-40FB-AF4B-BCDF6C451422}"/>
               </a:ext>
             </a:extLst>
           </p:cNvPr>
@@ -17249,7 +17502,7 @@
           <p:cNvPr id="2" name="Title 1">
             <a:extLst>
               <a:ext uri="{FF2B5EF4-FFF2-40B4-BE49-F238E27FC236}">
-                <a16:creationId xmlns:a16="http://schemas.microsoft.com/office/drawing/2014/main" id="{012C7BD4-F55F-4BA2-98B1-CDF110E847C9}"/>
+                <a16:creationId xmlns:a16="http://schemas.microsoft.com/office/drawing/2014/main" xmlns="" id="{012C7BD4-F55F-4BA2-98B1-CDF110E847C9}"/>
               </a:ext>
             </a:extLst>
           </p:cNvPr>
@@ -17481,6 +17734,13 @@
   <p:clrMapOvr>
     <a:masterClrMapping/>
   </p:clrMapOvr>
+  <p:timing>
+    <p:tnLst>
+      <p:par>
+        <p:cTn id="1" dur="indefinite" restart="never" nodeType="tmRoot"/>
+      </p:par>
+    </p:tnLst>
+  </p:timing>
 </p:sld>
 </file>
 
@@ -17514,7 +17774,7 @@
           <p:cNvPr id="72" name="Rectangle 71">
             <a:extLst>
               <a:ext uri="{FF2B5EF4-FFF2-40B4-BE49-F238E27FC236}">
-                <a16:creationId xmlns:a16="http://schemas.microsoft.com/office/drawing/2014/main" id="{8F404549-B4DC-481C-926C-DED3EF1C585B}"/>
+                <a16:creationId xmlns:a16="http://schemas.microsoft.com/office/drawing/2014/main" xmlns="" id="{8F404549-B4DC-481C-926C-DED3EF1C585B}"/>
               </a:ext>
             </a:extLst>
           </p:cNvPr>
@@ -17524,7 +17784,7 @@
           <p:nvPr>
             <p:extLst>
               <p:ext uri="{386F3935-93C4-4BCD-93E2-E3B085C9AB24}">
-                <p16:designElem xmlns:p16="http://schemas.microsoft.com/office/powerpoint/2015/main" val="1"/>
+                <p16:designElem xmlns:p16="http://schemas.microsoft.com/office/powerpoint/2015/main" xmlns="" val="1"/>
               </p:ext>
             </p:extLst>
           </p:nvPr>
@@ -17571,7 +17831,7 @@
           <p:cNvPr id="74" name="Rectangle 73">
             <a:extLst>
               <a:ext uri="{FF2B5EF4-FFF2-40B4-BE49-F238E27FC236}">
-                <a16:creationId xmlns:a16="http://schemas.microsoft.com/office/drawing/2014/main" id="{1E8FD5CD-351E-4B06-8B78-BD5102D00908}"/>
+                <a16:creationId xmlns:a16="http://schemas.microsoft.com/office/drawing/2014/main" xmlns="" id="{1E8FD5CD-351E-4B06-8B78-BD5102D00908}"/>
               </a:ext>
             </a:extLst>
           </p:cNvPr>
@@ -17581,7 +17841,7 @@
           <p:nvPr>
             <p:extLst>
               <p:ext uri="{386F3935-93C4-4BCD-93E2-E3B085C9AB24}">
-                <p16:designElem xmlns:p16="http://schemas.microsoft.com/office/powerpoint/2015/main" val="1"/>
+                <p16:designElem xmlns:p16="http://schemas.microsoft.com/office/powerpoint/2015/main" xmlns="" val="1"/>
               </p:ext>
             </p:extLst>
           </p:nvPr>
@@ -17622,7 +17882,7 @@
           <p:cNvPr id="5" name="Picture 4">
             <a:extLst>
               <a:ext uri="{FF2B5EF4-FFF2-40B4-BE49-F238E27FC236}">
-                <a16:creationId xmlns:a16="http://schemas.microsoft.com/office/drawing/2014/main" id="{B8D2690C-A24D-4965-9180-0448F1FAECFE}"/>
+                <a16:creationId xmlns:a16="http://schemas.microsoft.com/office/drawing/2014/main" xmlns="" id="{B8D2690C-A24D-4965-9180-0448F1FAECFE}"/>
               </a:ext>
             </a:extLst>
           </p:cNvPr>
@@ -17652,7 +17912,7 @@
           <p:cNvPr id="2" name="Title 1">
             <a:extLst>
               <a:ext uri="{FF2B5EF4-FFF2-40B4-BE49-F238E27FC236}">
-                <a16:creationId xmlns:a16="http://schemas.microsoft.com/office/drawing/2014/main" id="{012C7BD4-F55F-4BA2-98B1-CDF110E847C9}"/>
+                <a16:creationId xmlns:a16="http://schemas.microsoft.com/office/drawing/2014/main" xmlns="" id="{012C7BD4-F55F-4BA2-98B1-CDF110E847C9}"/>
               </a:ext>
             </a:extLst>
           </p:cNvPr>
@@ -17869,6 +18129,13 @@
   <p:clrMapOvr>
     <a:masterClrMapping/>
   </p:clrMapOvr>
+  <p:timing>
+    <p:tnLst>
+      <p:par>
+        <p:cTn id="1" dur="indefinite" restart="never" nodeType="tmRoot"/>
+      </p:par>
+    </p:tnLst>
+  </p:timing>
 </p:sld>
 </file>
 
@@ -17902,7 +18169,7 @@
           <p:cNvPr id="79" name="Rectangle 78">
             <a:extLst>
               <a:ext uri="{FF2B5EF4-FFF2-40B4-BE49-F238E27FC236}">
-                <a16:creationId xmlns:a16="http://schemas.microsoft.com/office/drawing/2014/main" id="{8F404549-B4DC-481C-926C-DED3EF1C585B}"/>
+                <a16:creationId xmlns:a16="http://schemas.microsoft.com/office/drawing/2014/main" xmlns="" id="{8F404549-B4DC-481C-926C-DED3EF1C585B}"/>
               </a:ext>
             </a:extLst>
           </p:cNvPr>
@@ -17912,7 +18179,7 @@
           <p:nvPr>
             <p:extLst>
               <p:ext uri="{386F3935-93C4-4BCD-93E2-E3B085C9AB24}">
-                <p16:designElem xmlns:p16="http://schemas.microsoft.com/office/powerpoint/2015/main" val="1"/>
+                <p16:designElem xmlns:p16="http://schemas.microsoft.com/office/powerpoint/2015/main" xmlns="" val="1"/>
               </p:ext>
             </p:extLst>
           </p:nvPr>
@@ -17959,7 +18226,7 @@
           <p:cNvPr id="81" name="Rectangle 80">
             <a:extLst>
               <a:ext uri="{FF2B5EF4-FFF2-40B4-BE49-F238E27FC236}">
-                <a16:creationId xmlns:a16="http://schemas.microsoft.com/office/drawing/2014/main" id="{1E8FD5CD-351E-4B06-8B78-BD5102D00908}"/>
+                <a16:creationId xmlns:a16="http://schemas.microsoft.com/office/drawing/2014/main" xmlns="" id="{1E8FD5CD-351E-4B06-8B78-BD5102D00908}"/>
               </a:ext>
             </a:extLst>
           </p:cNvPr>
@@ -17969,7 +18236,7 @@
           <p:nvPr>
             <p:extLst>
               <p:ext uri="{386F3935-93C4-4BCD-93E2-E3B085C9AB24}">
-                <p16:designElem xmlns:p16="http://schemas.microsoft.com/office/powerpoint/2015/main" val="1"/>
+                <p16:designElem xmlns:p16="http://schemas.microsoft.com/office/powerpoint/2015/main" xmlns="" val="1"/>
               </p:ext>
             </p:extLst>
           </p:nvPr>
@@ -18010,7 +18277,7 @@
           <p:cNvPr id="2" name="Title 1">
             <a:extLst>
               <a:ext uri="{FF2B5EF4-FFF2-40B4-BE49-F238E27FC236}">
-                <a16:creationId xmlns:a16="http://schemas.microsoft.com/office/drawing/2014/main" id="{012C7BD4-F55F-4BA2-98B1-CDF110E847C9}"/>
+                <a16:creationId xmlns:a16="http://schemas.microsoft.com/office/drawing/2014/main" xmlns="" id="{012C7BD4-F55F-4BA2-98B1-CDF110E847C9}"/>
               </a:ext>
             </a:extLst>
           </p:cNvPr>
@@ -18222,7 +18489,7 @@
           <p:cNvPr id="5" name="Picture 4">
             <a:extLst>
               <a:ext uri="{FF2B5EF4-FFF2-40B4-BE49-F238E27FC236}">
-                <a16:creationId xmlns:a16="http://schemas.microsoft.com/office/drawing/2014/main" id="{EB9E770D-3F13-4C3F-A0B1-64B87870C63E}"/>
+                <a16:creationId xmlns:a16="http://schemas.microsoft.com/office/drawing/2014/main" xmlns="" id="{EB9E770D-3F13-4C3F-A0B1-64B87870C63E}"/>
               </a:ext>
             </a:extLst>
           </p:cNvPr>
@@ -18257,6 +18524,13 @@
   <p:clrMapOvr>
     <a:masterClrMapping/>
   </p:clrMapOvr>
+  <p:timing>
+    <p:tnLst>
+      <p:par>
+        <p:cTn id="1" dur="indefinite" restart="never" nodeType="tmRoot"/>
+      </p:par>
+    </p:tnLst>
+  </p:timing>
 </p:sld>
 </file>
 
@@ -18290,7 +18564,7 @@
           <p:cNvPr id="86" name="Rectangle 85">
             <a:extLst>
               <a:ext uri="{FF2B5EF4-FFF2-40B4-BE49-F238E27FC236}">
-                <a16:creationId xmlns:a16="http://schemas.microsoft.com/office/drawing/2014/main" id="{8F404549-B4DC-481C-926C-DED3EF1C585B}"/>
+                <a16:creationId xmlns:a16="http://schemas.microsoft.com/office/drawing/2014/main" xmlns="" id="{8F404549-B4DC-481C-926C-DED3EF1C585B}"/>
               </a:ext>
             </a:extLst>
           </p:cNvPr>
@@ -18300,7 +18574,7 @@
           <p:nvPr>
             <p:extLst>
               <p:ext uri="{386F3935-93C4-4BCD-93E2-E3B085C9AB24}">
-                <p16:designElem xmlns:p16="http://schemas.microsoft.com/office/powerpoint/2015/main" val="1"/>
+                <p16:designElem xmlns:p16="http://schemas.microsoft.com/office/powerpoint/2015/main" xmlns="" val="1"/>
               </p:ext>
             </p:extLst>
           </p:nvPr>
@@ -18347,7 +18621,7 @@
           <p:cNvPr id="88" name="Rectangle 87">
             <a:extLst>
               <a:ext uri="{FF2B5EF4-FFF2-40B4-BE49-F238E27FC236}">
-                <a16:creationId xmlns:a16="http://schemas.microsoft.com/office/drawing/2014/main" id="{1E8FD5CD-351E-4B06-8B78-BD5102D00908}"/>
+                <a16:creationId xmlns:a16="http://schemas.microsoft.com/office/drawing/2014/main" xmlns="" id="{1E8FD5CD-351E-4B06-8B78-BD5102D00908}"/>
               </a:ext>
             </a:extLst>
           </p:cNvPr>
@@ -18357,7 +18631,7 @@
           <p:nvPr>
             <p:extLst>
               <p:ext uri="{386F3935-93C4-4BCD-93E2-E3B085C9AB24}">
-                <p16:designElem xmlns:p16="http://schemas.microsoft.com/office/powerpoint/2015/main" val="1"/>
+                <p16:designElem xmlns:p16="http://schemas.microsoft.com/office/powerpoint/2015/main" xmlns="" val="1"/>
               </p:ext>
             </p:extLst>
           </p:nvPr>
@@ -18398,7 +18672,7 @@
           <p:cNvPr id="2" name="Title 1">
             <a:extLst>
               <a:ext uri="{FF2B5EF4-FFF2-40B4-BE49-F238E27FC236}">
-                <a16:creationId xmlns:a16="http://schemas.microsoft.com/office/drawing/2014/main" id="{012C7BD4-F55F-4BA2-98B1-CDF110E847C9}"/>
+                <a16:creationId xmlns:a16="http://schemas.microsoft.com/office/drawing/2014/main" xmlns="" id="{012C7BD4-F55F-4BA2-98B1-CDF110E847C9}"/>
               </a:ext>
             </a:extLst>
           </p:cNvPr>
@@ -18610,7 +18884,7 @@
           <p:cNvPr id="6" name="Picture 5">
             <a:extLst>
               <a:ext uri="{FF2B5EF4-FFF2-40B4-BE49-F238E27FC236}">
-                <a16:creationId xmlns:a16="http://schemas.microsoft.com/office/drawing/2014/main" id="{776D18FE-2627-4F4F-AD80-26945C9680C1}"/>
+                <a16:creationId xmlns:a16="http://schemas.microsoft.com/office/drawing/2014/main" xmlns="" id="{776D18FE-2627-4F4F-AD80-26945C9680C1}"/>
               </a:ext>
             </a:extLst>
           </p:cNvPr>
@@ -18645,6 +18919,13 @@
   <p:clrMapOvr>
     <a:masterClrMapping/>
   </p:clrMapOvr>
+  <p:timing>
+    <p:tnLst>
+      <p:par>
+        <p:cTn id="1" dur="indefinite" restart="never" nodeType="tmRoot"/>
+      </p:par>
+    </p:tnLst>
+  </p:timing>
 </p:sld>
 </file>
 
@@ -18678,7 +18959,7 @@
           <p:cNvPr id="93" name="Rectangle 92">
             <a:extLst>
               <a:ext uri="{FF2B5EF4-FFF2-40B4-BE49-F238E27FC236}">
-                <a16:creationId xmlns:a16="http://schemas.microsoft.com/office/drawing/2014/main" id="{8F404549-B4DC-481C-926C-DED3EF1C585B}"/>
+                <a16:creationId xmlns:a16="http://schemas.microsoft.com/office/drawing/2014/main" xmlns="" id="{8F404549-B4DC-481C-926C-DED3EF1C585B}"/>
               </a:ext>
             </a:extLst>
           </p:cNvPr>
@@ -18688,7 +18969,7 @@
           <p:nvPr>
             <p:extLst>
               <p:ext uri="{386F3935-93C4-4BCD-93E2-E3B085C9AB24}">
-                <p16:designElem xmlns:p16="http://schemas.microsoft.com/office/powerpoint/2015/main" val="1"/>
+                <p16:designElem xmlns:p16="http://schemas.microsoft.com/office/powerpoint/2015/main" xmlns="" val="1"/>
               </p:ext>
             </p:extLst>
           </p:nvPr>
@@ -18735,7 +19016,7 @@
           <p:cNvPr id="95" name="Rectangle 94">
             <a:extLst>
               <a:ext uri="{FF2B5EF4-FFF2-40B4-BE49-F238E27FC236}">
-                <a16:creationId xmlns:a16="http://schemas.microsoft.com/office/drawing/2014/main" id="{1E8FD5CD-351E-4B06-8B78-BD5102D00908}"/>
+                <a16:creationId xmlns:a16="http://schemas.microsoft.com/office/drawing/2014/main" xmlns="" id="{1E8FD5CD-351E-4B06-8B78-BD5102D00908}"/>
               </a:ext>
             </a:extLst>
           </p:cNvPr>
@@ -18745,7 +19026,7 @@
           <p:nvPr>
             <p:extLst>
               <p:ext uri="{386F3935-93C4-4BCD-93E2-E3B085C9AB24}">
-                <p16:designElem xmlns:p16="http://schemas.microsoft.com/office/powerpoint/2015/main" val="1"/>
+                <p16:designElem xmlns:p16="http://schemas.microsoft.com/office/powerpoint/2015/main" xmlns="" val="1"/>
               </p:ext>
             </p:extLst>
           </p:nvPr>
@@ -18786,7 +19067,7 @@
           <p:cNvPr id="2" name="Title 1">
             <a:extLst>
               <a:ext uri="{FF2B5EF4-FFF2-40B4-BE49-F238E27FC236}">
-                <a16:creationId xmlns:a16="http://schemas.microsoft.com/office/drawing/2014/main" id="{012C7BD4-F55F-4BA2-98B1-CDF110E847C9}"/>
+                <a16:creationId xmlns:a16="http://schemas.microsoft.com/office/drawing/2014/main" xmlns="" id="{012C7BD4-F55F-4BA2-98B1-CDF110E847C9}"/>
               </a:ext>
             </a:extLst>
           </p:cNvPr>
@@ -18998,7 +19279,7 @@
           <p:cNvPr id="6" name="Picture 5">
             <a:extLst>
               <a:ext uri="{FF2B5EF4-FFF2-40B4-BE49-F238E27FC236}">
-                <a16:creationId xmlns:a16="http://schemas.microsoft.com/office/drawing/2014/main" id="{B4C35855-6C8A-4884-8466-58400285BA83}"/>
+                <a16:creationId xmlns:a16="http://schemas.microsoft.com/office/drawing/2014/main" xmlns="" id="{B4C35855-6C8A-4884-8466-58400285BA83}"/>
               </a:ext>
             </a:extLst>
           </p:cNvPr>
@@ -19033,6 +19314,13 @@
   <p:clrMapOvr>
     <a:masterClrMapping/>
   </p:clrMapOvr>
+  <p:timing>
+    <p:tnLst>
+      <p:par>
+        <p:cTn id="1" dur="indefinite" restart="never" nodeType="tmRoot"/>
+      </p:par>
+    </p:tnLst>
+  </p:timing>
 </p:sld>
 </file>
 
@@ -19066,7 +19354,7 @@
           <p:cNvPr id="86" name="Rectangle 85">
             <a:extLst>
               <a:ext uri="{FF2B5EF4-FFF2-40B4-BE49-F238E27FC236}">
-                <a16:creationId xmlns:a16="http://schemas.microsoft.com/office/drawing/2014/main" id="{8F404549-B4DC-481C-926C-DED3EF1C585B}"/>
+                <a16:creationId xmlns:a16="http://schemas.microsoft.com/office/drawing/2014/main" xmlns="" id="{8F404549-B4DC-481C-926C-DED3EF1C585B}"/>
               </a:ext>
             </a:extLst>
           </p:cNvPr>
@@ -19076,7 +19364,7 @@
           <p:nvPr>
             <p:extLst>
               <p:ext uri="{386F3935-93C4-4BCD-93E2-E3B085C9AB24}">
-                <p16:designElem xmlns:p16="http://schemas.microsoft.com/office/powerpoint/2015/main" val="1"/>
+                <p16:designElem xmlns:p16="http://schemas.microsoft.com/office/powerpoint/2015/main" xmlns="" val="1"/>
               </p:ext>
             </p:extLst>
           </p:nvPr>
@@ -19123,7 +19411,7 @@
           <p:cNvPr id="88" name="Rectangle 87">
             <a:extLst>
               <a:ext uri="{FF2B5EF4-FFF2-40B4-BE49-F238E27FC236}">
-                <a16:creationId xmlns:a16="http://schemas.microsoft.com/office/drawing/2014/main" id="{1E8FD5CD-351E-4B06-8B78-BD5102D00908}"/>
+                <a16:creationId xmlns:a16="http://schemas.microsoft.com/office/drawing/2014/main" xmlns="" id="{1E8FD5CD-351E-4B06-8B78-BD5102D00908}"/>
               </a:ext>
             </a:extLst>
           </p:cNvPr>
@@ -19133,7 +19421,7 @@
           <p:nvPr>
             <p:extLst>
               <p:ext uri="{386F3935-93C4-4BCD-93E2-E3B085C9AB24}">
-                <p16:designElem xmlns:p16="http://schemas.microsoft.com/office/powerpoint/2015/main" val="1"/>
+                <p16:designElem xmlns:p16="http://schemas.microsoft.com/office/powerpoint/2015/main" xmlns="" val="1"/>
               </p:ext>
             </p:extLst>
           </p:nvPr>
@@ -19174,7 +19462,7 @@
           <p:cNvPr id="2" name="Title 1">
             <a:extLst>
               <a:ext uri="{FF2B5EF4-FFF2-40B4-BE49-F238E27FC236}">
-                <a16:creationId xmlns:a16="http://schemas.microsoft.com/office/drawing/2014/main" id="{012C7BD4-F55F-4BA2-98B1-CDF110E847C9}"/>
+                <a16:creationId xmlns:a16="http://schemas.microsoft.com/office/drawing/2014/main" xmlns="" id="{012C7BD4-F55F-4BA2-98B1-CDF110E847C9}"/>
               </a:ext>
             </a:extLst>
           </p:cNvPr>
@@ -19262,7 +19550,7 @@
           <p:cNvPr id="4" name="Rectangle: Rounded Corners 3">
             <a:extLst>
               <a:ext uri="{FF2B5EF4-FFF2-40B4-BE49-F238E27FC236}">
-                <a16:creationId xmlns:a16="http://schemas.microsoft.com/office/drawing/2014/main" id="{1410D3BC-2869-4716-A2E3-A3973F5C4FF7}"/>
+                <a16:creationId xmlns:a16="http://schemas.microsoft.com/office/drawing/2014/main" xmlns="" id="{1410D3BC-2869-4716-A2E3-A3973F5C4FF7}"/>
               </a:ext>
             </a:extLst>
           </p:cNvPr>
@@ -19311,7 +19599,7 @@
           <p:cNvPr id="9" name="Rectangle: Rounded Corners 8">
             <a:extLst>
               <a:ext uri="{FF2B5EF4-FFF2-40B4-BE49-F238E27FC236}">
-                <a16:creationId xmlns:a16="http://schemas.microsoft.com/office/drawing/2014/main" id="{DBFDD35F-45DC-47F1-B657-A4E340D03F62}"/>
+                <a16:creationId xmlns:a16="http://schemas.microsoft.com/office/drawing/2014/main" xmlns="" id="{DBFDD35F-45DC-47F1-B657-A4E340D03F62}"/>
               </a:ext>
             </a:extLst>
           </p:cNvPr>
@@ -19360,7 +19648,7 @@
           <p:cNvPr id="10" name="Rectangle: Rounded Corners 9">
             <a:extLst>
               <a:ext uri="{FF2B5EF4-FFF2-40B4-BE49-F238E27FC236}">
-                <a16:creationId xmlns:a16="http://schemas.microsoft.com/office/drawing/2014/main" id="{04980889-59D1-4F49-9EE9-6702B1FC5396}"/>
+                <a16:creationId xmlns:a16="http://schemas.microsoft.com/office/drawing/2014/main" xmlns="" id="{04980889-59D1-4F49-9EE9-6702B1FC5396}"/>
               </a:ext>
             </a:extLst>
           </p:cNvPr>
@@ -19409,7 +19697,7 @@
           <p:cNvPr id="11" name="Rectangle: Rounded Corners 10">
             <a:extLst>
               <a:ext uri="{FF2B5EF4-FFF2-40B4-BE49-F238E27FC236}">
-                <a16:creationId xmlns:a16="http://schemas.microsoft.com/office/drawing/2014/main" id="{2AF9E736-7C5B-411A-B6DA-790D28D26F83}"/>
+                <a16:creationId xmlns:a16="http://schemas.microsoft.com/office/drawing/2014/main" xmlns="" id="{2AF9E736-7C5B-411A-B6DA-790D28D26F83}"/>
               </a:ext>
             </a:extLst>
           </p:cNvPr>
@@ -19458,7 +19746,7 @@
           <p:cNvPr id="12" name="Rectangle: Rounded Corners 11">
             <a:extLst>
               <a:ext uri="{FF2B5EF4-FFF2-40B4-BE49-F238E27FC236}">
-                <a16:creationId xmlns:a16="http://schemas.microsoft.com/office/drawing/2014/main" id="{46D58D21-6AB5-46E1-9500-9C3C81FAF9D0}"/>
+                <a16:creationId xmlns:a16="http://schemas.microsoft.com/office/drawing/2014/main" xmlns="" id="{46D58D21-6AB5-46E1-9500-9C3C81FAF9D0}"/>
               </a:ext>
             </a:extLst>
           </p:cNvPr>
@@ -19507,7 +19795,7 @@
           <p:cNvPr id="13" name="Rectangle: Rounded Corners 12">
             <a:extLst>
               <a:ext uri="{FF2B5EF4-FFF2-40B4-BE49-F238E27FC236}">
-                <a16:creationId xmlns:a16="http://schemas.microsoft.com/office/drawing/2014/main" id="{FDC15F2A-7601-4F9E-BE3B-1D6B5CF94E5A}"/>
+                <a16:creationId xmlns:a16="http://schemas.microsoft.com/office/drawing/2014/main" xmlns="" id="{FDC15F2A-7601-4F9E-BE3B-1D6B5CF94E5A}"/>
               </a:ext>
             </a:extLst>
           </p:cNvPr>
@@ -19556,7 +19844,7 @@
           <p:cNvPr id="14" name="Rectangle: Rounded Corners 13">
             <a:extLst>
               <a:ext uri="{FF2B5EF4-FFF2-40B4-BE49-F238E27FC236}">
-                <a16:creationId xmlns:a16="http://schemas.microsoft.com/office/drawing/2014/main" id="{79BFB162-A91C-45AA-9725-ADB7044B2B63}"/>
+                <a16:creationId xmlns:a16="http://schemas.microsoft.com/office/drawing/2014/main" xmlns="" id="{79BFB162-A91C-45AA-9725-ADB7044B2B63}"/>
               </a:ext>
             </a:extLst>
           </p:cNvPr>
@@ -19605,7 +19893,7 @@
           <p:cNvPr id="15" name="Rectangle: Rounded Corners 14">
             <a:extLst>
               <a:ext uri="{FF2B5EF4-FFF2-40B4-BE49-F238E27FC236}">
-                <a16:creationId xmlns:a16="http://schemas.microsoft.com/office/drawing/2014/main" id="{93519AF9-43AD-4B0E-9B73-723F8CCF730A}"/>
+                <a16:creationId xmlns:a16="http://schemas.microsoft.com/office/drawing/2014/main" xmlns="" id="{93519AF9-43AD-4B0E-9B73-723F8CCF730A}"/>
               </a:ext>
             </a:extLst>
           </p:cNvPr>
@@ -19654,7 +19942,7 @@
           <p:cNvPr id="16" name="Rectangle: Rounded Corners 15">
             <a:extLst>
               <a:ext uri="{FF2B5EF4-FFF2-40B4-BE49-F238E27FC236}">
-                <a16:creationId xmlns:a16="http://schemas.microsoft.com/office/drawing/2014/main" id="{51114D13-3247-4AF6-95AA-E6356212E338}"/>
+                <a16:creationId xmlns:a16="http://schemas.microsoft.com/office/drawing/2014/main" xmlns="" id="{51114D13-3247-4AF6-95AA-E6356212E338}"/>
               </a:ext>
             </a:extLst>
           </p:cNvPr>
@@ -19703,7 +19991,7 @@
           <p:cNvPr id="17" name="Rectangle: Rounded Corners 16">
             <a:extLst>
               <a:ext uri="{FF2B5EF4-FFF2-40B4-BE49-F238E27FC236}">
-                <a16:creationId xmlns:a16="http://schemas.microsoft.com/office/drawing/2014/main" id="{34C17DD3-C3AA-4FBF-8CDF-4480377D8896}"/>
+                <a16:creationId xmlns:a16="http://schemas.microsoft.com/office/drawing/2014/main" xmlns="" id="{34C17DD3-C3AA-4FBF-8CDF-4480377D8896}"/>
               </a:ext>
             </a:extLst>
           </p:cNvPr>
@@ -19752,7 +20040,7 @@
           <p:cNvPr id="7" name="TextBox 6">
             <a:extLst>
               <a:ext uri="{FF2B5EF4-FFF2-40B4-BE49-F238E27FC236}">
-                <a16:creationId xmlns:a16="http://schemas.microsoft.com/office/drawing/2014/main" id="{ADFF798A-FF76-4EDA-81B5-EF4F0EEBED0E}"/>
+                <a16:creationId xmlns:a16="http://schemas.microsoft.com/office/drawing/2014/main" xmlns="" id="{ADFF798A-FF76-4EDA-81B5-EF4F0EEBED0E}"/>
               </a:ext>
             </a:extLst>
           </p:cNvPr>
@@ -19795,7 +20083,7 @@
           <p:cNvPr id="19" name="TextBox 18">
             <a:extLst>
               <a:ext uri="{FF2B5EF4-FFF2-40B4-BE49-F238E27FC236}">
-                <a16:creationId xmlns:a16="http://schemas.microsoft.com/office/drawing/2014/main" id="{2BCF5633-FA6B-415B-8678-A3F8F7F20226}"/>
+                <a16:creationId xmlns:a16="http://schemas.microsoft.com/office/drawing/2014/main" xmlns="" id="{2BCF5633-FA6B-415B-8678-A3F8F7F20226}"/>
               </a:ext>
             </a:extLst>
           </p:cNvPr>
@@ -19838,7 +20126,7 @@
           <p:cNvPr id="20" name="TextBox 19">
             <a:extLst>
               <a:ext uri="{FF2B5EF4-FFF2-40B4-BE49-F238E27FC236}">
-                <a16:creationId xmlns:a16="http://schemas.microsoft.com/office/drawing/2014/main" id="{D3C5C595-D45C-4BA8-BD89-EB6AEB532B32}"/>
+                <a16:creationId xmlns:a16="http://schemas.microsoft.com/office/drawing/2014/main" xmlns="" id="{D3C5C595-D45C-4BA8-BD89-EB6AEB532B32}"/>
               </a:ext>
             </a:extLst>
           </p:cNvPr>
@@ -19881,7 +20169,7 @@
           <p:cNvPr id="21" name="TextBox 20">
             <a:extLst>
               <a:ext uri="{FF2B5EF4-FFF2-40B4-BE49-F238E27FC236}">
-                <a16:creationId xmlns:a16="http://schemas.microsoft.com/office/drawing/2014/main" id="{E6D2FAB2-FD71-4B5D-8BA5-D9A76557F723}"/>
+                <a16:creationId xmlns:a16="http://schemas.microsoft.com/office/drawing/2014/main" xmlns="" id="{E6D2FAB2-FD71-4B5D-8BA5-D9A76557F723}"/>
               </a:ext>
             </a:extLst>
           </p:cNvPr>
@@ -19924,7 +20212,7 @@
           <p:cNvPr id="22" name="TextBox 21">
             <a:extLst>
               <a:ext uri="{FF2B5EF4-FFF2-40B4-BE49-F238E27FC236}">
-                <a16:creationId xmlns:a16="http://schemas.microsoft.com/office/drawing/2014/main" id="{7AB13AE7-2A19-4726-AE41-137E425BFC07}"/>
+                <a16:creationId xmlns:a16="http://schemas.microsoft.com/office/drawing/2014/main" xmlns="" id="{7AB13AE7-2A19-4726-AE41-137E425BFC07}"/>
               </a:ext>
             </a:extLst>
           </p:cNvPr>
@@ -19972,6 +20260,13 @@
   <p:clrMapOvr>
     <a:masterClrMapping/>
   </p:clrMapOvr>
+  <p:timing>
+    <p:tnLst>
+      <p:par>
+        <p:cTn id="1" dur="indefinite" restart="never" nodeType="tmRoot"/>
+      </p:par>
+    </p:tnLst>
+  </p:timing>
 </p:sld>
 </file>
 
@@ -20005,7 +20300,7 @@
           <p:cNvPr id="86" name="Rectangle 85">
             <a:extLst>
               <a:ext uri="{FF2B5EF4-FFF2-40B4-BE49-F238E27FC236}">
-                <a16:creationId xmlns:a16="http://schemas.microsoft.com/office/drawing/2014/main" id="{8F404549-B4DC-481C-926C-DED3EF1C585B}"/>
+                <a16:creationId xmlns:a16="http://schemas.microsoft.com/office/drawing/2014/main" xmlns="" id="{8F404549-B4DC-481C-926C-DED3EF1C585B}"/>
               </a:ext>
             </a:extLst>
           </p:cNvPr>
@@ -20015,7 +20310,7 @@
           <p:nvPr>
             <p:extLst>
               <p:ext uri="{386F3935-93C4-4BCD-93E2-E3B085C9AB24}">
-                <p16:designElem xmlns:p16="http://schemas.microsoft.com/office/powerpoint/2015/main" val="1"/>
+                <p16:designElem xmlns:p16="http://schemas.microsoft.com/office/powerpoint/2015/main" xmlns="" val="1"/>
               </p:ext>
             </p:extLst>
           </p:nvPr>
@@ -20062,7 +20357,7 @@
           <p:cNvPr id="88" name="Rectangle 87">
             <a:extLst>
               <a:ext uri="{FF2B5EF4-FFF2-40B4-BE49-F238E27FC236}">
-                <a16:creationId xmlns:a16="http://schemas.microsoft.com/office/drawing/2014/main" id="{1E8FD5CD-351E-4B06-8B78-BD5102D00908}"/>
+                <a16:creationId xmlns:a16="http://schemas.microsoft.com/office/drawing/2014/main" xmlns="" id="{1E8FD5CD-351E-4B06-8B78-BD5102D00908}"/>
               </a:ext>
             </a:extLst>
           </p:cNvPr>
@@ -20072,7 +20367,7 @@
           <p:nvPr>
             <p:extLst>
               <p:ext uri="{386F3935-93C4-4BCD-93E2-E3B085C9AB24}">
-                <p16:designElem xmlns:p16="http://schemas.microsoft.com/office/powerpoint/2015/main" val="1"/>
+                <p16:designElem xmlns:p16="http://schemas.microsoft.com/office/powerpoint/2015/main" xmlns="" val="1"/>
               </p:ext>
             </p:extLst>
           </p:nvPr>
@@ -20113,7 +20408,7 @@
           <p:cNvPr id="7" name="Title 1">
             <a:extLst>
               <a:ext uri="{FF2B5EF4-FFF2-40B4-BE49-F238E27FC236}">
-                <a16:creationId xmlns:a16="http://schemas.microsoft.com/office/drawing/2014/main" id="{66587492-E36B-42A8-8D35-837A76D986EE}"/>
+                <a16:creationId xmlns:a16="http://schemas.microsoft.com/office/drawing/2014/main" xmlns="" id="{66587492-E36B-42A8-8D35-837A76D986EE}"/>
               </a:ext>
             </a:extLst>
           </p:cNvPr>
@@ -20224,7 +20519,7 @@
           <p:cNvPr id="10" name="TextBox 9">
             <a:extLst>
               <a:ext uri="{FF2B5EF4-FFF2-40B4-BE49-F238E27FC236}">
-                <a16:creationId xmlns:a16="http://schemas.microsoft.com/office/drawing/2014/main" id="{5C0BF786-B19C-4997-93A2-62D767B623DA}"/>
+                <a16:creationId xmlns:a16="http://schemas.microsoft.com/office/drawing/2014/main" xmlns="" id="{5C0BF786-B19C-4997-93A2-62D767B623DA}"/>
               </a:ext>
             </a:extLst>
           </p:cNvPr>
@@ -20358,7 +20653,7 @@
           <p:cNvPr id="11" name="Diagram 10">
             <a:extLst>
               <a:ext uri="{FF2B5EF4-FFF2-40B4-BE49-F238E27FC236}">
-                <a16:creationId xmlns:a16="http://schemas.microsoft.com/office/drawing/2014/main" id="{6EE07298-5430-44A6-8F40-E792BF900705}"/>
+                <a16:creationId xmlns:a16="http://schemas.microsoft.com/office/drawing/2014/main" xmlns="" id="{6EE07298-5430-44A6-8F40-E792BF900705}"/>
               </a:ext>
             </a:extLst>
           </p:cNvPr>
@@ -20386,7 +20681,7 @@
           <p:cNvPr id="9" name="Graphic 8" descr="Checkmark">
             <a:extLst>
               <a:ext uri="{FF2B5EF4-FFF2-40B4-BE49-F238E27FC236}">
-                <a16:creationId xmlns:a16="http://schemas.microsoft.com/office/drawing/2014/main" id="{03677E2D-85A5-44D3-A306-679DD4DE4F62}"/>
+                <a16:creationId xmlns:a16="http://schemas.microsoft.com/office/drawing/2014/main" xmlns="" id="{03677E2D-85A5-44D3-A306-679DD4DE4F62}"/>
               </a:ext>
             </a:extLst>
           </p:cNvPr>
@@ -20399,7 +20694,7 @@
           <a:blip r:embed="rId7">
             <a:extLst>
               <a:ext uri="{96DAC541-7B7A-43D3-8B79-37D633B846F1}">
-                <asvg:svgBlip xmlns:asvg="http://schemas.microsoft.com/office/drawing/2016/SVG/main" r:embed="rId8"/>
+                <asvg:svgBlip xmlns:asvg="http://schemas.microsoft.com/office/drawing/2016/SVG/main" xmlns="" r:embed="rId8"/>
               </a:ext>
             </a:extLst>
           </a:blip>
@@ -20422,7 +20717,7 @@
           <p:cNvPr id="14" name="Graphic 13" descr="Checkmark">
             <a:extLst>
               <a:ext uri="{FF2B5EF4-FFF2-40B4-BE49-F238E27FC236}">
-                <a16:creationId xmlns:a16="http://schemas.microsoft.com/office/drawing/2014/main" id="{50C03BA4-084A-4F51-8BAA-426A29241BB1}"/>
+                <a16:creationId xmlns:a16="http://schemas.microsoft.com/office/drawing/2014/main" xmlns="" id="{50C03BA4-084A-4F51-8BAA-426A29241BB1}"/>
               </a:ext>
             </a:extLst>
           </p:cNvPr>
@@ -20435,7 +20730,7 @@
           <a:blip r:embed="rId7">
             <a:extLst>
               <a:ext uri="{96DAC541-7B7A-43D3-8B79-37D633B846F1}">
-                <asvg:svgBlip xmlns:asvg="http://schemas.microsoft.com/office/drawing/2016/SVG/main" r:embed="rId8"/>
+                <asvg:svgBlip xmlns:asvg="http://schemas.microsoft.com/office/drawing/2016/SVG/main" xmlns="" r:embed="rId8"/>
               </a:ext>
             </a:extLst>
           </a:blip>
@@ -20706,7 +21001,7 @@
           <p:cNvPr id="27" name="Rectangle 10">
             <a:extLst>
               <a:ext uri="{FF2B5EF4-FFF2-40B4-BE49-F238E27FC236}">
-                <a16:creationId xmlns:a16="http://schemas.microsoft.com/office/drawing/2014/main" id="{A078A52F-85EA-4C0B-962B-D9D9DD4DD78C}"/>
+                <a16:creationId xmlns:a16="http://schemas.microsoft.com/office/drawing/2014/main" xmlns="" id="{A078A52F-85EA-4C0B-962B-D9D9DD4DD78C}"/>
               </a:ext>
             </a:extLst>
           </p:cNvPr>
@@ -20716,7 +21011,7 @@
           <p:nvPr>
             <p:extLst>
               <p:ext uri="{386F3935-93C4-4BCD-93E2-E3B085C9AB24}">
-                <p16:designElem xmlns:p16="http://schemas.microsoft.com/office/powerpoint/2015/main" val="1"/>
+                <p16:designElem xmlns:p16="http://schemas.microsoft.com/office/powerpoint/2015/main" xmlns="" val="1"/>
               </p:ext>
             </p:extLst>
           </p:nvPr>
@@ -20757,7 +21052,7 @@
           <p:cNvPr id="28" name="Rectangle 12">
             <a:extLst>
               <a:ext uri="{FF2B5EF4-FFF2-40B4-BE49-F238E27FC236}">
-                <a16:creationId xmlns:a16="http://schemas.microsoft.com/office/drawing/2014/main" id="{919797D5-5700-4683-B30A-5B4D56CB8270}"/>
+                <a16:creationId xmlns:a16="http://schemas.microsoft.com/office/drawing/2014/main" xmlns="" id="{919797D5-5700-4683-B30A-5B4D56CB8270}"/>
               </a:ext>
             </a:extLst>
           </p:cNvPr>
@@ -20767,7 +21062,7 @@
           <p:nvPr>
             <p:extLst>
               <p:ext uri="{386F3935-93C4-4BCD-93E2-E3B085C9AB24}">
-                <p16:designElem xmlns:p16="http://schemas.microsoft.com/office/powerpoint/2015/main" val="1"/>
+                <p16:designElem xmlns:p16="http://schemas.microsoft.com/office/powerpoint/2015/main" xmlns="" val="1"/>
               </p:ext>
             </p:extLst>
           </p:nvPr>
@@ -20808,7 +21103,7 @@
           <p:cNvPr id="29" name="Rectangle 14">
             <a:extLst>
               <a:ext uri="{FF2B5EF4-FFF2-40B4-BE49-F238E27FC236}">
-                <a16:creationId xmlns:a16="http://schemas.microsoft.com/office/drawing/2014/main" id="{4856A7B9-9801-42EC-A4C9-7E22A56EF53D}"/>
+                <a16:creationId xmlns:a16="http://schemas.microsoft.com/office/drawing/2014/main" xmlns="" id="{4856A7B9-9801-42EC-A4C9-7E22A56EF53D}"/>
               </a:ext>
             </a:extLst>
           </p:cNvPr>
@@ -20818,7 +21113,7 @@
           <p:nvPr>
             <p:extLst>
               <p:ext uri="{386F3935-93C4-4BCD-93E2-E3B085C9AB24}">
-                <p16:designElem xmlns:p16="http://schemas.microsoft.com/office/powerpoint/2015/main" val="1"/>
+                <p16:designElem xmlns:p16="http://schemas.microsoft.com/office/powerpoint/2015/main" xmlns="" val="1"/>
               </p:ext>
             </p:extLst>
           </p:nvPr>
@@ -20859,7 +21154,7 @@
           <p:cNvPr id="30" name="Rectangle 16">
             <a:extLst>
               <a:ext uri="{FF2B5EF4-FFF2-40B4-BE49-F238E27FC236}">
-                <a16:creationId xmlns:a16="http://schemas.microsoft.com/office/drawing/2014/main" id="{8AD54DB8-C150-4290-85D6-F5B0262BFEEF}"/>
+                <a16:creationId xmlns:a16="http://schemas.microsoft.com/office/drawing/2014/main" xmlns="" id="{8AD54DB8-C150-4290-85D6-F5B0262BFEEF}"/>
               </a:ext>
             </a:extLst>
           </p:cNvPr>
@@ -20869,7 +21164,7 @@
           <p:nvPr>
             <p:extLst>
               <p:ext uri="{386F3935-93C4-4BCD-93E2-E3B085C9AB24}">
-                <p16:designElem xmlns:p16="http://schemas.microsoft.com/office/powerpoint/2015/main" val="1"/>
+                <p16:designElem xmlns:p16="http://schemas.microsoft.com/office/powerpoint/2015/main" xmlns="" val="1"/>
               </p:ext>
             </p:extLst>
           </p:nvPr>
@@ -20910,7 +21205,7 @@
           <p:cNvPr id="31" name="Rectangle 18">
             <a:extLst>
               <a:ext uri="{FF2B5EF4-FFF2-40B4-BE49-F238E27FC236}">
-                <a16:creationId xmlns:a16="http://schemas.microsoft.com/office/drawing/2014/main" id="{DA1C4F03-C870-4FE9-AE32-BA54F64762E1}"/>
+                <a16:creationId xmlns:a16="http://schemas.microsoft.com/office/drawing/2014/main" xmlns="" id="{DA1C4F03-C870-4FE9-AE32-BA54F64762E1}"/>
               </a:ext>
             </a:extLst>
           </p:cNvPr>
@@ -20920,7 +21215,7 @@
           <p:nvPr>
             <p:extLst>
               <p:ext uri="{386F3935-93C4-4BCD-93E2-E3B085C9AB24}">
-                <p16:designElem xmlns:p16="http://schemas.microsoft.com/office/powerpoint/2015/main" val="1"/>
+                <p16:designElem xmlns:p16="http://schemas.microsoft.com/office/powerpoint/2015/main" xmlns="" val="1"/>
               </p:ext>
             </p:extLst>
           </p:nvPr>
@@ -20967,7 +21262,7 @@
           <p:cNvPr id="6" name="Picture 5">
             <a:extLst>
               <a:ext uri="{FF2B5EF4-FFF2-40B4-BE49-F238E27FC236}">
-                <a16:creationId xmlns:a16="http://schemas.microsoft.com/office/drawing/2014/main" id="{44B700DE-95A3-444E-980B-171EEB428796}"/>
+                <a16:creationId xmlns:a16="http://schemas.microsoft.com/office/drawing/2014/main" xmlns="" id="{44B700DE-95A3-444E-980B-171EEB428796}"/>
               </a:ext>
             </a:extLst>
           </p:cNvPr>
@@ -20996,7 +21291,7 @@
           <p:cNvPr id="32" name="Group 20">
             <a:extLst>
               <a:ext uri="{FF2B5EF4-FFF2-40B4-BE49-F238E27FC236}">
-                <a16:creationId xmlns:a16="http://schemas.microsoft.com/office/drawing/2014/main" id="{DBA45CAF-12D0-42B6-817E-7D5FD9B36EC5}"/>
+                <a16:creationId xmlns:a16="http://schemas.microsoft.com/office/drawing/2014/main" xmlns="" id="{DBA45CAF-12D0-42B6-817E-7D5FD9B36EC5}"/>
               </a:ext>
             </a:extLst>
           </p:cNvPr>
@@ -21006,7 +21301,7 @@
           <p:nvPr>
             <p:extLst>
               <p:ext uri="{386F3935-93C4-4BCD-93E2-E3B085C9AB24}">
-                <p16:designElem xmlns:p16="http://schemas.microsoft.com/office/powerpoint/2015/main" val="1"/>
+                <p16:designElem xmlns:p16="http://schemas.microsoft.com/office/powerpoint/2015/main" xmlns="" val="1"/>
               </p:ext>
             </p:extLst>
           </p:nvPr>
@@ -21024,7 +21319,7 @@
             <p:cNvPr id="22" name="Rectangle 21">
               <a:extLst>
                 <a:ext uri="{FF2B5EF4-FFF2-40B4-BE49-F238E27FC236}">
-                  <a16:creationId xmlns:a16="http://schemas.microsoft.com/office/drawing/2014/main" id="{0BCC664D-E045-4A96-B7C0-6D791171D6BC}"/>
+                  <a16:creationId xmlns:a16="http://schemas.microsoft.com/office/drawing/2014/main" xmlns="" id="{0BCC664D-E045-4A96-B7C0-6D791171D6BC}"/>
                 </a:ext>
               </a:extLst>
             </p:cNvPr>
@@ -21032,7 +21327,7 @@
             <p:nvPr>
               <p:extLst>
                 <p:ext uri="{386F3935-93C4-4BCD-93E2-E3B085C9AB24}">
-                  <p16:designElem xmlns:p16="http://schemas.microsoft.com/office/powerpoint/2015/main" val="1"/>
+                  <p16:designElem xmlns:p16="http://schemas.microsoft.com/office/powerpoint/2015/main" xmlns="" val="1"/>
                 </p:ext>
               </p:extLst>
             </p:nvPr>
@@ -21073,7 +21368,7 @@
             <p:cNvPr id="23" name="Rectangle 22">
               <a:extLst>
                 <a:ext uri="{FF2B5EF4-FFF2-40B4-BE49-F238E27FC236}">
-                  <a16:creationId xmlns:a16="http://schemas.microsoft.com/office/drawing/2014/main" id="{92476F54-DC50-4814-BE0A-4655F401EC58}"/>
+                  <a16:creationId xmlns:a16="http://schemas.microsoft.com/office/drawing/2014/main" xmlns="" id="{92476F54-DC50-4814-BE0A-4655F401EC58}"/>
                 </a:ext>
               </a:extLst>
             </p:cNvPr>
@@ -21081,7 +21376,7 @@
             <p:nvPr>
               <p:extLst>
                 <p:ext uri="{386F3935-93C4-4BCD-93E2-E3B085C9AB24}">
-                  <p16:designElem xmlns:p16="http://schemas.microsoft.com/office/powerpoint/2015/main" val="1"/>
+                  <p16:designElem xmlns:p16="http://schemas.microsoft.com/office/powerpoint/2015/main" xmlns="" val="1"/>
                 </p:ext>
               </p:extLst>
             </p:nvPr>
@@ -21122,7 +21417,7 @@
             <p:cNvPr id="24" name="Rectangle 23">
               <a:extLst>
                 <a:ext uri="{FF2B5EF4-FFF2-40B4-BE49-F238E27FC236}">
-                  <a16:creationId xmlns:a16="http://schemas.microsoft.com/office/drawing/2014/main" id="{0C8889AC-6FD2-45AE-B1B8-822C91C2E52F}"/>
+                  <a16:creationId xmlns:a16="http://schemas.microsoft.com/office/drawing/2014/main" xmlns="" id="{0C8889AC-6FD2-45AE-B1B8-822C91C2E52F}"/>
                 </a:ext>
               </a:extLst>
             </p:cNvPr>
@@ -21130,7 +21425,7 @@
             <p:nvPr>
               <p:extLst>
                 <p:ext uri="{386F3935-93C4-4BCD-93E2-E3B085C9AB24}">
-                  <p16:designElem xmlns:p16="http://schemas.microsoft.com/office/powerpoint/2015/main" val="1"/>
+                  <p16:designElem xmlns:p16="http://schemas.microsoft.com/office/powerpoint/2015/main" xmlns="" val="1"/>
                 </p:ext>
               </p:extLst>
             </p:nvPr>
@@ -21172,7 +21467,7 @@
           <p:cNvPr id="2" name="Title 1">
             <a:extLst>
               <a:ext uri="{FF2B5EF4-FFF2-40B4-BE49-F238E27FC236}">
-                <a16:creationId xmlns:a16="http://schemas.microsoft.com/office/drawing/2014/main" id="{0AD88DF7-69C0-44D6-9013-AAFFCC8A85A7}"/>
+                <a16:creationId xmlns:a16="http://schemas.microsoft.com/office/drawing/2014/main" xmlns="" id="{0AD88DF7-69C0-44D6-9013-AAFFCC8A85A7}"/>
               </a:ext>
             </a:extLst>
           </p:cNvPr>
@@ -21211,7 +21506,7 @@
           <p:cNvPr id="7" name="TextBox 6">
             <a:extLst>
               <a:ext uri="{FF2B5EF4-FFF2-40B4-BE49-F238E27FC236}">
-                <a16:creationId xmlns:a16="http://schemas.microsoft.com/office/drawing/2014/main" id="{8F0B1367-2DF4-46C2-A165-5B24254BDD83}"/>
+                <a16:creationId xmlns:a16="http://schemas.microsoft.com/office/drawing/2014/main" xmlns="" id="{8F0B1367-2DF4-46C2-A165-5B24254BDD83}"/>
               </a:ext>
             </a:extLst>
           </p:cNvPr>
@@ -21274,6 +21569,13 @@
   <p:clrMapOvr>
     <a:masterClrMapping/>
   </p:clrMapOvr>
+  <p:timing>
+    <p:tnLst>
+      <p:par>
+        <p:cTn id="1" dur="indefinite" restart="never" nodeType="tmRoot"/>
+      </p:par>
+    </p:tnLst>
+  </p:timing>
 </p:sld>
 </file>
 
@@ -21307,7 +21609,7 @@
           <p:cNvPr id="107" name="Rectangle 106">
             <a:extLst>
               <a:ext uri="{FF2B5EF4-FFF2-40B4-BE49-F238E27FC236}">
-                <a16:creationId xmlns:a16="http://schemas.microsoft.com/office/drawing/2014/main" id="{8F404549-B4DC-481C-926C-DED3EF1C585B}"/>
+                <a16:creationId xmlns:a16="http://schemas.microsoft.com/office/drawing/2014/main" xmlns="" id="{8F404549-B4DC-481C-926C-DED3EF1C585B}"/>
               </a:ext>
             </a:extLst>
           </p:cNvPr>
@@ -21317,7 +21619,7 @@
           <p:nvPr>
             <p:extLst>
               <p:ext uri="{386F3935-93C4-4BCD-93E2-E3B085C9AB24}">
-                <p16:designElem xmlns:p16="http://schemas.microsoft.com/office/powerpoint/2015/main" val="1"/>
+                <p16:designElem xmlns:p16="http://schemas.microsoft.com/office/powerpoint/2015/main" xmlns="" val="1"/>
               </p:ext>
             </p:extLst>
           </p:nvPr>
@@ -21364,7 +21666,7 @@
           <p:cNvPr id="109" name="Rectangle 108">
             <a:extLst>
               <a:ext uri="{FF2B5EF4-FFF2-40B4-BE49-F238E27FC236}">
-                <a16:creationId xmlns:a16="http://schemas.microsoft.com/office/drawing/2014/main" id="{1E8FD5CD-351E-4B06-8B78-BD5102D00908}"/>
+                <a16:creationId xmlns:a16="http://schemas.microsoft.com/office/drawing/2014/main" xmlns="" id="{1E8FD5CD-351E-4B06-8B78-BD5102D00908}"/>
               </a:ext>
             </a:extLst>
           </p:cNvPr>
@@ -21374,7 +21676,7 @@
           <p:nvPr>
             <p:extLst>
               <p:ext uri="{386F3935-93C4-4BCD-93E2-E3B085C9AB24}">
-                <p16:designElem xmlns:p16="http://schemas.microsoft.com/office/powerpoint/2015/main" val="1"/>
+                <p16:designElem xmlns:p16="http://schemas.microsoft.com/office/powerpoint/2015/main" xmlns="" val="1"/>
               </p:ext>
             </p:extLst>
           </p:nvPr>
@@ -21415,7 +21717,7 @@
           <p:cNvPr id="7" name="Picture 6">
             <a:extLst>
               <a:ext uri="{FF2B5EF4-FFF2-40B4-BE49-F238E27FC236}">
-                <a16:creationId xmlns:a16="http://schemas.microsoft.com/office/drawing/2014/main" id="{611FB02C-9FFB-49F1-8CC0-9E422F223846}"/>
+                <a16:creationId xmlns:a16="http://schemas.microsoft.com/office/drawing/2014/main" xmlns="" id="{611FB02C-9FFB-49F1-8CC0-9E422F223846}"/>
               </a:ext>
             </a:extLst>
           </p:cNvPr>
@@ -21445,7 +21747,7 @@
           <p:cNvPr id="2" name="Title 1">
             <a:extLst>
               <a:ext uri="{FF2B5EF4-FFF2-40B4-BE49-F238E27FC236}">
-                <a16:creationId xmlns:a16="http://schemas.microsoft.com/office/drawing/2014/main" id="{012C7BD4-F55F-4BA2-98B1-CDF110E847C9}"/>
+                <a16:creationId xmlns:a16="http://schemas.microsoft.com/office/drawing/2014/main" xmlns="" id="{012C7BD4-F55F-4BA2-98B1-CDF110E847C9}"/>
               </a:ext>
             </a:extLst>
           </p:cNvPr>
@@ -21569,6 +21871,13 @@
   <p:clrMapOvr>
     <a:masterClrMapping/>
   </p:clrMapOvr>
+  <p:timing>
+    <p:tnLst>
+      <p:par>
+        <p:cTn id="1" dur="indefinite" restart="never" nodeType="tmRoot"/>
+      </p:par>
+    </p:tnLst>
+  </p:timing>
 </p:sld>
 </file>
 
@@ -21602,7 +21911,7 @@
           <p:cNvPr id="107" name="Rectangle 106">
             <a:extLst>
               <a:ext uri="{FF2B5EF4-FFF2-40B4-BE49-F238E27FC236}">
-                <a16:creationId xmlns:a16="http://schemas.microsoft.com/office/drawing/2014/main" id="{8F404549-B4DC-481C-926C-DED3EF1C585B}"/>
+                <a16:creationId xmlns:a16="http://schemas.microsoft.com/office/drawing/2014/main" xmlns="" id="{8F404549-B4DC-481C-926C-DED3EF1C585B}"/>
               </a:ext>
             </a:extLst>
           </p:cNvPr>
@@ -21612,7 +21921,7 @@
           <p:nvPr>
             <p:extLst>
               <p:ext uri="{386F3935-93C4-4BCD-93E2-E3B085C9AB24}">
-                <p16:designElem xmlns:p16="http://schemas.microsoft.com/office/powerpoint/2015/main" val="1"/>
+                <p16:designElem xmlns:p16="http://schemas.microsoft.com/office/powerpoint/2015/main" xmlns="" val="1"/>
               </p:ext>
             </p:extLst>
           </p:nvPr>
@@ -21659,7 +21968,7 @@
           <p:cNvPr id="109" name="Rectangle 108">
             <a:extLst>
               <a:ext uri="{FF2B5EF4-FFF2-40B4-BE49-F238E27FC236}">
-                <a16:creationId xmlns:a16="http://schemas.microsoft.com/office/drawing/2014/main" id="{1E8FD5CD-351E-4B06-8B78-BD5102D00908}"/>
+                <a16:creationId xmlns:a16="http://schemas.microsoft.com/office/drawing/2014/main" xmlns="" id="{1E8FD5CD-351E-4B06-8B78-BD5102D00908}"/>
               </a:ext>
             </a:extLst>
           </p:cNvPr>
@@ -21669,7 +21978,7 @@
           <p:nvPr>
             <p:extLst>
               <p:ext uri="{386F3935-93C4-4BCD-93E2-E3B085C9AB24}">
-                <p16:designElem xmlns:p16="http://schemas.microsoft.com/office/powerpoint/2015/main" val="1"/>
+                <p16:designElem xmlns:p16="http://schemas.microsoft.com/office/powerpoint/2015/main" xmlns="" val="1"/>
               </p:ext>
             </p:extLst>
           </p:nvPr>
@@ -21710,7 +22019,7 @@
           <p:cNvPr id="2" name="Title 1">
             <a:extLst>
               <a:ext uri="{FF2B5EF4-FFF2-40B4-BE49-F238E27FC236}">
-                <a16:creationId xmlns:a16="http://schemas.microsoft.com/office/drawing/2014/main" id="{012C7BD4-F55F-4BA2-98B1-CDF110E847C9}"/>
+                <a16:creationId xmlns:a16="http://schemas.microsoft.com/office/drawing/2014/main" xmlns="" id="{012C7BD4-F55F-4BA2-98B1-CDF110E847C9}"/>
               </a:ext>
             </a:extLst>
           </p:cNvPr>
@@ -21829,7 +22138,7 @@
           <p:cNvPr id="4" name="Picture 3">
             <a:extLst>
               <a:ext uri="{FF2B5EF4-FFF2-40B4-BE49-F238E27FC236}">
-                <a16:creationId xmlns:a16="http://schemas.microsoft.com/office/drawing/2014/main" id="{A89FFDCE-40DC-41A8-A14A-1B3B03AB7BF6}"/>
+                <a16:creationId xmlns:a16="http://schemas.microsoft.com/office/drawing/2014/main" xmlns="" id="{A89FFDCE-40DC-41A8-A14A-1B3B03AB7BF6}"/>
               </a:ext>
             </a:extLst>
           </p:cNvPr>
@@ -21859,7 +22168,7 @@
           <p:cNvPr id="5" name="Rectangle 4">
             <a:extLst>
               <a:ext uri="{FF2B5EF4-FFF2-40B4-BE49-F238E27FC236}">
-                <a16:creationId xmlns:a16="http://schemas.microsoft.com/office/drawing/2014/main" id="{28D02ADE-67AB-4010-B096-CB8DE77062EF}"/>
+                <a16:creationId xmlns:a16="http://schemas.microsoft.com/office/drawing/2014/main" xmlns="" id="{28D02ADE-67AB-4010-B096-CB8DE77062EF}"/>
               </a:ext>
             </a:extLst>
           </p:cNvPr>
@@ -21916,6 +22225,13 @@
   <p:clrMapOvr>
     <a:masterClrMapping/>
   </p:clrMapOvr>
+  <p:timing>
+    <p:tnLst>
+      <p:par>
+        <p:cTn id="1" dur="indefinite" restart="never" nodeType="tmRoot"/>
+      </p:par>
+    </p:tnLst>
+  </p:timing>
 </p:sld>
 </file>
 
@@ -21966,7 +22282,7 @@
           <p:cNvPr id="102" name="Rectangle 101">
             <a:extLst>
               <a:ext uri="{FF2B5EF4-FFF2-40B4-BE49-F238E27FC236}">
-                <a16:creationId xmlns:a16="http://schemas.microsoft.com/office/drawing/2014/main" id="{CE8BCA1D-ACDF-4D63-9AA0-366C4F8553DD}"/>
+                <a16:creationId xmlns:a16="http://schemas.microsoft.com/office/drawing/2014/main" xmlns="" id="{CE8BCA1D-ACDF-4D63-9AA0-366C4F8553DD}"/>
               </a:ext>
             </a:extLst>
           </p:cNvPr>
@@ -21976,7 +22292,7 @@
           <p:nvPr>
             <p:extLst>
               <p:ext uri="{386F3935-93C4-4BCD-93E2-E3B085C9AB24}">
-                <p16:designElem xmlns:p16="http://schemas.microsoft.com/office/powerpoint/2015/main" val="1"/>
+                <p16:designElem xmlns:p16="http://schemas.microsoft.com/office/powerpoint/2015/main" xmlns="" val="1"/>
               </p:ext>
             </p:extLst>
           </p:nvPr>
@@ -22026,7 +22342,7 @@
           <p:cNvPr id="104" name="Rectangle 103">
             <a:extLst>
               <a:ext uri="{FF2B5EF4-FFF2-40B4-BE49-F238E27FC236}">
-                <a16:creationId xmlns:a16="http://schemas.microsoft.com/office/drawing/2014/main" id="{74DF12F2-5059-41AC-A8BD-D5E115CDC266}"/>
+                <a16:creationId xmlns:a16="http://schemas.microsoft.com/office/drawing/2014/main" xmlns="" id="{74DF12F2-5059-41AC-A8BD-D5E115CDC266}"/>
               </a:ext>
             </a:extLst>
           </p:cNvPr>
@@ -22036,7 +22352,7 @@
           <p:nvPr>
             <p:extLst>
               <p:ext uri="{386F3935-93C4-4BCD-93E2-E3B085C9AB24}">
-                <p16:designElem xmlns:p16="http://schemas.microsoft.com/office/powerpoint/2015/main" val="1"/>
+                <p16:designElem xmlns:p16="http://schemas.microsoft.com/office/powerpoint/2015/main" xmlns="" val="1"/>
               </p:ext>
             </p:extLst>
           </p:nvPr>
@@ -22077,7 +22393,7 @@
           <p:cNvPr id="106" name="Rectangle 105">
             <a:extLst>
               <a:ext uri="{FF2B5EF4-FFF2-40B4-BE49-F238E27FC236}">
-                <a16:creationId xmlns:a16="http://schemas.microsoft.com/office/drawing/2014/main" id="{5DB82E3F-D9C4-42E7-AABF-D760C2F5615B}"/>
+                <a16:creationId xmlns:a16="http://schemas.microsoft.com/office/drawing/2014/main" xmlns="" id="{5DB82E3F-D9C4-42E7-AABF-D760C2F5615B}"/>
               </a:ext>
             </a:extLst>
           </p:cNvPr>
@@ -22087,7 +22403,7 @@
           <p:nvPr>
             <p:extLst>
               <p:ext uri="{386F3935-93C4-4BCD-93E2-E3B085C9AB24}">
-                <p16:designElem xmlns:p16="http://schemas.microsoft.com/office/powerpoint/2015/main" val="1"/>
+                <p16:designElem xmlns:p16="http://schemas.microsoft.com/office/powerpoint/2015/main" xmlns="" val="1"/>
               </p:ext>
             </p:extLst>
           </p:nvPr>
@@ -22128,7 +22444,7 @@
           <p:cNvPr id="108" name="Rectangle 107">
             <a:extLst>
               <a:ext uri="{FF2B5EF4-FFF2-40B4-BE49-F238E27FC236}">
-                <a16:creationId xmlns:a16="http://schemas.microsoft.com/office/drawing/2014/main" id="{06AD7FED-ECA8-4F84-9067-C1B1E9610F13}"/>
+                <a16:creationId xmlns:a16="http://schemas.microsoft.com/office/drawing/2014/main" xmlns="" id="{06AD7FED-ECA8-4F84-9067-C1B1E9610F13}"/>
               </a:ext>
             </a:extLst>
           </p:cNvPr>
@@ -22138,7 +22454,7 @@
           <p:nvPr>
             <p:extLst>
               <p:ext uri="{386F3935-93C4-4BCD-93E2-E3B085C9AB24}">
-                <p16:designElem xmlns:p16="http://schemas.microsoft.com/office/powerpoint/2015/main" val="1"/>
+                <p16:designElem xmlns:p16="http://schemas.microsoft.com/office/powerpoint/2015/main" xmlns="" val="1"/>
               </p:ext>
             </p:extLst>
           </p:nvPr>
@@ -22179,7 +22495,7 @@
           <p:cNvPr id="110" name="Rectangle 109">
             <a:extLst>
               <a:ext uri="{FF2B5EF4-FFF2-40B4-BE49-F238E27FC236}">
-                <a16:creationId xmlns:a16="http://schemas.microsoft.com/office/drawing/2014/main" id="{5F145784-B126-48E6-B33B-0BEA2EBF1884}"/>
+                <a16:creationId xmlns:a16="http://schemas.microsoft.com/office/drawing/2014/main" xmlns="" id="{5F145784-B126-48E6-B33B-0BEA2EBF1884}"/>
               </a:ext>
             </a:extLst>
           </p:cNvPr>
@@ -22189,7 +22505,7 @@
           <p:nvPr>
             <p:extLst>
               <p:ext uri="{386F3935-93C4-4BCD-93E2-E3B085C9AB24}">
-                <p16:designElem xmlns:p16="http://schemas.microsoft.com/office/powerpoint/2015/main" val="1"/>
+                <p16:designElem xmlns:p16="http://schemas.microsoft.com/office/powerpoint/2015/main" xmlns="" val="1"/>
               </p:ext>
             </p:extLst>
           </p:nvPr>
@@ -22230,7 +22546,7 @@
           <p:cNvPr id="2" name="Title 1">
             <a:extLst>
               <a:ext uri="{FF2B5EF4-FFF2-40B4-BE49-F238E27FC236}">
-                <a16:creationId xmlns:a16="http://schemas.microsoft.com/office/drawing/2014/main" id="{012C7BD4-F55F-4BA2-98B1-CDF110E847C9}"/>
+                <a16:creationId xmlns:a16="http://schemas.microsoft.com/office/drawing/2014/main" xmlns="" id="{012C7BD4-F55F-4BA2-98B1-CDF110E847C9}"/>
               </a:ext>
             </a:extLst>
           </p:cNvPr>
@@ -22269,7 +22585,7 @@
           <p:cNvPr id="97" name="TextBox 4">
             <a:extLst>
               <a:ext uri="{FF2B5EF4-FFF2-40B4-BE49-F238E27FC236}">
-                <a16:creationId xmlns:a16="http://schemas.microsoft.com/office/drawing/2014/main" id="{859FC34C-72AD-4672-AD04-E0D4CE1E9FB9}"/>
+                <a16:creationId xmlns:a16="http://schemas.microsoft.com/office/drawing/2014/main" xmlns="" id="{859FC34C-72AD-4672-AD04-E0D4CE1E9FB9}"/>
               </a:ext>
             </a:extLst>
           </p:cNvPr>
@@ -22302,6 +22618,13 @@
   <p:clrMapOvr>
     <a:overrideClrMapping bg1="dk1" tx1="lt1" bg2="dk2" tx2="lt2" accent1="accent1" accent2="accent2" accent3="accent3" accent4="accent4" accent5="accent5" accent6="accent6" hlink="hlink" folHlink="folHlink"/>
   </p:clrMapOvr>
+  <p:timing>
+    <p:tnLst>
+      <p:par>
+        <p:cTn id="1" dur="indefinite" restart="never" nodeType="tmRoot"/>
+      </p:par>
+    </p:tnLst>
+  </p:timing>
 </p:sld>
 </file>
 
@@ -22335,7 +22658,7 @@
           <p:cNvPr id="9" name="Rectangle 8">
             <a:extLst>
               <a:ext uri="{FF2B5EF4-FFF2-40B4-BE49-F238E27FC236}">
-                <a16:creationId xmlns:a16="http://schemas.microsoft.com/office/drawing/2014/main" id="{8F404549-B4DC-481C-926C-DED3EF1C585B}"/>
+                <a16:creationId xmlns:a16="http://schemas.microsoft.com/office/drawing/2014/main" xmlns="" id="{8F404549-B4DC-481C-926C-DED3EF1C585B}"/>
               </a:ext>
             </a:extLst>
           </p:cNvPr>
@@ -22345,7 +22668,7 @@
           <p:nvPr>
             <p:extLst>
               <p:ext uri="{386F3935-93C4-4BCD-93E2-E3B085C9AB24}">
-                <p16:designElem xmlns:p16="http://schemas.microsoft.com/office/powerpoint/2015/main" val="1"/>
+                <p16:designElem xmlns:p16="http://schemas.microsoft.com/office/powerpoint/2015/main" xmlns="" val="1"/>
               </p:ext>
             </p:extLst>
           </p:nvPr>
@@ -22392,7 +22715,7 @@
           <p:cNvPr id="11" name="Rectangle 10">
             <a:extLst>
               <a:ext uri="{FF2B5EF4-FFF2-40B4-BE49-F238E27FC236}">
-                <a16:creationId xmlns:a16="http://schemas.microsoft.com/office/drawing/2014/main" id="{1E8FD5CD-351E-4B06-8B78-BD5102D00908}"/>
+                <a16:creationId xmlns:a16="http://schemas.microsoft.com/office/drawing/2014/main" xmlns="" id="{1E8FD5CD-351E-4B06-8B78-BD5102D00908}"/>
               </a:ext>
             </a:extLst>
           </p:cNvPr>
@@ -22402,7 +22725,7 @@
           <p:nvPr>
             <p:extLst>
               <p:ext uri="{386F3935-93C4-4BCD-93E2-E3B085C9AB24}">
-                <p16:designElem xmlns:p16="http://schemas.microsoft.com/office/powerpoint/2015/main" val="1"/>
+                <p16:designElem xmlns:p16="http://schemas.microsoft.com/office/powerpoint/2015/main" xmlns="" val="1"/>
               </p:ext>
             </p:extLst>
           </p:nvPr>
@@ -22443,7 +22766,7 @@
           <p:cNvPr id="4" name="Picture 3">
             <a:extLst>
               <a:ext uri="{FF2B5EF4-FFF2-40B4-BE49-F238E27FC236}">
-                <a16:creationId xmlns:a16="http://schemas.microsoft.com/office/drawing/2014/main" id="{EDA9CD13-30A5-423A-8F37-BBF96E619ADA}"/>
+                <a16:creationId xmlns:a16="http://schemas.microsoft.com/office/drawing/2014/main" xmlns="" id="{EDA9CD13-30A5-423A-8F37-BBF96E619ADA}"/>
               </a:ext>
             </a:extLst>
           </p:cNvPr>
@@ -22473,7 +22796,7 @@
           <p:cNvPr id="2" name="Title 1">
             <a:extLst>
               <a:ext uri="{FF2B5EF4-FFF2-40B4-BE49-F238E27FC236}">
-                <a16:creationId xmlns:a16="http://schemas.microsoft.com/office/drawing/2014/main" id="{4B7C1E5C-24B7-483F-A8CA-8F4853D5BD3C}"/>
+                <a16:creationId xmlns:a16="http://schemas.microsoft.com/office/drawing/2014/main" xmlns="" id="{4B7C1E5C-24B7-483F-A8CA-8F4853D5BD3C}"/>
               </a:ext>
             </a:extLst>
           </p:cNvPr>
@@ -22509,7 +22832,7 @@
           <p:cNvPr id="3" name="Content Placeholder 2">
             <a:extLst>
               <a:ext uri="{FF2B5EF4-FFF2-40B4-BE49-F238E27FC236}">
-                <a16:creationId xmlns:a16="http://schemas.microsoft.com/office/drawing/2014/main" id="{C40DB0DC-6B3A-407E-9E5A-C1DDFF02D86C}"/>
+                <a16:creationId xmlns:a16="http://schemas.microsoft.com/office/drawing/2014/main" xmlns="" id="{C40DB0DC-6B3A-407E-9E5A-C1DDFF02D86C}"/>
               </a:ext>
             </a:extLst>
           </p:cNvPr>
@@ -22553,6 +22876,13 @@
   <p:clrMapOvr>
     <a:masterClrMapping/>
   </p:clrMapOvr>
+  <p:timing>
+    <p:tnLst>
+      <p:par>
+        <p:cTn id="1" dur="indefinite" restart="never" nodeType="tmRoot"/>
+      </p:par>
+    </p:tnLst>
+  </p:timing>
 </p:sld>
 </file>
 
@@ -22586,7 +22916,7 @@
           <p:cNvPr id="27" name="Rectangle 10">
             <a:extLst>
               <a:ext uri="{FF2B5EF4-FFF2-40B4-BE49-F238E27FC236}">
-                <a16:creationId xmlns:a16="http://schemas.microsoft.com/office/drawing/2014/main" id="{A078A52F-85EA-4C0B-962B-D9D9DD4DD78C}"/>
+                <a16:creationId xmlns:a16="http://schemas.microsoft.com/office/drawing/2014/main" xmlns="" id="{A078A52F-85EA-4C0B-962B-D9D9DD4DD78C}"/>
               </a:ext>
             </a:extLst>
           </p:cNvPr>
@@ -22596,7 +22926,7 @@
           <p:nvPr>
             <p:extLst>
               <p:ext uri="{386F3935-93C4-4BCD-93E2-E3B085C9AB24}">
-                <p16:designElem xmlns:p16="http://schemas.microsoft.com/office/powerpoint/2015/main" val="1"/>
+                <p16:designElem xmlns:p16="http://schemas.microsoft.com/office/powerpoint/2015/main" xmlns="" val="1"/>
               </p:ext>
             </p:extLst>
           </p:nvPr>
@@ -22637,7 +22967,7 @@
           <p:cNvPr id="28" name="Rectangle 12">
             <a:extLst>
               <a:ext uri="{FF2B5EF4-FFF2-40B4-BE49-F238E27FC236}">
-                <a16:creationId xmlns:a16="http://schemas.microsoft.com/office/drawing/2014/main" id="{919797D5-5700-4683-B30A-5B4D56CB8270}"/>
+                <a16:creationId xmlns:a16="http://schemas.microsoft.com/office/drawing/2014/main" xmlns="" id="{919797D5-5700-4683-B30A-5B4D56CB8270}"/>
               </a:ext>
             </a:extLst>
           </p:cNvPr>
@@ -22647,7 +22977,7 @@
           <p:nvPr>
             <p:extLst>
               <p:ext uri="{386F3935-93C4-4BCD-93E2-E3B085C9AB24}">
-                <p16:designElem xmlns:p16="http://schemas.microsoft.com/office/powerpoint/2015/main" val="1"/>
+                <p16:designElem xmlns:p16="http://schemas.microsoft.com/office/powerpoint/2015/main" xmlns="" val="1"/>
               </p:ext>
             </p:extLst>
           </p:nvPr>
@@ -22688,7 +23018,7 @@
           <p:cNvPr id="29" name="Rectangle 14">
             <a:extLst>
               <a:ext uri="{FF2B5EF4-FFF2-40B4-BE49-F238E27FC236}">
-                <a16:creationId xmlns:a16="http://schemas.microsoft.com/office/drawing/2014/main" id="{4856A7B9-9801-42EC-A4C9-7E22A56EF53D}"/>
+                <a16:creationId xmlns:a16="http://schemas.microsoft.com/office/drawing/2014/main" xmlns="" id="{4856A7B9-9801-42EC-A4C9-7E22A56EF53D}"/>
               </a:ext>
             </a:extLst>
           </p:cNvPr>
@@ -22698,7 +23028,7 @@
           <p:nvPr>
             <p:extLst>
               <p:ext uri="{386F3935-93C4-4BCD-93E2-E3B085C9AB24}">
-                <p16:designElem xmlns:p16="http://schemas.microsoft.com/office/powerpoint/2015/main" val="1"/>
+                <p16:designElem xmlns:p16="http://schemas.microsoft.com/office/powerpoint/2015/main" xmlns="" val="1"/>
               </p:ext>
             </p:extLst>
           </p:nvPr>
@@ -22739,7 +23069,7 @@
           <p:cNvPr id="30" name="Rectangle 16">
             <a:extLst>
               <a:ext uri="{FF2B5EF4-FFF2-40B4-BE49-F238E27FC236}">
-                <a16:creationId xmlns:a16="http://schemas.microsoft.com/office/drawing/2014/main" id="{8AD54DB8-C150-4290-85D6-F5B0262BFEEF}"/>
+                <a16:creationId xmlns:a16="http://schemas.microsoft.com/office/drawing/2014/main" xmlns="" id="{8AD54DB8-C150-4290-85D6-F5B0262BFEEF}"/>
               </a:ext>
             </a:extLst>
           </p:cNvPr>
@@ -22749,7 +23079,7 @@
           <p:nvPr>
             <p:extLst>
               <p:ext uri="{386F3935-93C4-4BCD-93E2-E3B085C9AB24}">
-                <p16:designElem xmlns:p16="http://schemas.microsoft.com/office/powerpoint/2015/main" val="1"/>
+                <p16:designElem xmlns:p16="http://schemas.microsoft.com/office/powerpoint/2015/main" xmlns="" val="1"/>
               </p:ext>
             </p:extLst>
           </p:nvPr>
@@ -22790,7 +23120,7 @@
           <p:cNvPr id="31" name="Rectangle 18">
             <a:extLst>
               <a:ext uri="{FF2B5EF4-FFF2-40B4-BE49-F238E27FC236}">
-                <a16:creationId xmlns:a16="http://schemas.microsoft.com/office/drawing/2014/main" id="{DA1C4F03-C870-4FE9-AE32-BA54F64762E1}"/>
+                <a16:creationId xmlns:a16="http://schemas.microsoft.com/office/drawing/2014/main" xmlns="" id="{DA1C4F03-C870-4FE9-AE32-BA54F64762E1}"/>
               </a:ext>
             </a:extLst>
           </p:cNvPr>
@@ -22800,7 +23130,7 @@
           <p:nvPr>
             <p:extLst>
               <p:ext uri="{386F3935-93C4-4BCD-93E2-E3B085C9AB24}">
-                <p16:designElem xmlns:p16="http://schemas.microsoft.com/office/powerpoint/2015/main" val="1"/>
+                <p16:designElem xmlns:p16="http://schemas.microsoft.com/office/powerpoint/2015/main" xmlns="" val="1"/>
               </p:ext>
             </p:extLst>
           </p:nvPr>
@@ -22847,7 +23177,7 @@
           <p:cNvPr id="6" name="Picture 5">
             <a:extLst>
               <a:ext uri="{FF2B5EF4-FFF2-40B4-BE49-F238E27FC236}">
-                <a16:creationId xmlns:a16="http://schemas.microsoft.com/office/drawing/2014/main" id="{44B700DE-95A3-444E-980B-171EEB428796}"/>
+                <a16:creationId xmlns:a16="http://schemas.microsoft.com/office/drawing/2014/main" xmlns="" id="{44B700DE-95A3-444E-980B-171EEB428796}"/>
               </a:ext>
             </a:extLst>
           </p:cNvPr>
@@ -22876,7 +23206,7 @@
           <p:cNvPr id="32" name="Group 20">
             <a:extLst>
               <a:ext uri="{FF2B5EF4-FFF2-40B4-BE49-F238E27FC236}">
-                <a16:creationId xmlns:a16="http://schemas.microsoft.com/office/drawing/2014/main" id="{DBA45CAF-12D0-42B6-817E-7D5FD9B36EC5}"/>
+                <a16:creationId xmlns:a16="http://schemas.microsoft.com/office/drawing/2014/main" xmlns="" id="{DBA45CAF-12D0-42B6-817E-7D5FD9B36EC5}"/>
               </a:ext>
             </a:extLst>
           </p:cNvPr>
@@ -22886,7 +23216,7 @@
           <p:nvPr>
             <p:extLst>
               <p:ext uri="{386F3935-93C4-4BCD-93E2-E3B085C9AB24}">
-                <p16:designElem xmlns:p16="http://schemas.microsoft.com/office/powerpoint/2015/main" val="1"/>
+                <p16:designElem xmlns:p16="http://schemas.microsoft.com/office/powerpoint/2015/main" xmlns="" val="1"/>
               </p:ext>
             </p:extLst>
           </p:nvPr>
@@ -22904,7 +23234,7 @@
             <p:cNvPr id="22" name="Rectangle 21">
               <a:extLst>
                 <a:ext uri="{FF2B5EF4-FFF2-40B4-BE49-F238E27FC236}">
-                  <a16:creationId xmlns:a16="http://schemas.microsoft.com/office/drawing/2014/main" id="{0BCC664D-E045-4A96-B7C0-6D791171D6BC}"/>
+                  <a16:creationId xmlns:a16="http://schemas.microsoft.com/office/drawing/2014/main" xmlns="" id="{0BCC664D-E045-4A96-B7C0-6D791171D6BC}"/>
                 </a:ext>
               </a:extLst>
             </p:cNvPr>
@@ -22912,7 +23242,7 @@
             <p:nvPr>
               <p:extLst>
                 <p:ext uri="{386F3935-93C4-4BCD-93E2-E3B085C9AB24}">
-                  <p16:designElem xmlns:p16="http://schemas.microsoft.com/office/powerpoint/2015/main" val="1"/>
+                  <p16:designElem xmlns:p16="http://schemas.microsoft.com/office/powerpoint/2015/main" xmlns="" val="1"/>
                 </p:ext>
               </p:extLst>
             </p:nvPr>
@@ -22953,7 +23283,7 @@
             <p:cNvPr id="23" name="Rectangle 22">
               <a:extLst>
                 <a:ext uri="{FF2B5EF4-FFF2-40B4-BE49-F238E27FC236}">
-                  <a16:creationId xmlns:a16="http://schemas.microsoft.com/office/drawing/2014/main" id="{92476F54-DC50-4814-BE0A-4655F401EC58}"/>
+                  <a16:creationId xmlns:a16="http://schemas.microsoft.com/office/drawing/2014/main" xmlns="" id="{92476F54-DC50-4814-BE0A-4655F401EC58}"/>
                 </a:ext>
               </a:extLst>
             </p:cNvPr>
@@ -22961,7 +23291,7 @@
             <p:nvPr>
               <p:extLst>
                 <p:ext uri="{386F3935-93C4-4BCD-93E2-E3B085C9AB24}">
-                  <p16:designElem xmlns:p16="http://schemas.microsoft.com/office/powerpoint/2015/main" val="1"/>
+                  <p16:designElem xmlns:p16="http://schemas.microsoft.com/office/powerpoint/2015/main" xmlns="" val="1"/>
                 </p:ext>
               </p:extLst>
             </p:nvPr>
@@ -23002,7 +23332,7 @@
             <p:cNvPr id="24" name="Rectangle 23">
               <a:extLst>
                 <a:ext uri="{FF2B5EF4-FFF2-40B4-BE49-F238E27FC236}">
-                  <a16:creationId xmlns:a16="http://schemas.microsoft.com/office/drawing/2014/main" id="{0C8889AC-6FD2-45AE-B1B8-822C91C2E52F}"/>
+                  <a16:creationId xmlns:a16="http://schemas.microsoft.com/office/drawing/2014/main" xmlns="" id="{0C8889AC-6FD2-45AE-B1B8-822C91C2E52F}"/>
                 </a:ext>
               </a:extLst>
             </p:cNvPr>
@@ -23010,7 +23340,7 @@
             <p:nvPr>
               <p:extLst>
                 <p:ext uri="{386F3935-93C4-4BCD-93E2-E3B085C9AB24}">
-                  <p16:designElem xmlns:p16="http://schemas.microsoft.com/office/powerpoint/2015/main" val="1"/>
+                  <p16:designElem xmlns:p16="http://schemas.microsoft.com/office/powerpoint/2015/main" xmlns="" val="1"/>
                 </p:ext>
               </p:extLst>
             </p:nvPr>
@@ -23052,7 +23382,7 @@
           <p:cNvPr id="2" name="Title 1">
             <a:extLst>
               <a:ext uri="{FF2B5EF4-FFF2-40B4-BE49-F238E27FC236}">
-                <a16:creationId xmlns:a16="http://schemas.microsoft.com/office/drawing/2014/main" id="{0AD88DF7-69C0-44D6-9013-AAFFCC8A85A7}"/>
+                <a16:creationId xmlns:a16="http://schemas.microsoft.com/office/drawing/2014/main" xmlns="" id="{0AD88DF7-69C0-44D6-9013-AAFFCC8A85A7}"/>
               </a:ext>
             </a:extLst>
           </p:cNvPr>
@@ -23092,7 +23422,7 @@
           <p:cNvPr id="7" name="TextBox 6">
             <a:extLst>
               <a:ext uri="{FF2B5EF4-FFF2-40B4-BE49-F238E27FC236}">
-                <a16:creationId xmlns:a16="http://schemas.microsoft.com/office/drawing/2014/main" id="{8F0B1367-2DF4-46C2-A165-5B24254BDD83}"/>
+                <a16:creationId xmlns:a16="http://schemas.microsoft.com/office/drawing/2014/main" xmlns="" id="{8F0B1367-2DF4-46C2-A165-5B24254BDD83}"/>
               </a:ext>
             </a:extLst>
           </p:cNvPr>
@@ -23155,6 +23485,13 @@
   <p:clrMapOvr>
     <a:masterClrMapping/>
   </p:clrMapOvr>
+  <p:timing>
+    <p:tnLst>
+      <p:par>
+        <p:cTn id="1" dur="indefinite" restart="never" nodeType="tmRoot"/>
+      </p:par>
+    </p:tnLst>
+  </p:timing>
 </p:sld>
 </file>
 
@@ -23180,7 +23517,7 @@
           <p:cNvPr id="2" name="Title 1">
             <a:extLst>
               <a:ext uri="{FF2B5EF4-FFF2-40B4-BE49-F238E27FC236}">
-                <a16:creationId xmlns:a16="http://schemas.microsoft.com/office/drawing/2014/main" id="{DD86BA0D-4E49-40FA-938D-727EBB0FFC27}"/>
+                <a16:creationId xmlns:a16="http://schemas.microsoft.com/office/drawing/2014/main" xmlns="" id="{DD86BA0D-4E49-40FA-938D-727EBB0FFC27}"/>
               </a:ext>
             </a:extLst>
           </p:cNvPr>
@@ -23208,7 +23545,7 @@
           <p:cNvPr id="4" name="Oval 3">
             <a:extLst>
               <a:ext uri="{FF2B5EF4-FFF2-40B4-BE49-F238E27FC236}">
-                <a16:creationId xmlns:a16="http://schemas.microsoft.com/office/drawing/2014/main" id="{3E38852C-8A2F-43A6-8F8A-BF69A1076EF5}"/>
+                <a16:creationId xmlns:a16="http://schemas.microsoft.com/office/drawing/2014/main" xmlns="" id="{3E38852C-8A2F-43A6-8F8A-BF69A1076EF5}"/>
               </a:ext>
             </a:extLst>
           </p:cNvPr>
@@ -23254,7 +23591,7 @@
           <p:cNvPr id="5" name="Oval 4">
             <a:extLst>
               <a:ext uri="{FF2B5EF4-FFF2-40B4-BE49-F238E27FC236}">
-                <a16:creationId xmlns:a16="http://schemas.microsoft.com/office/drawing/2014/main" id="{0E45411C-53E2-4573-A1DB-D26C299915F9}"/>
+                <a16:creationId xmlns:a16="http://schemas.microsoft.com/office/drawing/2014/main" xmlns="" id="{0E45411C-53E2-4573-A1DB-D26C299915F9}"/>
               </a:ext>
             </a:extLst>
           </p:cNvPr>
@@ -23300,7 +23637,7 @@
           <p:cNvPr id="6" name="TextBox 5">
             <a:extLst>
               <a:ext uri="{FF2B5EF4-FFF2-40B4-BE49-F238E27FC236}">
-                <a16:creationId xmlns:a16="http://schemas.microsoft.com/office/drawing/2014/main" id="{1F356F2C-DDBA-4945-8C47-35663186636B}"/>
+                <a16:creationId xmlns:a16="http://schemas.microsoft.com/office/drawing/2014/main" xmlns="" id="{1F356F2C-DDBA-4945-8C47-35663186636B}"/>
               </a:ext>
             </a:extLst>
           </p:cNvPr>
@@ -23335,7 +23672,7 @@
           <p:cNvPr id="7" name="TextBox 6">
             <a:extLst>
               <a:ext uri="{FF2B5EF4-FFF2-40B4-BE49-F238E27FC236}">
-                <a16:creationId xmlns:a16="http://schemas.microsoft.com/office/drawing/2014/main" id="{D1A13D57-EE39-474D-AEDA-75CEE05E74B7}"/>
+                <a16:creationId xmlns:a16="http://schemas.microsoft.com/office/drawing/2014/main" xmlns="" id="{D1A13D57-EE39-474D-AEDA-75CEE05E74B7}"/>
               </a:ext>
             </a:extLst>
           </p:cNvPr>
@@ -23370,7 +23707,7 @@
           <p:cNvPr id="9" name="Arrow: Right 8">
             <a:extLst>
               <a:ext uri="{FF2B5EF4-FFF2-40B4-BE49-F238E27FC236}">
-                <a16:creationId xmlns:a16="http://schemas.microsoft.com/office/drawing/2014/main" id="{431636AA-3153-405E-8033-5EC5EB7C0008}"/>
+                <a16:creationId xmlns:a16="http://schemas.microsoft.com/office/drawing/2014/main" xmlns="" id="{431636AA-3153-405E-8033-5EC5EB7C0008}"/>
               </a:ext>
             </a:extLst>
           </p:cNvPr>
@@ -23416,7 +23753,7 @@
           <p:cNvPr id="10" name="TextBox 9">
             <a:extLst>
               <a:ext uri="{FF2B5EF4-FFF2-40B4-BE49-F238E27FC236}">
-                <a16:creationId xmlns:a16="http://schemas.microsoft.com/office/drawing/2014/main" id="{B08255D9-65A3-415B-8055-04627FA437E2}"/>
+                <a16:creationId xmlns:a16="http://schemas.microsoft.com/office/drawing/2014/main" xmlns="" id="{B08255D9-65A3-415B-8055-04627FA437E2}"/>
               </a:ext>
             </a:extLst>
           </p:cNvPr>
@@ -23451,7 +23788,7 @@
           <p:cNvPr id="11" name="TextBox 10">
             <a:extLst>
               <a:ext uri="{FF2B5EF4-FFF2-40B4-BE49-F238E27FC236}">
-                <a16:creationId xmlns:a16="http://schemas.microsoft.com/office/drawing/2014/main" id="{D4A25287-CA5D-4F48-96D8-0B231E4BD045}"/>
+                <a16:creationId xmlns:a16="http://schemas.microsoft.com/office/drawing/2014/main" xmlns="" id="{D4A25287-CA5D-4F48-96D8-0B231E4BD045}"/>
               </a:ext>
             </a:extLst>
           </p:cNvPr>
@@ -23486,7 +23823,7 @@
           <p:cNvPr id="12" name="Arrow: Down 11">
             <a:extLst>
               <a:ext uri="{FF2B5EF4-FFF2-40B4-BE49-F238E27FC236}">
-                <a16:creationId xmlns:a16="http://schemas.microsoft.com/office/drawing/2014/main" id="{E63B1F3A-75AD-4562-A8C8-04D54AD39D63}"/>
+                <a16:creationId xmlns:a16="http://schemas.microsoft.com/office/drawing/2014/main" xmlns="" id="{E63B1F3A-75AD-4562-A8C8-04D54AD39D63}"/>
               </a:ext>
             </a:extLst>
           </p:cNvPr>
@@ -23532,7 +23869,7 @@
           <p:cNvPr id="14" name="Table 13">
             <a:extLst>
               <a:ext uri="{FF2B5EF4-FFF2-40B4-BE49-F238E27FC236}">
-                <a16:creationId xmlns:a16="http://schemas.microsoft.com/office/drawing/2014/main" id="{4F4E7A88-9D7A-4E57-82D9-DA4F77EC6B94}"/>
+                <a16:creationId xmlns:a16="http://schemas.microsoft.com/office/drawing/2014/main" xmlns="" id="{4F4E7A88-9D7A-4E57-82D9-DA4F77EC6B94}"/>
               </a:ext>
             </a:extLst>
           </p:cNvPr>
@@ -23561,14 +23898,14 @@
                 <a:gridCol w="1801584">
                   <a:extLst>
                     <a:ext uri="{9D8B030D-6E8A-4147-A177-3AD203B41FA5}">
-                      <a16:colId xmlns:a16="http://schemas.microsoft.com/office/drawing/2014/main" val="3410554250"/>
+                      <a16:colId xmlns:a16="http://schemas.microsoft.com/office/drawing/2014/main" xmlns="" val="3410554250"/>
                     </a:ext>
                   </a:extLst>
                 </a:gridCol>
                 <a:gridCol w="1801584">
                   <a:extLst>
                     <a:ext uri="{9D8B030D-6E8A-4147-A177-3AD203B41FA5}">
-                      <a16:colId xmlns:a16="http://schemas.microsoft.com/office/drawing/2014/main" val="3513820169"/>
+                      <a16:colId xmlns:a16="http://schemas.microsoft.com/office/drawing/2014/main" xmlns="" val="3513820169"/>
                     </a:ext>
                   </a:extLst>
                 </a:gridCol>
@@ -23611,7 +23948,7 @@
                 </a:tc>
                 <a:extLst>
                   <a:ext uri="{0D108BD9-81ED-4DB2-BD59-A6C34878D82A}">
-                    <a16:rowId xmlns:a16="http://schemas.microsoft.com/office/drawing/2014/main" val="2879628731"/>
+                    <a16:rowId xmlns:a16="http://schemas.microsoft.com/office/drawing/2014/main" xmlns="" val="2879628731"/>
                   </a:ext>
                 </a:extLst>
               </a:tr>
@@ -23646,7 +23983,7 @@
                 </a:tc>
                 <a:extLst>
                   <a:ext uri="{0D108BD9-81ED-4DB2-BD59-A6C34878D82A}">
-                    <a16:rowId xmlns:a16="http://schemas.microsoft.com/office/drawing/2014/main" val="596773220"/>
+                    <a16:rowId xmlns:a16="http://schemas.microsoft.com/office/drawing/2014/main" xmlns="" val="596773220"/>
                   </a:ext>
                 </a:extLst>
               </a:tr>
@@ -23681,7 +24018,7 @@
                 </a:tc>
                 <a:extLst>
                   <a:ext uri="{0D108BD9-81ED-4DB2-BD59-A6C34878D82A}">
-                    <a16:rowId xmlns:a16="http://schemas.microsoft.com/office/drawing/2014/main" val="2069783864"/>
+                    <a16:rowId xmlns:a16="http://schemas.microsoft.com/office/drawing/2014/main" xmlns="" val="2069783864"/>
                   </a:ext>
                 </a:extLst>
               </a:tr>
@@ -23716,7 +24053,7 @@
                 </a:tc>
                 <a:extLst>
                   <a:ext uri="{0D108BD9-81ED-4DB2-BD59-A6C34878D82A}">
-                    <a16:rowId xmlns:a16="http://schemas.microsoft.com/office/drawing/2014/main" val="3775591289"/>
+                    <a16:rowId xmlns:a16="http://schemas.microsoft.com/office/drawing/2014/main" xmlns="" val="3775591289"/>
                   </a:ext>
                 </a:extLst>
               </a:tr>
@@ -23754,7 +24091,7 @@
                 </a:tc>
                 <a:extLst>
                   <a:ext uri="{0D108BD9-81ED-4DB2-BD59-A6C34878D82A}">
-                    <a16:rowId xmlns:a16="http://schemas.microsoft.com/office/drawing/2014/main" val="3896722634"/>
+                    <a16:rowId xmlns:a16="http://schemas.microsoft.com/office/drawing/2014/main" xmlns="" val="3896722634"/>
                   </a:ext>
                 </a:extLst>
               </a:tr>
@@ -23789,7 +24126,7 @@
                 </a:tc>
                 <a:extLst>
                   <a:ext uri="{0D108BD9-81ED-4DB2-BD59-A6C34878D82A}">
-                    <a16:rowId xmlns:a16="http://schemas.microsoft.com/office/drawing/2014/main" val="4289200544"/>
+                    <a16:rowId xmlns:a16="http://schemas.microsoft.com/office/drawing/2014/main" xmlns="" val="4289200544"/>
                   </a:ext>
                 </a:extLst>
               </a:tr>
@@ -23802,7 +24139,7 @@
           <p:cNvPr id="22" name="TextBox 21">
             <a:extLst>
               <a:ext uri="{FF2B5EF4-FFF2-40B4-BE49-F238E27FC236}">
-                <a16:creationId xmlns:a16="http://schemas.microsoft.com/office/drawing/2014/main" id="{4EEFBA82-51A8-43C6-A10A-7FD8B8F73912}"/>
+                <a16:creationId xmlns:a16="http://schemas.microsoft.com/office/drawing/2014/main" xmlns="" id="{4EEFBA82-51A8-43C6-A10A-7FD8B8F73912}"/>
               </a:ext>
             </a:extLst>
           </p:cNvPr>
@@ -23837,7 +24174,7 @@
           <p:cNvPr id="23" name="TextBox 22">
             <a:extLst>
               <a:ext uri="{FF2B5EF4-FFF2-40B4-BE49-F238E27FC236}">
-                <a16:creationId xmlns:a16="http://schemas.microsoft.com/office/drawing/2014/main" id="{9B84222F-9341-4236-A320-46DFC10BF8AB}"/>
+                <a16:creationId xmlns:a16="http://schemas.microsoft.com/office/drawing/2014/main" xmlns="" id="{9B84222F-9341-4236-A320-46DFC10BF8AB}"/>
               </a:ext>
             </a:extLst>
           </p:cNvPr>
@@ -24475,7 +24812,7 @@
           <p:cNvPr id="65" name="Rectangle 64">
             <a:extLst>
               <a:ext uri="{FF2B5EF4-FFF2-40B4-BE49-F238E27FC236}">
-                <a16:creationId xmlns:a16="http://schemas.microsoft.com/office/drawing/2014/main" id="{8F404549-B4DC-481C-926C-DED3EF1C585B}"/>
+                <a16:creationId xmlns:a16="http://schemas.microsoft.com/office/drawing/2014/main" xmlns="" id="{8F404549-B4DC-481C-926C-DED3EF1C585B}"/>
               </a:ext>
             </a:extLst>
           </p:cNvPr>
@@ -24485,7 +24822,7 @@
           <p:nvPr>
             <p:extLst>
               <p:ext uri="{386F3935-93C4-4BCD-93E2-E3B085C9AB24}">
-                <p16:designElem xmlns:p16="http://schemas.microsoft.com/office/powerpoint/2015/main" val="1"/>
+                <p16:designElem xmlns:p16="http://schemas.microsoft.com/office/powerpoint/2015/main" xmlns="" val="1"/>
               </p:ext>
             </p:extLst>
           </p:nvPr>
@@ -24532,7 +24869,7 @@
           <p:cNvPr id="67" name="Rectangle 66">
             <a:extLst>
               <a:ext uri="{FF2B5EF4-FFF2-40B4-BE49-F238E27FC236}">
-                <a16:creationId xmlns:a16="http://schemas.microsoft.com/office/drawing/2014/main" id="{1E8FD5CD-351E-4B06-8B78-BD5102D00908}"/>
+                <a16:creationId xmlns:a16="http://schemas.microsoft.com/office/drawing/2014/main" xmlns="" id="{1E8FD5CD-351E-4B06-8B78-BD5102D00908}"/>
               </a:ext>
             </a:extLst>
           </p:cNvPr>
@@ -24542,7 +24879,7 @@
           <p:nvPr>
             <p:extLst>
               <p:ext uri="{386F3935-93C4-4BCD-93E2-E3B085C9AB24}">
-                <p16:designElem xmlns:p16="http://schemas.microsoft.com/office/powerpoint/2015/main" val="1"/>
+                <p16:designElem xmlns:p16="http://schemas.microsoft.com/office/powerpoint/2015/main" xmlns="" val="1"/>
               </p:ext>
             </p:extLst>
           </p:nvPr>
@@ -24583,7 +24920,7 @@
           <p:cNvPr id="24" name="Title 1">
             <a:extLst>
               <a:ext uri="{FF2B5EF4-FFF2-40B4-BE49-F238E27FC236}">
-                <a16:creationId xmlns:a16="http://schemas.microsoft.com/office/drawing/2014/main" id="{8A9DDA8F-5E52-45B5-870D-700BF544B793}"/>
+                <a16:creationId xmlns:a16="http://schemas.microsoft.com/office/drawing/2014/main" xmlns="" id="{8A9DDA8F-5E52-45B5-870D-700BF544B793}"/>
               </a:ext>
             </a:extLst>
           </p:cNvPr>
@@ -24694,7 +25031,7 @@
           <p:cNvPr id="29" name="Picture 28">
             <a:extLst>
               <a:ext uri="{FF2B5EF4-FFF2-40B4-BE49-F238E27FC236}">
-                <a16:creationId xmlns:a16="http://schemas.microsoft.com/office/drawing/2014/main" id="{37FC66ED-8745-46D3-9E05-46B9D0A48BA9}"/>
+                <a16:creationId xmlns:a16="http://schemas.microsoft.com/office/drawing/2014/main" xmlns="" id="{37FC66ED-8745-46D3-9E05-46B9D0A48BA9}"/>
               </a:ext>
             </a:extLst>
           </p:cNvPr>
@@ -24729,6 +25066,13 @@
   <p:clrMapOvr>
     <a:masterClrMapping/>
   </p:clrMapOvr>
+  <p:timing>
+    <p:tnLst>
+      <p:par>
+        <p:cTn id="1" dur="indefinite" restart="never" nodeType="tmRoot"/>
+      </p:par>
+    </p:tnLst>
+  </p:timing>
 </p:sld>
 </file>
 
@@ -24762,7 +25106,7 @@
           <p:cNvPr id="65" name="Rectangle 64">
             <a:extLst>
               <a:ext uri="{FF2B5EF4-FFF2-40B4-BE49-F238E27FC236}">
-                <a16:creationId xmlns:a16="http://schemas.microsoft.com/office/drawing/2014/main" id="{8F404549-B4DC-481C-926C-DED3EF1C585B}"/>
+                <a16:creationId xmlns:a16="http://schemas.microsoft.com/office/drawing/2014/main" xmlns="" id="{8F404549-B4DC-481C-926C-DED3EF1C585B}"/>
               </a:ext>
             </a:extLst>
           </p:cNvPr>
@@ -24772,7 +25116,7 @@
           <p:nvPr>
             <p:extLst>
               <p:ext uri="{386F3935-93C4-4BCD-93E2-E3B085C9AB24}">
-                <p16:designElem xmlns:p16="http://schemas.microsoft.com/office/powerpoint/2015/main" val="1"/>
+                <p16:designElem xmlns:p16="http://schemas.microsoft.com/office/powerpoint/2015/main" xmlns="" val="1"/>
               </p:ext>
             </p:extLst>
           </p:nvPr>
@@ -24819,7 +25163,7 @@
           <p:cNvPr id="67" name="Rectangle 66">
             <a:extLst>
               <a:ext uri="{FF2B5EF4-FFF2-40B4-BE49-F238E27FC236}">
-                <a16:creationId xmlns:a16="http://schemas.microsoft.com/office/drawing/2014/main" id="{1E8FD5CD-351E-4B06-8B78-BD5102D00908}"/>
+                <a16:creationId xmlns:a16="http://schemas.microsoft.com/office/drawing/2014/main" xmlns="" id="{1E8FD5CD-351E-4B06-8B78-BD5102D00908}"/>
               </a:ext>
             </a:extLst>
           </p:cNvPr>
@@ -24829,7 +25173,7 @@
           <p:nvPr>
             <p:extLst>
               <p:ext uri="{386F3935-93C4-4BCD-93E2-E3B085C9AB24}">
-                <p16:designElem xmlns:p16="http://schemas.microsoft.com/office/powerpoint/2015/main" val="1"/>
+                <p16:designElem xmlns:p16="http://schemas.microsoft.com/office/powerpoint/2015/main" xmlns="" val="1"/>
               </p:ext>
             </p:extLst>
           </p:nvPr>
@@ -24870,7 +25214,7 @@
           <p:cNvPr id="24" name="Title 1">
             <a:extLst>
               <a:ext uri="{FF2B5EF4-FFF2-40B4-BE49-F238E27FC236}">
-                <a16:creationId xmlns:a16="http://schemas.microsoft.com/office/drawing/2014/main" id="{8A9DDA8F-5E52-45B5-870D-700BF544B793}"/>
+                <a16:creationId xmlns:a16="http://schemas.microsoft.com/office/drawing/2014/main" xmlns="" id="{8A9DDA8F-5E52-45B5-870D-700BF544B793}"/>
               </a:ext>
             </a:extLst>
           </p:cNvPr>
@@ -24981,7 +25325,7 @@
           <p:cNvPr id="28" name="Picture 27">
             <a:extLst>
               <a:ext uri="{FF2B5EF4-FFF2-40B4-BE49-F238E27FC236}">
-                <a16:creationId xmlns:a16="http://schemas.microsoft.com/office/drawing/2014/main" id="{1591FC15-B245-42F0-AB27-B2A87DDE7A8A}"/>
+                <a16:creationId xmlns:a16="http://schemas.microsoft.com/office/drawing/2014/main" xmlns="" id="{1591FC15-B245-42F0-AB27-B2A87DDE7A8A}"/>
               </a:ext>
             </a:extLst>
           </p:cNvPr>
@@ -25015,6 +25359,13 @@
   <p:clrMapOvr>
     <a:masterClrMapping/>
   </p:clrMapOvr>
+  <p:timing>
+    <p:tnLst>
+      <p:par>
+        <p:cTn id="1" dur="indefinite" restart="never" nodeType="tmRoot"/>
+      </p:par>
+    </p:tnLst>
+  </p:timing>
 </p:sld>
 </file>
 
@@ -25048,7 +25399,7 @@
           <p:cNvPr id="43" name="Rectangle 42">
             <a:extLst>
               <a:ext uri="{FF2B5EF4-FFF2-40B4-BE49-F238E27FC236}">
-                <a16:creationId xmlns:a16="http://schemas.microsoft.com/office/drawing/2014/main" id="{7A1EB241-0852-428A-8A50-67737CA93843}"/>
+                <a16:creationId xmlns:a16="http://schemas.microsoft.com/office/drawing/2014/main" xmlns="" id="{7A1EB241-0852-428A-8A50-67737CA93843}"/>
               </a:ext>
             </a:extLst>
           </p:cNvPr>
@@ -25058,7 +25409,7 @@
           <p:nvPr>
             <p:extLst>
               <p:ext uri="{386F3935-93C4-4BCD-93E2-E3B085C9AB24}">
-                <p16:designElem xmlns:p16="http://schemas.microsoft.com/office/powerpoint/2015/main" val="1"/>
+                <p16:designElem xmlns:p16="http://schemas.microsoft.com/office/powerpoint/2015/main" xmlns="" val="1"/>
               </p:ext>
             </p:extLst>
           </p:nvPr>
@@ -25099,7 +25450,7 @@
           <p:cNvPr id="45" name="Rectangle 44">
             <a:extLst>
               <a:ext uri="{FF2B5EF4-FFF2-40B4-BE49-F238E27FC236}">
-                <a16:creationId xmlns:a16="http://schemas.microsoft.com/office/drawing/2014/main" id="{7A23EDC2-E1E5-4C5D-9C74-714516AF52DC}"/>
+                <a16:creationId xmlns:a16="http://schemas.microsoft.com/office/drawing/2014/main" xmlns="" id="{7A23EDC2-E1E5-4C5D-9C74-714516AF52DC}"/>
               </a:ext>
             </a:extLst>
           </p:cNvPr>
@@ -25109,7 +25460,7 @@
           <p:nvPr>
             <p:extLst>
               <p:ext uri="{386F3935-93C4-4BCD-93E2-E3B085C9AB24}">
-                <p16:designElem xmlns:p16="http://schemas.microsoft.com/office/powerpoint/2015/main" val="1"/>
+                <p16:designElem xmlns:p16="http://schemas.microsoft.com/office/powerpoint/2015/main" xmlns="" val="1"/>
               </p:ext>
             </p:extLst>
           </p:nvPr>
@@ -25150,7 +25501,7 @@
           <p:cNvPr id="47" name="Rectangle 46">
             <a:extLst>
               <a:ext uri="{FF2B5EF4-FFF2-40B4-BE49-F238E27FC236}">
-                <a16:creationId xmlns:a16="http://schemas.microsoft.com/office/drawing/2014/main" id="{B2781548-0E4F-4401-A909-82EDF50DBED7}"/>
+                <a16:creationId xmlns:a16="http://schemas.microsoft.com/office/drawing/2014/main" xmlns="" id="{B2781548-0E4F-4401-A909-82EDF50DBED7}"/>
               </a:ext>
             </a:extLst>
           </p:cNvPr>
@@ -25160,7 +25511,7 @@
           <p:nvPr>
             <p:extLst>
               <p:ext uri="{386F3935-93C4-4BCD-93E2-E3B085C9AB24}">
-                <p16:designElem xmlns:p16="http://schemas.microsoft.com/office/powerpoint/2015/main" val="1"/>
+                <p16:designElem xmlns:p16="http://schemas.microsoft.com/office/powerpoint/2015/main" xmlns="" val="1"/>
               </p:ext>
             </p:extLst>
           </p:nvPr>
@@ -25201,7 +25552,7 @@
           <p:cNvPr id="49" name="Rectangle 48">
             <a:extLst>
               <a:ext uri="{FF2B5EF4-FFF2-40B4-BE49-F238E27FC236}">
-                <a16:creationId xmlns:a16="http://schemas.microsoft.com/office/drawing/2014/main" id="{33030110-5A0B-4476-9070-A890E1987977}"/>
+                <a16:creationId xmlns:a16="http://schemas.microsoft.com/office/drawing/2014/main" xmlns="" id="{33030110-5A0B-4476-9070-A890E1987977}"/>
               </a:ext>
             </a:extLst>
           </p:cNvPr>
@@ -25211,7 +25562,7 @@
           <p:nvPr>
             <p:extLst>
               <p:ext uri="{386F3935-93C4-4BCD-93E2-E3B085C9AB24}">
-                <p16:designElem xmlns:p16="http://schemas.microsoft.com/office/powerpoint/2015/main" val="1"/>
+                <p16:designElem xmlns:p16="http://schemas.microsoft.com/office/powerpoint/2015/main" xmlns="" val="1"/>
               </p:ext>
             </p:extLst>
           </p:nvPr>
@@ -25252,7 +25603,7 @@
           <p:cNvPr id="51" name="Rectangle 50">
             <a:extLst>
               <a:ext uri="{FF2B5EF4-FFF2-40B4-BE49-F238E27FC236}">
-                <a16:creationId xmlns:a16="http://schemas.microsoft.com/office/drawing/2014/main" id="{0A08DAED-6222-40F8-97FA-1474D91F18FB}"/>
+                <a16:creationId xmlns:a16="http://schemas.microsoft.com/office/drawing/2014/main" xmlns="" id="{0A08DAED-6222-40F8-97FA-1474D91F18FB}"/>
               </a:ext>
             </a:extLst>
           </p:cNvPr>
@@ -25262,7 +25613,7 @@
           <p:nvPr>
             <p:extLst>
               <p:ext uri="{386F3935-93C4-4BCD-93E2-E3B085C9AB24}">
-                <p16:designElem xmlns:p16="http://schemas.microsoft.com/office/powerpoint/2015/main" val="1"/>
+                <p16:designElem xmlns:p16="http://schemas.microsoft.com/office/powerpoint/2015/main" xmlns="" val="1"/>
               </p:ext>
             </p:extLst>
           </p:nvPr>
@@ -25309,7 +25660,7 @@
           <p:cNvPr id="6" name="Picture 5">
             <a:extLst>
               <a:ext uri="{FF2B5EF4-FFF2-40B4-BE49-F238E27FC236}">
-                <a16:creationId xmlns:a16="http://schemas.microsoft.com/office/drawing/2014/main" id="{1FC719CA-AB38-44B3-AAA5-E862E0265864}"/>
+                <a16:creationId xmlns:a16="http://schemas.microsoft.com/office/drawing/2014/main" xmlns="" id="{1FC719CA-AB38-44B3-AAA5-E862E0265864}"/>
               </a:ext>
             </a:extLst>
           </p:cNvPr>
@@ -25339,7 +25690,7 @@
           <p:cNvPr id="53" name="Rectangle 52">
             <a:extLst>
               <a:ext uri="{FF2B5EF4-FFF2-40B4-BE49-F238E27FC236}">
-                <a16:creationId xmlns:a16="http://schemas.microsoft.com/office/drawing/2014/main" id="{7D04E7CE-C66B-49FC-8E37-3A08EF9A5CAD}"/>
+                <a16:creationId xmlns:a16="http://schemas.microsoft.com/office/drawing/2014/main" xmlns="" id="{7D04E7CE-C66B-49FC-8E37-3A08EF9A5CAD}"/>
               </a:ext>
             </a:extLst>
           </p:cNvPr>
@@ -25349,7 +25700,7 @@
           <p:nvPr>
             <p:extLst>
               <p:ext uri="{386F3935-93C4-4BCD-93E2-E3B085C9AB24}">
-                <p16:designElem xmlns:p16="http://schemas.microsoft.com/office/powerpoint/2015/main" val="1"/>
+                <p16:designElem xmlns:p16="http://schemas.microsoft.com/office/powerpoint/2015/main" xmlns="" val="1"/>
               </p:ext>
             </p:extLst>
           </p:nvPr>
@@ -25398,7 +25749,7 @@
           <p:cNvPr id="55" name="Rectangle 54">
             <a:extLst>
               <a:ext uri="{FF2B5EF4-FFF2-40B4-BE49-F238E27FC236}">
-                <a16:creationId xmlns:a16="http://schemas.microsoft.com/office/drawing/2014/main" id="{B9EA7D0C-D986-4DAE-813C-903CF7A31A1D}"/>
+                <a16:creationId xmlns:a16="http://schemas.microsoft.com/office/drawing/2014/main" xmlns="" id="{B9EA7D0C-D986-4DAE-813C-903CF7A31A1D}"/>
               </a:ext>
             </a:extLst>
           </p:cNvPr>
@@ -25408,7 +25759,7 @@
           <p:nvPr>
             <p:extLst>
               <p:ext uri="{386F3935-93C4-4BCD-93E2-E3B085C9AB24}">
-                <p16:designElem xmlns:p16="http://schemas.microsoft.com/office/powerpoint/2015/main" val="1"/>
+                <p16:designElem xmlns:p16="http://schemas.microsoft.com/office/powerpoint/2015/main" xmlns="" val="1"/>
               </p:ext>
             </p:extLst>
           </p:nvPr>
@@ -25458,7 +25809,7 @@
           <p:cNvPr id="57" name="Rectangle 56">
             <a:extLst>
               <a:ext uri="{FF2B5EF4-FFF2-40B4-BE49-F238E27FC236}">
-                <a16:creationId xmlns:a16="http://schemas.microsoft.com/office/drawing/2014/main" id="{C0FEAC2C-4B4A-4DAB-9021-A0183744726B}"/>
+                <a16:creationId xmlns:a16="http://schemas.microsoft.com/office/drawing/2014/main" xmlns="" id="{C0FEAC2C-4B4A-4DAB-9021-A0183744726B}"/>
               </a:ext>
             </a:extLst>
           </p:cNvPr>
@@ -25468,7 +25819,7 @@
           <p:nvPr>
             <p:extLst>
               <p:ext uri="{386F3935-93C4-4BCD-93E2-E3B085C9AB24}">
-                <p16:designElem xmlns:p16="http://schemas.microsoft.com/office/powerpoint/2015/main" val="1"/>
+                <p16:designElem xmlns:p16="http://schemas.microsoft.com/office/powerpoint/2015/main" xmlns="" val="1"/>
               </p:ext>
             </p:extLst>
           </p:nvPr>
@@ -25518,7 +25869,7 @@
           <p:cNvPr id="2" name="Title 1">
             <a:extLst>
               <a:ext uri="{FF2B5EF4-FFF2-40B4-BE49-F238E27FC236}">
-                <a16:creationId xmlns:a16="http://schemas.microsoft.com/office/drawing/2014/main" id="{FA65BEC7-7CDB-4324-A1FE-BE100F33DC2B}"/>
+                <a16:creationId xmlns:a16="http://schemas.microsoft.com/office/drawing/2014/main" xmlns="" id="{FA65BEC7-7CDB-4324-A1FE-BE100F33DC2B}"/>
               </a:ext>
             </a:extLst>
           </p:cNvPr>
@@ -25553,7 +25904,7 @@
           <p:cNvPr id="31" name="Picture 30">
             <a:extLst>
               <a:ext uri="{FF2B5EF4-FFF2-40B4-BE49-F238E27FC236}">
-                <a16:creationId xmlns:a16="http://schemas.microsoft.com/office/drawing/2014/main" id="{307D837A-7181-459D-9C12-0E4984830880}"/>
+                <a16:creationId xmlns:a16="http://schemas.microsoft.com/office/drawing/2014/main" xmlns="" id="{307D837A-7181-459D-9C12-0E4984830880}"/>
               </a:ext>
             </a:extLst>
           </p:cNvPr>
@@ -25588,6 +25939,13 @@
   <p:clrMapOvr>
     <a:masterClrMapping/>
   </p:clrMapOvr>
+  <p:timing>
+    <p:tnLst>
+      <p:par>
+        <p:cTn id="1" dur="indefinite" restart="never" nodeType="tmRoot"/>
+      </p:par>
+    </p:tnLst>
+  </p:timing>
 </p:sld>
 </file>
 
@@ -25621,7 +25979,7 @@
           <p:cNvPr id="43" name="Rectangle 42">
             <a:extLst>
               <a:ext uri="{FF2B5EF4-FFF2-40B4-BE49-F238E27FC236}">
-                <a16:creationId xmlns:a16="http://schemas.microsoft.com/office/drawing/2014/main" id="{7A1EB241-0852-428A-8A50-67737CA93843}"/>
+                <a16:creationId xmlns:a16="http://schemas.microsoft.com/office/drawing/2014/main" xmlns="" id="{7A1EB241-0852-428A-8A50-67737CA93843}"/>
               </a:ext>
             </a:extLst>
           </p:cNvPr>
@@ -25631,7 +25989,7 @@
           <p:nvPr>
             <p:extLst>
               <p:ext uri="{386F3935-93C4-4BCD-93E2-E3B085C9AB24}">
-                <p16:designElem xmlns:p16="http://schemas.microsoft.com/office/powerpoint/2015/main" val="1"/>
+                <p16:designElem xmlns:p16="http://schemas.microsoft.com/office/powerpoint/2015/main" xmlns="" val="1"/>
               </p:ext>
             </p:extLst>
           </p:nvPr>
@@ -25672,7 +26030,7 @@
           <p:cNvPr id="45" name="Rectangle 44">
             <a:extLst>
               <a:ext uri="{FF2B5EF4-FFF2-40B4-BE49-F238E27FC236}">
-                <a16:creationId xmlns:a16="http://schemas.microsoft.com/office/drawing/2014/main" id="{7A23EDC2-E1E5-4C5D-9C74-714516AF52DC}"/>
+                <a16:creationId xmlns:a16="http://schemas.microsoft.com/office/drawing/2014/main" xmlns="" id="{7A23EDC2-E1E5-4C5D-9C74-714516AF52DC}"/>
               </a:ext>
             </a:extLst>
           </p:cNvPr>
@@ -25682,7 +26040,7 @@
           <p:nvPr>
             <p:extLst>
               <p:ext uri="{386F3935-93C4-4BCD-93E2-E3B085C9AB24}">
-                <p16:designElem xmlns:p16="http://schemas.microsoft.com/office/powerpoint/2015/main" val="1"/>
+                <p16:designElem xmlns:p16="http://schemas.microsoft.com/office/powerpoint/2015/main" xmlns="" val="1"/>
               </p:ext>
             </p:extLst>
           </p:nvPr>
@@ -25723,7 +26081,7 @@
           <p:cNvPr id="47" name="Rectangle 46">
             <a:extLst>
               <a:ext uri="{FF2B5EF4-FFF2-40B4-BE49-F238E27FC236}">
-                <a16:creationId xmlns:a16="http://schemas.microsoft.com/office/drawing/2014/main" id="{B2781548-0E4F-4401-A909-82EDF50DBED7}"/>
+                <a16:creationId xmlns:a16="http://schemas.microsoft.com/office/drawing/2014/main" xmlns="" id="{B2781548-0E4F-4401-A909-82EDF50DBED7}"/>
               </a:ext>
             </a:extLst>
           </p:cNvPr>
@@ -25733,7 +26091,7 @@
           <p:nvPr>
             <p:extLst>
               <p:ext uri="{386F3935-93C4-4BCD-93E2-E3B085C9AB24}">
-                <p16:designElem xmlns:p16="http://schemas.microsoft.com/office/powerpoint/2015/main" val="1"/>
+                <p16:designElem xmlns:p16="http://schemas.microsoft.com/office/powerpoint/2015/main" xmlns="" val="1"/>
               </p:ext>
             </p:extLst>
           </p:nvPr>
@@ -25774,7 +26132,7 @@
           <p:cNvPr id="49" name="Rectangle 48">
             <a:extLst>
               <a:ext uri="{FF2B5EF4-FFF2-40B4-BE49-F238E27FC236}">
-                <a16:creationId xmlns:a16="http://schemas.microsoft.com/office/drawing/2014/main" id="{33030110-5A0B-4476-9070-A890E1987977}"/>
+                <a16:creationId xmlns:a16="http://schemas.microsoft.com/office/drawing/2014/main" xmlns="" id="{33030110-5A0B-4476-9070-A890E1987977}"/>
               </a:ext>
             </a:extLst>
           </p:cNvPr>
@@ -25784,7 +26142,7 @@
           <p:nvPr>
             <p:extLst>
               <p:ext uri="{386F3935-93C4-4BCD-93E2-E3B085C9AB24}">
-                <p16:designElem xmlns:p16="http://schemas.microsoft.com/office/powerpoint/2015/main" val="1"/>
+                <p16:designElem xmlns:p16="http://schemas.microsoft.com/office/powerpoint/2015/main" xmlns="" val="1"/>
               </p:ext>
             </p:extLst>
           </p:nvPr>
@@ -25825,7 +26183,7 @@
           <p:cNvPr id="51" name="Rectangle 50">
             <a:extLst>
               <a:ext uri="{FF2B5EF4-FFF2-40B4-BE49-F238E27FC236}">
-                <a16:creationId xmlns:a16="http://schemas.microsoft.com/office/drawing/2014/main" id="{0A08DAED-6222-40F8-97FA-1474D91F18FB}"/>
+                <a16:creationId xmlns:a16="http://schemas.microsoft.com/office/drawing/2014/main" xmlns="" id="{0A08DAED-6222-40F8-97FA-1474D91F18FB}"/>
               </a:ext>
             </a:extLst>
           </p:cNvPr>
@@ -25835,7 +26193,7 @@
           <p:nvPr>
             <p:extLst>
               <p:ext uri="{386F3935-93C4-4BCD-93E2-E3B085C9AB24}">
-                <p16:designElem xmlns:p16="http://schemas.microsoft.com/office/powerpoint/2015/main" val="1"/>
+                <p16:designElem xmlns:p16="http://schemas.microsoft.com/office/powerpoint/2015/main" xmlns="" val="1"/>
               </p:ext>
             </p:extLst>
           </p:nvPr>
@@ -25882,7 +26240,7 @@
           <p:cNvPr id="53" name="Rectangle 52">
             <a:extLst>
               <a:ext uri="{FF2B5EF4-FFF2-40B4-BE49-F238E27FC236}">
-                <a16:creationId xmlns:a16="http://schemas.microsoft.com/office/drawing/2014/main" id="{7D04E7CE-C66B-49FC-8E37-3A08EF9A5CAD}"/>
+                <a16:creationId xmlns:a16="http://schemas.microsoft.com/office/drawing/2014/main" xmlns="" id="{7D04E7CE-C66B-49FC-8E37-3A08EF9A5CAD}"/>
               </a:ext>
             </a:extLst>
           </p:cNvPr>
@@ -25892,7 +26250,7 @@
           <p:nvPr>
             <p:extLst>
               <p:ext uri="{386F3935-93C4-4BCD-93E2-E3B085C9AB24}">
-                <p16:designElem xmlns:p16="http://schemas.microsoft.com/office/powerpoint/2015/main" val="1"/>
+                <p16:designElem xmlns:p16="http://schemas.microsoft.com/office/powerpoint/2015/main" xmlns="" val="1"/>
               </p:ext>
             </p:extLst>
           </p:nvPr>
@@ -25941,7 +26299,7 @@
           <p:cNvPr id="55" name="Rectangle 54">
             <a:extLst>
               <a:ext uri="{FF2B5EF4-FFF2-40B4-BE49-F238E27FC236}">
-                <a16:creationId xmlns:a16="http://schemas.microsoft.com/office/drawing/2014/main" id="{B9EA7D0C-D986-4DAE-813C-903CF7A31A1D}"/>
+                <a16:creationId xmlns:a16="http://schemas.microsoft.com/office/drawing/2014/main" xmlns="" id="{B9EA7D0C-D986-4DAE-813C-903CF7A31A1D}"/>
               </a:ext>
             </a:extLst>
           </p:cNvPr>
@@ -25951,7 +26309,7 @@
           <p:nvPr>
             <p:extLst>
               <p:ext uri="{386F3935-93C4-4BCD-93E2-E3B085C9AB24}">
-                <p16:designElem xmlns:p16="http://schemas.microsoft.com/office/powerpoint/2015/main" val="1"/>
+                <p16:designElem xmlns:p16="http://schemas.microsoft.com/office/powerpoint/2015/main" xmlns="" val="1"/>
               </p:ext>
             </p:extLst>
           </p:nvPr>
@@ -26001,7 +26359,7 @@
           <p:cNvPr id="57" name="Rectangle 56">
             <a:extLst>
               <a:ext uri="{FF2B5EF4-FFF2-40B4-BE49-F238E27FC236}">
-                <a16:creationId xmlns:a16="http://schemas.microsoft.com/office/drawing/2014/main" id="{C0FEAC2C-4B4A-4DAB-9021-A0183744726B}"/>
+                <a16:creationId xmlns:a16="http://schemas.microsoft.com/office/drawing/2014/main" xmlns="" id="{C0FEAC2C-4B4A-4DAB-9021-A0183744726B}"/>
               </a:ext>
             </a:extLst>
           </p:cNvPr>
@@ -26011,7 +26369,7 @@
           <p:nvPr>
             <p:extLst>
               <p:ext uri="{386F3935-93C4-4BCD-93E2-E3B085C9AB24}">
-                <p16:designElem xmlns:p16="http://schemas.microsoft.com/office/powerpoint/2015/main" val="1"/>
+                <p16:designElem xmlns:p16="http://schemas.microsoft.com/office/powerpoint/2015/main" xmlns="" val="1"/>
               </p:ext>
             </p:extLst>
           </p:nvPr>
@@ -26061,7 +26419,7 @@
           <p:cNvPr id="2" name="Title 1">
             <a:extLst>
               <a:ext uri="{FF2B5EF4-FFF2-40B4-BE49-F238E27FC236}">
-                <a16:creationId xmlns:a16="http://schemas.microsoft.com/office/drawing/2014/main" id="{FA65BEC7-7CDB-4324-A1FE-BE100F33DC2B}"/>
+                <a16:creationId xmlns:a16="http://schemas.microsoft.com/office/drawing/2014/main" xmlns="" id="{FA65BEC7-7CDB-4324-A1FE-BE100F33DC2B}"/>
               </a:ext>
             </a:extLst>
           </p:cNvPr>
@@ -26096,7 +26454,7 @@
           <p:cNvPr id="13" name="Picture 12">
             <a:extLst>
               <a:ext uri="{FF2B5EF4-FFF2-40B4-BE49-F238E27FC236}">
-                <a16:creationId xmlns:a16="http://schemas.microsoft.com/office/drawing/2014/main" id="{6531A79D-BEB3-482F-90DE-19ED224B7528}"/>
+                <a16:creationId xmlns:a16="http://schemas.microsoft.com/office/drawing/2014/main" xmlns="" id="{6531A79D-BEB3-482F-90DE-19ED224B7528}"/>
               </a:ext>
             </a:extLst>
           </p:cNvPr>
@@ -26126,7 +26484,7 @@
           <p:cNvPr id="14" name="Picture 13">
             <a:extLst>
               <a:ext uri="{FF2B5EF4-FFF2-40B4-BE49-F238E27FC236}">
-                <a16:creationId xmlns:a16="http://schemas.microsoft.com/office/drawing/2014/main" id="{DD0480AE-0E92-47ED-9E6D-FC7F2CDD1FD3}"/>
+                <a16:creationId xmlns:a16="http://schemas.microsoft.com/office/drawing/2014/main" xmlns="" id="{DD0480AE-0E92-47ED-9E6D-FC7F2CDD1FD3}"/>
               </a:ext>
             </a:extLst>
           </p:cNvPr>
@@ -26161,6 +26519,13 @@
   <p:clrMapOvr>
     <a:masterClrMapping/>
   </p:clrMapOvr>
+  <p:timing>
+    <p:tnLst>
+      <p:par>
+        <p:cTn id="1" dur="indefinite" restart="never" nodeType="tmRoot"/>
+      </p:par>
+    </p:tnLst>
+  </p:timing>
 </p:sld>
 </file>
 
@@ -26194,7 +26559,7 @@
           <p:cNvPr id="65" name="Rectangle 64">
             <a:extLst>
               <a:ext uri="{FF2B5EF4-FFF2-40B4-BE49-F238E27FC236}">
-                <a16:creationId xmlns:a16="http://schemas.microsoft.com/office/drawing/2014/main" id="{8F404549-B4DC-481C-926C-DED3EF1C585B}"/>
+                <a16:creationId xmlns:a16="http://schemas.microsoft.com/office/drawing/2014/main" xmlns="" id="{8F404549-B4DC-481C-926C-DED3EF1C585B}"/>
               </a:ext>
             </a:extLst>
           </p:cNvPr>
@@ -26204,7 +26569,7 @@
           <p:nvPr>
             <p:extLst>
               <p:ext uri="{386F3935-93C4-4BCD-93E2-E3B085C9AB24}">
-                <p16:designElem xmlns:p16="http://schemas.microsoft.com/office/powerpoint/2015/main" val="1"/>
+                <p16:designElem xmlns:p16="http://schemas.microsoft.com/office/powerpoint/2015/main" xmlns="" val="1"/>
               </p:ext>
             </p:extLst>
           </p:nvPr>
@@ -26251,7 +26616,7 @@
           <p:cNvPr id="67" name="Rectangle 66">
             <a:extLst>
               <a:ext uri="{FF2B5EF4-FFF2-40B4-BE49-F238E27FC236}">
-                <a16:creationId xmlns:a16="http://schemas.microsoft.com/office/drawing/2014/main" id="{1E8FD5CD-351E-4B06-8B78-BD5102D00908}"/>
+                <a16:creationId xmlns:a16="http://schemas.microsoft.com/office/drawing/2014/main" xmlns="" id="{1E8FD5CD-351E-4B06-8B78-BD5102D00908}"/>
               </a:ext>
             </a:extLst>
           </p:cNvPr>
@@ -26261,7 +26626,7 @@
           <p:nvPr>
             <p:extLst>
               <p:ext uri="{386F3935-93C4-4BCD-93E2-E3B085C9AB24}">
-                <p16:designElem xmlns:p16="http://schemas.microsoft.com/office/powerpoint/2015/main" val="1"/>
+                <p16:designElem xmlns:p16="http://schemas.microsoft.com/office/powerpoint/2015/main" xmlns="" val="1"/>
               </p:ext>
             </p:extLst>
           </p:nvPr>
@@ -26302,7 +26667,7 @@
           <p:cNvPr id="24" name="Title 1">
             <a:extLst>
               <a:ext uri="{FF2B5EF4-FFF2-40B4-BE49-F238E27FC236}">
-                <a16:creationId xmlns:a16="http://schemas.microsoft.com/office/drawing/2014/main" id="{8A9DDA8F-5E52-45B5-870D-700BF544B793}"/>
+                <a16:creationId xmlns:a16="http://schemas.microsoft.com/office/drawing/2014/main" xmlns="" id="{8A9DDA8F-5E52-45B5-870D-700BF544B793}"/>
               </a:ext>
             </a:extLst>
           </p:cNvPr>
@@ -26413,7 +26778,7 @@
           <p:cNvPr id="25" name="Content Placeholder 3">
             <a:extLst>
               <a:ext uri="{FF2B5EF4-FFF2-40B4-BE49-F238E27FC236}">
-                <a16:creationId xmlns:a16="http://schemas.microsoft.com/office/drawing/2014/main" id="{422BE5BC-44AF-4E0C-A3FC-3EF531D8B63A}"/>
+                <a16:creationId xmlns:a16="http://schemas.microsoft.com/office/drawing/2014/main" xmlns="" id="{422BE5BC-44AF-4E0C-A3FC-3EF531D8B63A}"/>
               </a:ext>
             </a:extLst>
           </p:cNvPr>
@@ -26450,6 +26815,13 @@
   <p:clrMapOvr>
     <a:masterClrMapping/>
   </p:clrMapOvr>
+  <p:timing>
+    <p:tnLst>
+      <p:par>
+        <p:cTn id="1" dur="indefinite" restart="never" nodeType="tmRoot"/>
+      </p:par>
+    </p:tnLst>
+  </p:timing>
 </p:sld>
 </file>
 
@@ -26483,7 +26855,7 @@
           <p:cNvPr id="65" name="Rectangle 64">
             <a:extLst>
               <a:ext uri="{FF2B5EF4-FFF2-40B4-BE49-F238E27FC236}">
-                <a16:creationId xmlns:a16="http://schemas.microsoft.com/office/drawing/2014/main" id="{8F404549-B4DC-481C-926C-DED3EF1C585B}"/>
+                <a16:creationId xmlns:a16="http://schemas.microsoft.com/office/drawing/2014/main" xmlns="" id="{8F404549-B4DC-481C-926C-DED3EF1C585B}"/>
               </a:ext>
             </a:extLst>
           </p:cNvPr>
@@ -26493,7 +26865,7 @@
           <p:nvPr>
             <p:extLst>
               <p:ext uri="{386F3935-93C4-4BCD-93E2-E3B085C9AB24}">
-                <p16:designElem xmlns:p16="http://schemas.microsoft.com/office/powerpoint/2015/main" val="1"/>
+                <p16:designElem xmlns:p16="http://schemas.microsoft.com/office/powerpoint/2015/main" xmlns="" val="1"/>
               </p:ext>
             </p:extLst>
           </p:nvPr>
@@ -26540,7 +26912,7 @@
           <p:cNvPr id="67" name="Rectangle 66">
             <a:extLst>
               <a:ext uri="{FF2B5EF4-FFF2-40B4-BE49-F238E27FC236}">
-                <a16:creationId xmlns:a16="http://schemas.microsoft.com/office/drawing/2014/main" id="{1E8FD5CD-351E-4B06-8B78-BD5102D00908}"/>
+                <a16:creationId xmlns:a16="http://schemas.microsoft.com/office/drawing/2014/main" xmlns="" id="{1E8FD5CD-351E-4B06-8B78-BD5102D00908}"/>
               </a:ext>
             </a:extLst>
           </p:cNvPr>
@@ -26550,7 +26922,7 @@
           <p:nvPr>
             <p:extLst>
               <p:ext uri="{386F3935-93C4-4BCD-93E2-E3B085C9AB24}">
-                <p16:designElem xmlns:p16="http://schemas.microsoft.com/office/powerpoint/2015/main" val="1"/>
+                <p16:designElem xmlns:p16="http://schemas.microsoft.com/office/powerpoint/2015/main" xmlns="" val="1"/>
               </p:ext>
             </p:extLst>
           </p:nvPr>
@@ -26591,7 +26963,7 @@
           <p:cNvPr id="9" name="Title 1">
             <a:extLst>
               <a:ext uri="{FF2B5EF4-FFF2-40B4-BE49-F238E27FC236}">
-                <a16:creationId xmlns:a16="http://schemas.microsoft.com/office/drawing/2014/main" id="{3F1EAE88-5BB4-4864-8351-F9574768D2F6}"/>
+                <a16:creationId xmlns:a16="http://schemas.microsoft.com/office/drawing/2014/main" xmlns="" id="{3F1EAE88-5BB4-4864-8351-F9574768D2F6}"/>
               </a:ext>
             </a:extLst>
           </p:cNvPr>
@@ -26630,7 +27002,7 @@
           <p:cNvPr id="16" name="TextBox 15">
             <a:extLst>
               <a:ext uri="{FF2B5EF4-FFF2-40B4-BE49-F238E27FC236}">
-                <a16:creationId xmlns:a16="http://schemas.microsoft.com/office/drawing/2014/main" id="{DA926E02-3044-4625-80BE-AB61363B9F88}"/>
+                <a16:creationId xmlns:a16="http://schemas.microsoft.com/office/drawing/2014/main" xmlns="" id="{DA926E02-3044-4625-80BE-AB61363B9F88}"/>
               </a:ext>
             </a:extLst>
           </p:cNvPr>
@@ -26728,7 +27100,7 @@
           <p:cNvPr id="17" name="Picture 16">
             <a:extLst>
               <a:ext uri="{FF2B5EF4-FFF2-40B4-BE49-F238E27FC236}">
-                <a16:creationId xmlns:a16="http://schemas.microsoft.com/office/drawing/2014/main" id="{D8305D6D-A75A-4797-8763-545317B0F140}"/>
+                <a16:creationId xmlns:a16="http://schemas.microsoft.com/office/drawing/2014/main" xmlns="" id="{D8305D6D-A75A-4797-8763-545317B0F140}"/>
               </a:ext>
             </a:extLst>
           </p:cNvPr>
@@ -26758,7 +27130,7 @@
           <p:cNvPr id="18" name="Oval 17">
             <a:extLst>
               <a:ext uri="{FF2B5EF4-FFF2-40B4-BE49-F238E27FC236}">
-                <a16:creationId xmlns:a16="http://schemas.microsoft.com/office/drawing/2014/main" id="{8333136C-4329-45DB-9DF3-EECFC19AD1BD}"/>
+                <a16:creationId xmlns:a16="http://schemas.microsoft.com/office/drawing/2014/main" xmlns="" id="{8333136C-4329-45DB-9DF3-EECFC19AD1BD}"/>
               </a:ext>
             </a:extLst>
           </p:cNvPr>
@@ -26818,7 +27190,7 @@
           <p:cNvPr id="19" name="Oval 18">
             <a:extLst>
               <a:ext uri="{FF2B5EF4-FFF2-40B4-BE49-F238E27FC236}">
-                <a16:creationId xmlns:a16="http://schemas.microsoft.com/office/drawing/2014/main" id="{3090405C-30BB-40DE-82D3-C29E37E88474}"/>
+                <a16:creationId xmlns:a16="http://schemas.microsoft.com/office/drawing/2014/main" xmlns="" id="{3090405C-30BB-40DE-82D3-C29E37E88474}"/>
               </a:ext>
             </a:extLst>
           </p:cNvPr>
@@ -26878,7 +27250,7 @@
           <p:cNvPr id="20" name="Curved Connector 12">
             <a:extLst>
               <a:ext uri="{FF2B5EF4-FFF2-40B4-BE49-F238E27FC236}">
-                <a16:creationId xmlns:a16="http://schemas.microsoft.com/office/drawing/2014/main" id="{E8753F47-FDC3-4378-AEE5-5E39E3F45C4F}"/>
+                <a16:creationId xmlns:a16="http://schemas.microsoft.com/office/drawing/2014/main" xmlns="" id="{E8753F47-FDC3-4378-AEE5-5E39E3F45C4F}"/>
               </a:ext>
             </a:extLst>
           </p:cNvPr>
@@ -26919,7 +27291,7 @@
           <p:cNvPr id="21" name="Curved Connector 20">
             <a:extLst>
               <a:ext uri="{FF2B5EF4-FFF2-40B4-BE49-F238E27FC236}">
-                <a16:creationId xmlns:a16="http://schemas.microsoft.com/office/drawing/2014/main" id="{05634855-D244-457D-93E2-922057A8F0F8}"/>
+                <a16:creationId xmlns:a16="http://schemas.microsoft.com/office/drawing/2014/main" xmlns="" id="{05634855-D244-457D-93E2-922057A8F0F8}"/>
               </a:ext>
             </a:extLst>
           </p:cNvPr>
@@ -27439,7 +27811,7 @@
   <a:extraClrSchemeLst/>
   <a:extLst>
     <a:ext uri="{05A4C25C-085E-4340-85A3-A5531E510DB2}">
-      <thm15:themeFamily xmlns:thm15="http://schemas.microsoft.com/office/thememl/2012/main" name="Dividend" id="{9697A71B-4AB7-4A1A-BD5B-BB2D22835B57}" vid="{66F1C100-1D2B-4BEA-AD01-C4F230B3B965}"/>
+      <thm15:themeFamily xmlns:thm15="http://schemas.microsoft.com/office/thememl/2012/main" xmlns="" name="Dividend" id="{9697A71B-4AB7-4A1A-BD5B-BB2D22835B57}" vid="{66F1C100-1D2B-4BEA-AD01-C4F230B3B965}"/>
     </a:ext>
   </a:extLst>
 </a:theme>

--- a/etc/Presentation_Group174.pptx
+++ b/etc/Presentation_Group174.pptx
@@ -3787,7 +3787,7 @@
         <a:lstStyle/>
         <a:p>
           <a:r>
-            <a:rPr lang="en-US"/>
+            <a:rPr lang="en-US" dirty="0"/>
             <a:t>ARMA(7,2) and ARMA(2,3) make better results rather than other models.</a:t>
           </a:r>
         </a:p>
@@ -3823,7 +3823,7 @@
         <a:lstStyle/>
         <a:p>
           <a:r>
-            <a:rPr lang="en-US"/>
+            <a:rPr lang="en-US" dirty="0"/>
             <a:t>Applying GARCH Model to analyze variance of data </a:t>
           </a:r>
         </a:p>
@@ -5927,7 +5927,7 @@
             <a:buNone/>
           </a:pPr>
           <a:r>
-            <a:rPr lang="en-US" sz="2000" kern="1200"/>
+            <a:rPr lang="en-US" sz="2000" kern="1200" dirty="0"/>
             <a:t>ARMA(7,2) and ARMA(2,3) make better results rather than other models.</a:t>
           </a:r>
         </a:p>
@@ -6006,7 +6006,7 @@
             <a:buNone/>
           </a:pPr>
           <a:r>
-            <a:rPr lang="en-US" sz="2000" kern="1200"/>
+            <a:rPr lang="en-US" sz="2000" kern="1200" dirty="0"/>
             <a:t>Applying GARCH Model to analyze variance of data </a:t>
           </a:r>
         </a:p>
@@ -16360,7 +16360,7 @@
                   </a:outerShdw>
                 </a:effectLst>
               </a:rPr>
-              <a:t>q=2</a:t>
+              <a:t>q=3</a:t>
             </a:r>
           </a:p>
         </p:txBody>
@@ -16420,7 +16420,7 @@
                   </a:outerShdw>
                 </a:effectLst>
               </a:rPr>
-              <a:t>p=7</a:t>
+              <a:t>p=2</a:t>
             </a:r>
           </a:p>
         </p:txBody>
@@ -20484,7 +20484,7 @@
                             </p:stCondLst>
                             <p:childTnLst>
                               <p:par>
-                                <p:cTn id="5" presetID="53" presetClass="entr" presetSubtype="16" fill="hold" nodeType="clickEffect">
+                                <p:cTn id="5" presetID="10" presetClass="entr" presetSubtype="0" fill="hold" grpId="0" nodeType="clickEffect">
                                   <p:stCondLst>
                                     <p:cond delay="0"/>
                                   </p:stCondLst>
@@ -20492,6 +20492,59 @@
                                     <p:set>
                                       <p:cBhvr>
                                         <p:cTn id="6" dur="1" fill="hold">
+                                          <p:stCondLst>
+                                            <p:cond delay="0"/>
+                                          </p:stCondLst>
+                                        </p:cTn>
+                                        <p:tgtEl>
+                                          <p:spTgt spid="11"/>
+                                        </p:tgtEl>
+                                        <p:attrNameLst>
+                                          <p:attrName>style.visibility</p:attrName>
+                                        </p:attrNameLst>
+                                      </p:cBhvr>
+                                      <p:to>
+                                        <p:strVal val="visible"/>
+                                      </p:to>
+                                    </p:set>
+                                    <p:animEffect transition="in" filter="fade">
+                                      <p:cBhvr>
+                                        <p:cTn id="7" dur="500"/>
+                                        <p:tgtEl>
+                                          <p:spTgt spid="11"/>
+                                        </p:tgtEl>
+                                      </p:cBhvr>
+                                    </p:animEffect>
+                                  </p:childTnLst>
+                                </p:cTn>
+                              </p:par>
+                            </p:childTnLst>
+                          </p:cTn>
+                        </p:par>
+                      </p:childTnLst>
+                    </p:cTn>
+                  </p:par>
+                  <p:par>
+                    <p:cTn id="8" fill="hold">
+                      <p:stCondLst>
+                        <p:cond delay="indefinite"/>
+                      </p:stCondLst>
+                      <p:childTnLst>
+                        <p:par>
+                          <p:cTn id="9" fill="hold">
+                            <p:stCondLst>
+                              <p:cond delay="0"/>
+                            </p:stCondLst>
+                            <p:childTnLst>
+                              <p:par>
+                                <p:cTn id="10" presetID="53" presetClass="entr" presetSubtype="16" fill="hold" nodeType="clickEffect">
+                                  <p:stCondLst>
+                                    <p:cond delay="0"/>
+                                  </p:stCondLst>
+                                  <p:childTnLst>
+                                    <p:set>
+                                      <p:cBhvr>
+                                        <p:cTn id="11" dur="1" fill="hold">
                                           <p:stCondLst>
                                             <p:cond delay="0"/>
                                           </p:stCondLst>
@@ -20509,7 +20562,7 @@
                                     </p:set>
                                     <p:anim calcmode="lin" valueType="num">
                                       <p:cBhvr>
-                                        <p:cTn id="7" dur="500" fill="hold"/>
+                                        <p:cTn id="12" dur="500" fill="hold"/>
                                         <p:tgtEl>
                                           <p:spTgt spid="9"/>
                                         </p:tgtEl>
@@ -20532,7 +20585,7 @@
                                     </p:anim>
                                     <p:anim calcmode="lin" valueType="num">
                                       <p:cBhvr>
-                                        <p:cTn id="8" dur="500" fill="hold"/>
+                                        <p:cTn id="13" dur="500" fill="hold"/>
                                         <p:tgtEl>
                                           <p:spTgt spid="9"/>
                                         </p:tgtEl>
@@ -20555,7 +20608,7 @@
                                     </p:anim>
                                     <p:animEffect transition="in" filter="fade">
                                       <p:cBhvr>
-                                        <p:cTn id="9" dur="500"/>
+                                        <p:cTn id="14" dur="500"/>
                                         <p:tgtEl>
                                           <p:spTgt spid="9"/>
                                         </p:tgtEl>
@@ -20565,14 +20618,14 @@
                                 </p:cTn>
                               </p:par>
                               <p:par>
-                                <p:cTn id="10" presetID="53" presetClass="entr" presetSubtype="16" fill="hold" nodeType="withEffect">
+                                <p:cTn id="15" presetID="53" presetClass="entr" presetSubtype="16" fill="hold" nodeType="withEffect">
                                   <p:stCondLst>
                                     <p:cond delay="0"/>
                                   </p:stCondLst>
                                   <p:childTnLst>
                                     <p:set>
                                       <p:cBhvr>
-                                        <p:cTn id="11" dur="1" fill="hold">
+                                        <p:cTn id="16" dur="1" fill="hold">
                                           <p:stCondLst>
                                             <p:cond delay="0"/>
                                           </p:stCondLst>
@@ -20590,7 +20643,7 @@
                                     </p:set>
                                     <p:anim calcmode="lin" valueType="num">
                                       <p:cBhvr>
-                                        <p:cTn id="12" dur="500" fill="hold"/>
+                                        <p:cTn id="17" dur="500" fill="hold"/>
                                         <p:tgtEl>
                                           <p:spTgt spid="14"/>
                                         </p:tgtEl>
@@ -20613,7 +20666,7 @@
                                     </p:anim>
                                     <p:anim calcmode="lin" valueType="num">
                                       <p:cBhvr>
-                                        <p:cTn id="13" dur="500" fill="hold"/>
+                                        <p:cTn id="18" dur="500" fill="hold"/>
                                         <p:tgtEl>
                                           <p:spTgt spid="14"/>
                                         </p:tgtEl>
@@ -20636,7 +20689,7 @@
                                     </p:anim>
                                     <p:animEffect transition="in" filter="fade">
                                       <p:cBhvr>
-                                        <p:cTn id="14" dur="500"/>
+                                        <p:cTn id="19" dur="500"/>
                                         <p:tgtEl>
                                           <p:spTgt spid="14"/>
                                         </p:tgtEl>
@@ -20672,6 +20725,11 @@
         </p:cTn>
       </p:par>
     </p:tnLst>
+    <p:bldLst>
+      <p:bldGraphic spid="11" grpId="0">
+        <p:bldAsOne/>
+      </p:bldGraphic>
+    </p:bldLst>
   </p:timing>
 </p:sld>
 </file>
@@ -23901,7 +23959,7 @@
                             </p:stCondLst>
                             <p:childTnLst>
                               <p:par>
-                                <p:cTn id="5" presetID="10" presetClass="entr" presetSubtype="0" fill="hold" grpId="0" nodeType="withEffect">
+                                <p:cTn id="5" presetID="10" presetClass="entr" presetSubtype="0" fill="hold" grpId="0" nodeType="afterEffect">
                                   <p:stCondLst>
                                     <p:cond delay="0"/>
                                   </p:stCondLst>
@@ -24026,30 +24084,21 @@
                             </p:childTnLst>
                           </p:cTn>
                         </p:par>
-                      </p:childTnLst>
-                    </p:cTn>
-                  </p:par>
-                  <p:par>
-                    <p:cTn id="16" fill="hold">
-                      <p:stCondLst>
-                        <p:cond delay="indefinite"/>
-                      </p:stCondLst>
-                      <p:childTnLst>
                         <p:par>
-                          <p:cTn id="17" fill="hold">
+                          <p:cTn id="16" fill="hold">
                             <p:stCondLst>
-                              <p:cond delay="0"/>
+                              <p:cond delay="1500"/>
                             </p:stCondLst>
                             <p:childTnLst>
                               <p:par>
-                                <p:cTn id="18" presetID="22" presetClass="entr" presetSubtype="4" fill="hold" grpId="0" nodeType="clickEffect">
+                                <p:cTn id="17" presetID="22" presetClass="entr" presetSubtype="4" fill="hold" grpId="0" nodeType="afterEffect">
                                   <p:stCondLst>
                                     <p:cond delay="0"/>
                                   </p:stCondLst>
                                   <p:childTnLst>
                                     <p:set>
                                       <p:cBhvr>
-                                        <p:cTn id="19" dur="1" fill="hold">
+                                        <p:cTn id="18" dur="1" fill="hold">
                                           <p:stCondLst>
                                             <p:cond delay="0"/>
                                           </p:stCondLst>
@@ -24067,7 +24116,7 @@
                                     </p:set>
                                     <p:animEffect transition="in" filter="wipe(down)">
                                       <p:cBhvr>
-                                        <p:cTn id="20" dur="500"/>
+                                        <p:cTn id="19" dur="500"/>
                                         <p:tgtEl>
                                           <p:spTgt spid="9"/>
                                         </p:tgtEl>
@@ -24080,20 +24129,20 @@
                           </p:cTn>
                         </p:par>
                         <p:par>
-                          <p:cTn id="21" fill="hold">
+                          <p:cTn id="20" fill="hold">
                             <p:stCondLst>
-                              <p:cond delay="500"/>
+                              <p:cond delay="2000"/>
                             </p:stCondLst>
                             <p:childTnLst>
                               <p:par>
-                                <p:cTn id="22" presetID="10" presetClass="entr" presetSubtype="0" fill="hold" grpId="0" nodeType="afterEffect">
+                                <p:cTn id="21" presetID="10" presetClass="entr" presetSubtype="0" fill="hold" grpId="0" nodeType="afterEffect">
                                   <p:stCondLst>
                                     <p:cond delay="0"/>
                                   </p:stCondLst>
                                   <p:childTnLst>
                                     <p:set>
                                       <p:cBhvr>
-                                        <p:cTn id="23" dur="1" fill="hold">
+                                        <p:cTn id="22" dur="1" fill="hold">
                                           <p:stCondLst>
                                             <p:cond delay="0"/>
                                           </p:stCondLst>
@@ -24111,7 +24160,7 @@
                                     </p:set>
                                     <p:animEffect transition="in" filter="fade">
                                       <p:cBhvr>
-                                        <p:cTn id="24" dur="500"/>
+                                        <p:cTn id="23" dur="500"/>
                                         <p:tgtEl>
                                           <p:spTgt spid="4"/>
                                         </p:tgtEl>
@@ -24124,20 +24173,20 @@
                           </p:cTn>
                         </p:par>
                         <p:par>
-                          <p:cTn id="25" fill="hold">
+                          <p:cTn id="24" fill="hold">
                             <p:stCondLst>
-                              <p:cond delay="1000"/>
+                              <p:cond delay="2500"/>
                             </p:stCondLst>
                             <p:childTnLst>
                               <p:par>
-                                <p:cTn id="26" presetID="10" presetClass="entr" presetSubtype="0" fill="hold" grpId="0" nodeType="afterEffect">
+                                <p:cTn id="25" presetID="10" presetClass="entr" presetSubtype="0" fill="hold" grpId="0" nodeType="afterEffect">
                                   <p:stCondLst>
                                     <p:cond delay="0"/>
                                   </p:stCondLst>
                                   <p:childTnLst>
                                     <p:set>
                                       <p:cBhvr>
-                                        <p:cTn id="27" dur="1" fill="hold">
+                                        <p:cTn id="26" dur="1" fill="hold">
                                           <p:stCondLst>
                                             <p:cond delay="0"/>
                                           </p:stCondLst>
@@ -24155,7 +24204,7 @@
                                     </p:set>
                                     <p:animEffect transition="in" filter="fade">
                                       <p:cBhvr>
-                                        <p:cTn id="28" dur="500"/>
+                                        <p:cTn id="27" dur="500"/>
                                         <p:tgtEl>
                                           <p:spTgt spid="7"/>
                                         </p:tgtEl>
@@ -24168,20 +24217,20 @@
                           </p:cTn>
                         </p:par>
                         <p:par>
-                          <p:cTn id="29" fill="hold">
+                          <p:cTn id="28" fill="hold">
                             <p:stCondLst>
-                              <p:cond delay="1500"/>
+                              <p:cond delay="3000"/>
                             </p:stCondLst>
                             <p:childTnLst>
                               <p:par>
-                                <p:cTn id="30" presetID="10" presetClass="entr" presetSubtype="0" fill="hold" grpId="0" nodeType="afterEffect">
+                                <p:cTn id="29" presetID="10" presetClass="entr" presetSubtype="0" fill="hold" grpId="0" nodeType="afterEffect">
                                   <p:stCondLst>
                                     <p:cond delay="0"/>
                                   </p:stCondLst>
                                   <p:childTnLst>
                                     <p:set>
                                       <p:cBhvr>
-                                        <p:cTn id="31" dur="1" fill="hold">
+                                        <p:cTn id="30" dur="1" fill="hold">
                                           <p:stCondLst>
                                             <p:cond delay="0"/>
                                           </p:stCondLst>
@@ -24199,7 +24248,7 @@
                                     </p:set>
                                     <p:animEffect transition="in" filter="fade">
                                       <p:cBhvr>
-                                        <p:cTn id="32" dur="500"/>
+                                        <p:cTn id="31" dur="500"/>
                                         <p:tgtEl>
                                           <p:spTgt spid="23"/>
                                         </p:tgtEl>
@@ -24211,30 +24260,21 @@
                             </p:childTnLst>
                           </p:cTn>
                         </p:par>
-                      </p:childTnLst>
-                    </p:cTn>
-                  </p:par>
-                  <p:par>
-                    <p:cTn id="33" fill="hold">
-                      <p:stCondLst>
-                        <p:cond delay="indefinite"/>
-                      </p:stCondLst>
-                      <p:childTnLst>
                         <p:par>
-                          <p:cTn id="34" fill="hold">
+                          <p:cTn id="32" fill="hold">
                             <p:stCondLst>
-                              <p:cond delay="0"/>
+                              <p:cond delay="3500"/>
                             </p:stCondLst>
                             <p:childTnLst>
                               <p:par>
-                                <p:cTn id="35" presetID="10" presetClass="entr" presetSubtype="0" fill="hold" grpId="0" nodeType="clickEffect">
+                                <p:cTn id="33" presetID="10" presetClass="entr" presetSubtype="0" fill="hold" grpId="0" nodeType="afterEffect">
                                   <p:stCondLst>
                                     <p:cond delay="0"/>
                                   </p:stCondLst>
                                   <p:childTnLst>
                                     <p:set>
                                       <p:cBhvr>
-                                        <p:cTn id="36" dur="1" fill="hold">
+                                        <p:cTn id="34" dur="1" fill="hold">
                                           <p:stCondLst>
                                             <p:cond delay="0"/>
                                           </p:stCondLst>
@@ -24252,7 +24292,7 @@
                                     </p:set>
                                     <p:animEffect transition="in" filter="fade">
                                       <p:cBhvr>
-                                        <p:cTn id="37" dur="500"/>
+                                        <p:cTn id="35" dur="500"/>
                                         <p:tgtEl>
                                           <p:spTgt spid="10"/>
                                         </p:tgtEl>
@@ -24265,20 +24305,20 @@
                           </p:cTn>
                         </p:par>
                         <p:par>
-                          <p:cTn id="38" fill="hold">
+                          <p:cTn id="36" fill="hold">
                             <p:stCondLst>
-                              <p:cond delay="500"/>
+                              <p:cond delay="4000"/>
                             </p:stCondLst>
                             <p:childTnLst>
                               <p:par>
-                                <p:cTn id="39" presetID="10" presetClass="entr" presetSubtype="0" fill="hold" grpId="0" nodeType="afterEffect">
+                                <p:cTn id="37" presetID="10" presetClass="entr" presetSubtype="0" fill="hold" grpId="0" nodeType="afterEffect">
                                   <p:stCondLst>
                                     <p:cond delay="0"/>
                                   </p:stCondLst>
                                   <p:childTnLst>
                                     <p:set>
                                       <p:cBhvr>
-                                        <p:cTn id="40" dur="1" fill="hold">
+                                        <p:cTn id="38" dur="1" fill="hold">
                                           <p:stCondLst>
                                             <p:cond delay="0"/>
                                           </p:stCondLst>
@@ -24296,7 +24336,7 @@
                                     </p:set>
                                     <p:animEffect transition="in" filter="fade">
                                       <p:cBhvr>
-                                        <p:cTn id="41" dur="500"/>
+                                        <p:cTn id="39" dur="500"/>
                                         <p:tgtEl>
                                           <p:spTgt spid="11"/>
                                         </p:tgtEl>
@@ -24308,30 +24348,21 @@
                             </p:childTnLst>
                           </p:cTn>
                         </p:par>
-                      </p:childTnLst>
-                    </p:cTn>
-                  </p:par>
-                  <p:par>
-                    <p:cTn id="42" fill="hold">
-                      <p:stCondLst>
-                        <p:cond delay="indefinite"/>
-                      </p:stCondLst>
-                      <p:childTnLst>
                         <p:par>
-                          <p:cTn id="43" fill="hold">
+                          <p:cTn id="40" fill="hold">
                             <p:stCondLst>
-                              <p:cond delay="0"/>
+                              <p:cond delay="4500"/>
                             </p:stCondLst>
                             <p:childTnLst>
                               <p:par>
-                                <p:cTn id="44" presetID="10" presetClass="entr" presetSubtype="0" fill="hold" grpId="0" nodeType="clickEffect">
+                                <p:cTn id="41" presetID="10" presetClass="entr" presetSubtype="0" fill="hold" grpId="0" nodeType="afterEffect">
                                   <p:stCondLst>
                                     <p:cond delay="0"/>
                                   </p:stCondLst>
                                   <p:childTnLst>
                                     <p:set>
                                       <p:cBhvr>
-                                        <p:cTn id="45" dur="1" fill="hold">
+                                        <p:cTn id="42" dur="1" fill="hold">
                                           <p:stCondLst>
                                             <p:cond delay="0"/>
                                           </p:stCondLst>
@@ -24349,7 +24380,7 @@
                                     </p:set>
                                     <p:animEffect transition="in" filter="fade">
                                       <p:cBhvr>
-                                        <p:cTn id="46" dur="500"/>
+                                        <p:cTn id="43" dur="500"/>
                                         <p:tgtEl>
                                           <p:spTgt spid="12"/>
                                         </p:tgtEl>
@@ -24362,20 +24393,20 @@
                           </p:cTn>
                         </p:par>
                         <p:par>
-                          <p:cTn id="47" fill="hold">
+                          <p:cTn id="44" fill="hold">
                             <p:stCondLst>
-                              <p:cond delay="500"/>
+                              <p:cond delay="5000"/>
                             </p:stCondLst>
                             <p:childTnLst>
                               <p:par>
-                                <p:cTn id="48" presetID="10" presetClass="entr" presetSubtype="0" fill="hold" nodeType="afterEffect">
+                                <p:cTn id="45" presetID="10" presetClass="entr" presetSubtype="0" fill="hold" nodeType="afterEffect">
                                   <p:stCondLst>
                                     <p:cond delay="0"/>
                                   </p:stCondLst>
                                   <p:childTnLst>
                                     <p:set>
                                       <p:cBhvr>
-                                        <p:cTn id="49" dur="1" fill="hold">
+                                        <p:cTn id="46" dur="1" fill="hold">
                                           <p:stCondLst>
                                             <p:cond delay="0"/>
                                           </p:stCondLst>
@@ -24393,7 +24424,7 @@
                                     </p:set>
                                     <p:animEffect transition="in" filter="fade">
                                       <p:cBhvr>
-                                        <p:cTn id="50" dur="500"/>
+                                        <p:cTn id="47" dur="500"/>
                                         <p:tgtEl>
                                           <p:spTgt spid="14"/>
                                         </p:tgtEl>
@@ -24978,10 +25009,10 @@
       </p:sp>
       <p:pic>
         <p:nvPicPr>
-          <p:cNvPr id="28" name="Picture 27">
+          <p:cNvPr id="2" name="Picture 1">
             <a:extLst>
               <a:ext uri="{FF2B5EF4-FFF2-40B4-BE49-F238E27FC236}">
-                <a16:creationId xmlns:a16="http://schemas.microsoft.com/office/drawing/2014/main" id="{1591FC15-B245-42F0-AB27-B2A87DDE7A8A}"/>
+                <a16:creationId xmlns:a16="http://schemas.microsoft.com/office/drawing/2014/main" id="{52F38C23-749C-4B91-8A7B-F8F365D7DE8F}"/>
               </a:ext>
             </a:extLst>
           </p:cNvPr>
@@ -24990,15 +25021,16 @@
           </p:cNvPicPr>
           <p:nvPr/>
         </p:nvPicPr>
-        <p:blipFill rotWithShape="1">
+        <p:blipFill>
           <a:blip r:embed="rId2"/>
-          <a:srcRect l="3905" r="-1" b="-1"/>
-          <a:stretch/>
+          <a:stretch>
+            <a:fillRect/>
+          </a:stretch>
         </p:blipFill>
         <p:spPr>
           <a:xfrm>
-            <a:off x="4319443" y="590549"/>
-            <a:ext cx="7444029" cy="5676901"/>
+            <a:off x="4208503" y="732503"/>
+            <a:ext cx="7667290" cy="5493676"/>
           </a:xfrm>
           <a:prstGeom prst="rect">
             <a:avLst/>
